--- a/CloudNativeApps.pptx
+++ b/CloudNativeApps.pptx
@@ -12,7 +12,8 @@
     <p:sldId id="260" r:id="rId6"/>
     <p:sldId id="261" r:id="rId7"/>
     <p:sldId id="262" r:id="rId8"/>
-    <p:sldId id="263" r:id="rId9"/>
+    <p:sldId id="264" r:id="rId9"/>
+    <p:sldId id="263" r:id="rId10"/>
   </p:sldIdLst>
   <p:sldSz cx="12192000" cy="6858000"/>
   <p:notesSz cx="6858000" cy="9144000"/>
@@ -117,12 +118,931 @@
 <file path=ppt/revisionInfo.xml><?xml version="1.0" encoding="utf-8"?>
 <p1510:revInfo xmlns:a="http://schemas.openxmlformats.org/drawingml/2006/main" xmlns:r="http://schemas.openxmlformats.org/officeDocument/2006/relationships" xmlns:p1510="http://schemas.microsoft.com/office/powerpoint/2015/10/main">
   <p1510:revLst>
-    <p1510:client id="{32B24E5E-24DB-484A-B724-91F49E0766B5}" v="131" dt="2020-08-12T07:00:01.575"/>
+    <p1510:client id="{32B24E5E-24DB-484A-B724-91F49E0766B5}" v="247" dt="2020-08-12T09:09:19.333"/>
   </p1510:revLst>
 </p1510:revInfo>
 </file>
 
 <file path=ppt/diagrams/colors1.xml><?xml version="1.0" encoding="utf-8"?>
+<dgm:colorsDef xmlns:dgm="http://schemas.openxmlformats.org/drawingml/2006/diagram" xmlns:a="http://schemas.openxmlformats.org/drawingml/2006/main" uniqueId="urn:microsoft.com/office/officeart/2005/8/colors/colorful1">
+  <dgm:title val=""/>
+  <dgm:desc val=""/>
+  <dgm:catLst>
+    <dgm:cat type="colorful" pri="10100"/>
+  </dgm:catLst>
+  <dgm:styleLbl name="node0">
+    <dgm:fillClrLst meth="repeat">
+      <a:schemeClr val="accent1"/>
+    </dgm:fillClrLst>
+    <dgm:linClrLst meth="repeat">
+      <a:schemeClr val="lt1"/>
+    </dgm:linClrLst>
+    <dgm:effectClrLst/>
+    <dgm:txLinClrLst/>
+    <dgm:txFillClrLst/>
+    <dgm:txEffectClrLst/>
+  </dgm:styleLbl>
+  <dgm:styleLbl name="node1">
+    <dgm:fillClrLst meth="repeat">
+      <a:schemeClr val="accent2"/>
+      <a:schemeClr val="accent3"/>
+      <a:schemeClr val="accent4"/>
+      <a:schemeClr val="accent5"/>
+      <a:schemeClr val="accent6"/>
+    </dgm:fillClrLst>
+    <dgm:linClrLst meth="repeat">
+      <a:schemeClr val="lt1"/>
+    </dgm:linClrLst>
+    <dgm:effectClrLst/>
+    <dgm:txLinClrLst/>
+    <dgm:txFillClrLst/>
+    <dgm:txEffectClrLst/>
+  </dgm:styleLbl>
+  <dgm:styleLbl name="alignNode1">
+    <dgm:fillClrLst meth="repeat">
+      <a:schemeClr val="accent2"/>
+      <a:schemeClr val="accent3"/>
+      <a:schemeClr val="accent4"/>
+      <a:schemeClr val="accent5"/>
+      <a:schemeClr val="accent6"/>
+    </dgm:fillClrLst>
+    <dgm:linClrLst meth="repeat">
+      <a:schemeClr val="accent2"/>
+      <a:schemeClr val="accent3"/>
+      <a:schemeClr val="accent4"/>
+      <a:schemeClr val="accent5"/>
+      <a:schemeClr val="accent6"/>
+    </dgm:linClrLst>
+    <dgm:effectClrLst/>
+    <dgm:txLinClrLst/>
+    <dgm:txFillClrLst/>
+    <dgm:txEffectClrLst/>
+  </dgm:styleLbl>
+  <dgm:styleLbl name="lnNode1">
+    <dgm:fillClrLst meth="repeat">
+      <a:schemeClr val="accent2"/>
+      <a:schemeClr val="accent3"/>
+      <a:schemeClr val="accent4"/>
+      <a:schemeClr val="accent5"/>
+      <a:schemeClr val="accent6"/>
+    </dgm:fillClrLst>
+    <dgm:linClrLst meth="repeat">
+      <a:schemeClr val="lt1"/>
+    </dgm:linClrLst>
+    <dgm:effectClrLst/>
+    <dgm:txLinClrLst/>
+    <dgm:txFillClrLst/>
+    <dgm:txEffectClrLst/>
+  </dgm:styleLbl>
+  <dgm:styleLbl name="vennNode1">
+    <dgm:fillClrLst meth="repeat">
+      <a:schemeClr val="accent2">
+        <a:alpha val="50000"/>
+      </a:schemeClr>
+      <a:schemeClr val="accent3">
+        <a:alpha val="50000"/>
+      </a:schemeClr>
+      <a:schemeClr val="accent4">
+        <a:alpha val="50000"/>
+      </a:schemeClr>
+      <a:schemeClr val="accent5">
+        <a:alpha val="50000"/>
+      </a:schemeClr>
+      <a:schemeClr val="accent6">
+        <a:alpha val="50000"/>
+      </a:schemeClr>
+    </dgm:fillClrLst>
+    <dgm:linClrLst meth="repeat">
+      <a:schemeClr val="lt1"/>
+    </dgm:linClrLst>
+    <dgm:effectClrLst/>
+    <dgm:txLinClrLst/>
+    <dgm:txFillClrLst/>
+    <dgm:txEffectClrLst/>
+  </dgm:styleLbl>
+  <dgm:styleLbl name="node2">
+    <dgm:fillClrLst>
+      <a:schemeClr val="accent2"/>
+    </dgm:fillClrLst>
+    <dgm:linClrLst meth="repeat">
+      <a:schemeClr val="lt1"/>
+    </dgm:linClrLst>
+    <dgm:effectClrLst/>
+    <dgm:txLinClrLst/>
+    <dgm:txFillClrLst/>
+    <dgm:txEffectClrLst/>
+  </dgm:styleLbl>
+  <dgm:styleLbl name="node3">
+    <dgm:fillClrLst>
+      <a:schemeClr val="accent3"/>
+    </dgm:fillClrLst>
+    <dgm:linClrLst meth="repeat">
+      <a:schemeClr val="lt1"/>
+    </dgm:linClrLst>
+    <dgm:effectClrLst/>
+    <dgm:txLinClrLst/>
+    <dgm:txFillClrLst/>
+    <dgm:txEffectClrLst/>
+  </dgm:styleLbl>
+  <dgm:styleLbl name="node4">
+    <dgm:fillClrLst>
+      <a:schemeClr val="accent4"/>
+    </dgm:fillClrLst>
+    <dgm:linClrLst meth="repeat">
+      <a:schemeClr val="lt1"/>
+    </dgm:linClrLst>
+    <dgm:effectClrLst/>
+    <dgm:txLinClrLst/>
+    <dgm:txFillClrLst/>
+    <dgm:txEffectClrLst/>
+  </dgm:styleLbl>
+  <dgm:styleLbl name="fgImgPlace1">
+    <dgm:fillClrLst meth="repeat">
+      <a:schemeClr val="accent2">
+        <a:tint val="50000"/>
+      </a:schemeClr>
+      <a:schemeClr val="accent3">
+        <a:tint val="50000"/>
+      </a:schemeClr>
+      <a:schemeClr val="accent4">
+        <a:tint val="50000"/>
+      </a:schemeClr>
+      <a:schemeClr val="accent5">
+        <a:tint val="50000"/>
+      </a:schemeClr>
+      <a:schemeClr val="accent6">
+        <a:tint val="50000"/>
+      </a:schemeClr>
+    </dgm:fillClrLst>
+    <dgm:linClrLst meth="repeat">
+      <a:schemeClr val="lt1"/>
+    </dgm:linClrLst>
+    <dgm:effectClrLst/>
+    <dgm:txLinClrLst/>
+    <dgm:txFillClrLst meth="repeat">
+      <a:schemeClr val="lt1"/>
+    </dgm:txFillClrLst>
+    <dgm:txEffectClrLst/>
+  </dgm:styleLbl>
+  <dgm:styleLbl name="alignImgPlace1">
+    <dgm:fillClrLst>
+      <a:schemeClr val="accent1">
+        <a:tint val="50000"/>
+      </a:schemeClr>
+      <a:schemeClr val="accent2">
+        <a:tint val="20000"/>
+      </a:schemeClr>
+    </dgm:fillClrLst>
+    <dgm:linClrLst meth="repeat">
+      <a:schemeClr val="lt1"/>
+    </dgm:linClrLst>
+    <dgm:effectClrLst/>
+    <dgm:txLinClrLst/>
+    <dgm:txFillClrLst meth="repeat">
+      <a:schemeClr val="lt1"/>
+    </dgm:txFillClrLst>
+    <dgm:txEffectClrLst/>
+  </dgm:styleLbl>
+  <dgm:styleLbl name="bgImgPlace1">
+    <dgm:fillClrLst>
+      <a:schemeClr val="accent1">
+        <a:tint val="50000"/>
+      </a:schemeClr>
+      <a:schemeClr val="accent2">
+        <a:tint val="20000"/>
+      </a:schemeClr>
+    </dgm:fillClrLst>
+    <dgm:linClrLst meth="repeat">
+      <a:schemeClr val="lt1"/>
+    </dgm:linClrLst>
+    <dgm:effectClrLst/>
+    <dgm:txLinClrLst/>
+    <dgm:txFillClrLst meth="repeat">
+      <a:schemeClr val="lt1"/>
+    </dgm:txFillClrLst>
+    <dgm:txEffectClrLst/>
+  </dgm:styleLbl>
+  <dgm:styleLbl name="sibTrans2D1">
+    <dgm:fillClrLst meth="repeat">
+      <a:schemeClr val="accent2"/>
+      <a:schemeClr val="accent3"/>
+      <a:schemeClr val="accent4"/>
+      <a:schemeClr val="accent5"/>
+      <a:schemeClr val="accent6"/>
+    </dgm:fillClrLst>
+    <dgm:linClrLst meth="cycle">
+      <a:schemeClr val="lt1"/>
+    </dgm:linClrLst>
+    <dgm:effectClrLst/>
+    <dgm:txLinClrLst/>
+    <dgm:txFillClrLst/>
+    <dgm:txEffectClrLst/>
+  </dgm:styleLbl>
+  <dgm:styleLbl name="fgSibTrans2D1">
+    <dgm:fillClrLst meth="repeat">
+      <a:schemeClr val="accent2"/>
+      <a:schemeClr val="accent3"/>
+      <a:schemeClr val="accent4"/>
+      <a:schemeClr val="accent5"/>
+      <a:schemeClr val="accent6"/>
+    </dgm:fillClrLst>
+    <dgm:linClrLst meth="cycle">
+      <a:schemeClr val="lt1"/>
+    </dgm:linClrLst>
+    <dgm:effectClrLst/>
+    <dgm:txLinClrLst/>
+    <dgm:txFillClrLst meth="repeat">
+      <a:schemeClr val="lt1"/>
+    </dgm:txFillClrLst>
+    <dgm:txEffectClrLst/>
+  </dgm:styleLbl>
+  <dgm:styleLbl name="bgSibTrans2D1">
+    <dgm:fillClrLst meth="repeat">
+      <a:schemeClr val="accent2"/>
+      <a:schemeClr val="accent3"/>
+      <a:schemeClr val="accent4"/>
+      <a:schemeClr val="accent5"/>
+      <a:schemeClr val="accent6"/>
+    </dgm:fillClrLst>
+    <dgm:linClrLst meth="cycle">
+      <a:schemeClr val="lt1"/>
+    </dgm:linClrLst>
+    <dgm:effectClrLst/>
+    <dgm:txLinClrLst/>
+    <dgm:txFillClrLst meth="repeat">
+      <a:schemeClr val="lt1"/>
+    </dgm:txFillClrLst>
+    <dgm:txEffectClrLst/>
+  </dgm:styleLbl>
+  <dgm:styleLbl name="sibTrans1D1">
+    <dgm:fillClrLst meth="repeat">
+      <a:schemeClr val="accent2"/>
+      <a:schemeClr val="accent3"/>
+      <a:schemeClr val="accent4"/>
+      <a:schemeClr val="accent5"/>
+      <a:schemeClr val="accent6"/>
+    </dgm:fillClrLst>
+    <dgm:linClrLst meth="repeat">
+      <a:schemeClr val="accent2"/>
+      <a:schemeClr val="accent3"/>
+      <a:schemeClr val="accent4"/>
+      <a:schemeClr val="accent5"/>
+      <a:schemeClr val="accent6"/>
+    </dgm:linClrLst>
+    <dgm:effectClrLst/>
+    <dgm:txLinClrLst/>
+    <dgm:txFillClrLst meth="repeat">
+      <a:schemeClr val="tx1"/>
+    </dgm:txFillClrLst>
+    <dgm:txEffectClrLst/>
+  </dgm:styleLbl>
+  <dgm:styleLbl name="callout">
+    <dgm:fillClrLst meth="repeat">
+      <a:schemeClr val="accent2"/>
+    </dgm:fillClrLst>
+    <dgm:linClrLst meth="repeat">
+      <a:schemeClr val="accent2">
+        <a:tint val="50000"/>
+      </a:schemeClr>
+    </dgm:linClrLst>
+    <dgm:effectClrLst/>
+    <dgm:txLinClrLst/>
+    <dgm:txFillClrLst meth="repeat">
+      <a:schemeClr val="tx1"/>
+    </dgm:txFillClrLst>
+    <dgm:txEffectClrLst/>
+  </dgm:styleLbl>
+  <dgm:styleLbl name="asst0">
+    <dgm:fillClrLst meth="repeat">
+      <a:schemeClr val="accent1"/>
+    </dgm:fillClrLst>
+    <dgm:linClrLst meth="repeat">
+      <a:schemeClr val="lt1"/>
+    </dgm:linClrLst>
+    <dgm:effectClrLst/>
+    <dgm:txLinClrLst/>
+    <dgm:txFillClrLst/>
+    <dgm:txEffectClrLst/>
+  </dgm:styleLbl>
+  <dgm:styleLbl name="asst1">
+    <dgm:fillClrLst meth="repeat">
+      <a:schemeClr val="accent2"/>
+    </dgm:fillClrLst>
+    <dgm:linClrLst meth="repeat">
+      <a:schemeClr val="lt1"/>
+    </dgm:linClrLst>
+    <dgm:effectClrLst/>
+    <dgm:txLinClrLst/>
+    <dgm:txFillClrLst/>
+    <dgm:txEffectClrLst/>
+  </dgm:styleLbl>
+  <dgm:styleLbl name="asst2">
+    <dgm:fillClrLst>
+      <a:schemeClr val="accent3"/>
+    </dgm:fillClrLst>
+    <dgm:linClrLst meth="repeat">
+      <a:schemeClr val="lt1"/>
+    </dgm:linClrLst>
+    <dgm:effectClrLst/>
+    <dgm:txLinClrLst/>
+    <dgm:txFillClrLst/>
+    <dgm:txEffectClrLst/>
+  </dgm:styleLbl>
+  <dgm:styleLbl name="asst3">
+    <dgm:fillClrLst>
+      <a:schemeClr val="accent4"/>
+    </dgm:fillClrLst>
+    <dgm:linClrLst meth="repeat">
+      <a:schemeClr val="lt1"/>
+    </dgm:linClrLst>
+    <dgm:effectClrLst/>
+    <dgm:txLinClrLst/>
+    <dgm:txFillClrLst/>
+    <dgm:txEffectClrLst/>
+  </dgm:styleLbl>
+  <dgm:styleLbl name="asst4">
+    <dgm:fillClrLst>
+      <a:schemeClr val="accent5"/>
+    </dgm:fillClrLst>
+    <dgm:linClrLst meth="repeat">
+      <a:schemeClr val="lt1"/>
+    </dgm:linClrLst>
+    <dgm:effectClrLst/>
+    <dgm:txLinClrLst/>
+    <dgm:txFillClrLst/>
+    <dgm:txEffectClrLst/>
+  </dgm:styleLbl>
+  <dgm:styleLbl name="parChTrans2D1">
+    <dgm:fillClrLst meth="repeat">
+      <a:schemeClr val="accent2"/>
+    </dgm:fillClrLst>
+    <dgm:linClrLst meth="repeat">
+      <a:schemeClr val="lt1"/>
+    </dgm:linClrLst>
+    <dgm:effectClrLst/>
+    <dgm:txLinClrLst/>
+    <dgm:txFillClrLst meth="repeat">
+      <a:schemeClr val="lt1"/>
+    </dgm:txFillClrLst>
+    <dgm:txEffectClrLst/>
+  </dgm:styleLbl>
+  <dgm:styleLbl name="parChTrans2D2">
+    <dgm:fillClrLst meth="repeat">
+      <a:schemeClr val="accent3"/>
+    </dgm:fillClrLst>
+    <dgm:linClrLst meth="repeat">
+      <a:schemeClr val="lt1"/>
+    </dgm:linClrLst>
+    <dgm:effectClrLst/>
+    <dgm:txLinClrLst/>
+    <dgm:txFillClrLst/>
+    <dgm:txEffectClrLst/>
+  </dgm:styleLbl>
+  <dgm:styleLbl name="parChTrans2D3">
+    <dgm:fillClrLst meth="repeat">
+      <a:schemeClr val="accent4"/>
+    </dgm:fillClrLst>
+    <dgm:linClrLst meth="repeat">
+      <a:schemeClr val="lt1"/>
+    </dgm:linClrLst>
+    <dgm:effectClrLst/>
+    <dgm:txLinClrLst/>
+    <dgm:txFillClrLst/>
+    <dgm:txEffectClrLst/>
+  </dgm:styleLbl>
+  <dgm:styleLbl name="parChTrans2D4">
+    <dgm:fillClrLst meth="repeat">
+      <a:schemeClr val="accent5"/>
+    </dgm:fillClrLst>
+    <dgm:linClrLst meth="repeat">
+      <a:schemeClr val="lt1"/>
+    </dgm:linClrLst>
+    <dgm:effectClrLst/>
+    <dgm:txLinClrLst/>
+    <dgm:txFillClrLst meth="repeat">
+      <a:schemeClr val="lt1"/>
+    </dgm:txFillClrLst>
+    <dgm:txEffectClrLst/>
+  </dgm:styleLbl>
+  <dgm:styleLbl name="parChTrans1D1">
+    <dgm:fillClrLst meth="repeat">
+      <a:schemeClr val="accent2"/>
+    </dgm:fillClrLst>
+    <dgm:linClrLst meth="repeat">
+      <a:schemeClr val="accent1"/>
+    </dgm:linClrLst>
+    <dgm:effectClrLst/>
+    <dgm:txLinClrLst/>
+    <dgm:txFillClrLst meth="repeat">
+      <a:schemeClr val="tx1"/>
+    </dgm:txFillClrLst>
+    <dgm:txEffectClrLst/>
+  </dgm:styleLbl>
+  <dgm:styleLbl name="parChTrans1D2">
+    <dgm:fillClrLst meth="repeat">
+      <a:schemeClr val="accent3">
+        <a:tint val="90000"/>
+      </a:schemeClr>
+    </dgm:fillClrLst>
+    <dgm:linClrLst meth="repeat">
+      <a:schemeClr val="accent2"/>
+    </dgm:linClrLst>
+    <dgm:effectClrLst/>
+    <dgm:txLinClrLst/>
+    <dgm:txFillClrLst meth="repeat">
+      <a:schemeClr val="tx1"/>
+    </dgm:txFillClrLst>
+    <dgm:txEffectClrLst/>
+  </dgm:styleLbl>
+  <dgm:styleLbl name="parChTrans1D3">
+    <dgm:fillClrLst meth="repeat">
+      <a:schemeClr val="accent4">
+        <a:tint val="70000"/>
+      </a:schemeClr>
+    </dgm:fillClrLst>
+    <dgm:linClrLst meth="repeat">
+      <a:schemeClr val="accent3"/>
+    </dgm:linClrLst>
+    <dgm:effectClrLst/>
+    <dgm:txLinClrLst/>
+    <dgm:txFillClrLst meth="repeat">
+      <a:schemeClr val="tx1"/>
+    </dgm:txFillClrLst>
+    <dgm:txEffectClrLst/>
+  </dgm:styleLbl>
+  <dgm:styleLbl name="parChTrans1D4">
+    <dgm:fillClrLst meth="repeat">
+      <a:schemeClr val="accent5">
+        <a:tint val="50000"/>
+      </a:schemeClr>
+    </dgm:fillClrLst>
+    <dgm:linClrLst meth="repeat">
+      <a:schemeClr val="accent4"/>
+    </dgm:linClrLst>
+    <dgm:effectClrLst/>
+    <dgm:txLinClrLst/>
+    <dgm:txFillClrLst meth="repeat">
+      <a:schemeClr val="tx1"/>
+    </dgm:txFillClrLst>
+    <dgm:txEffectClrLst/>
+  </dgm:styleLbl>
+  <dgm:styleLbl name="fgAcc1">
+    <dgm:fillClrLst meth="repeat">
+      <a:schemeClr val="lt1">
+        <a:alpha val="90000"/>
+      </a:schemeClr>
+    </dgm:fillClrLst>
+    <dgm:linClrLst meth="repeat">
+      <a:schemeClr val="accent2"/>
+      <a:schemeClr val="accent3"/>
+      <a:schemeClr val="accent4"/>
+      <a:schemeClr val="accent5"/>
+      <a:schemeClr val="accent6"/>
+    </dgm:linClrLst>
+    <dgm:effectClrLst/>
+    <dgm:txLinClrLst/>
+    <dgm:txFillClrLst meth="repeat">
+      <a:schemeClr val="dk1"/>
+    </dgm:txFillClrLst>
+    <dgm:txEffectClrLst/>
+  </dgm:styleLbl>
+  <dgm:styleLbl name="conFgAcc1">
+    <dgm:fillClrLst meth="repeat">
+      <a:schemeClr val="lt1">
+        <a:alpha val="90000"/>
+      </a:schemeClr>
+    </dgm:fillClrLst>
+    <dgm:linClrLst meth="repeat">
+      <a:schemeClr val="accent2"/>
+      <a:schemeClr val="accent3"/>
+      <a:schemeClr val="accent4"/>
+      <a:schemeClr val="accent5"/>
+      <a:schemeClr val="accent6"/>
+    </dgm:linClrLst>
+    <dgm:effectClrLst/>
+    <dgm:txLinClrLst/>
+    <dgm:txFillClrLst meth="repeat">
+      <a:schemeClr val="dk1"/>
+    </dgm:txFillClrLst>
+    <dgm:txEffectClrLst/>
+  </dgm:styleLbl>
+  <dgm:styleLbl name="alignAcc1">
+    <dgm:fillClrLst meth="repeat">
+      <a:schemeClr val="lt1">
+        <a:alpha val="90000"/>
+      </a:schemeClr>
+    </dgm:fillClrLst>
+    <dgm:linClrLst meth="repeat">
+      <a:schemeClr val="accent2"/>
+      <a:schemeClr val="accent3"/>
+      <a:schemeClr val="accent4"/>
+      <a:schemeClr val="accent5"/>
+      <a:schemeClr val="accent6"/>
+    </dgm:linClrLst>
+    <dgm:effectClrLst/>
+    <dgm:txLinClrLst/>
+    <dgm:txFillClrLst meth="repeat">
+      <a:schemeClr val="dk1"/>
+    </dgm:txFillClrLst>
+    <dgm:txEffectClrLst/>
+  </dgm:styleLbl>
+  <dgm:styleLbl name="trAlignAcc1">
+    <dgm:fillClrLst meth="repeat">
+      <a:schemeClr val="lt1">
+        <a:alpha val="40000"/>
+      </a:schemeClr>
+    </dgm:fillClrLst>
+    <dgm:linClrLst meth="repeat">
+      <a:schemeClr val="accent1"/>
+    </dgm:linClrLst>
+    <dgm:effectClrLst/>
+    <dgm:txLinClrLst/>
+    <dgm:txFillClrLst meth="repeat">
+      <a:schemeClr val="dk1"/>
+    </dgm:txFillClrLst>
+    <dgm:txEffectClrLst/>
+  </dgm:styleLbl>
+  <dgm:styleLbl name="bgAcc1">
+    <dgm:fillClrLst meth="repeat">
+      <a:schemeClr val="lt1">
+        <a:alpha val="90000"/>
+      </a:schemeClr>
+    </dgm:fillClrLst>
+    <dgm:linClrLst meth="repeat">
+      <a:schemeClr val="accent2"/>
+      <a:schemeClr val="accent3"/>
+      <a:schemeClr val="accent4"/>
+      <a:schemeClr val="accent5"/>
+      <a:schemeClr val="accent6"/>
+    </dgm:linClrLst>
+    <dgm:effectClrLst/>
+    <dgm:txLinClrLst/>
+    <dgm:txFillClrLst meth="repeat">
+      <a:schemeClr val="dk1"/>
+    </dgm:txFillClrLst>
+    <dgm:txEffectClrLst/>
+  </dgm:styleLbl>
+  <dgm:styleLbl name="solidFgAcc1">
+    <dgm:fillClrLst meth="repeat">
+      <a:schemeClr val="lt1"/>
+    </dgm:fillClrLst>
+    <dgm:linClrLst meth="repeat">
+      <a:schemeClr val="accent2"/>
+      <a:schemeClr val="accent3"/>
+      <a:schemeClr val="accent4"/>
+      <a:schemeClr val="accent5"/>
+      <a:schemeClr val="accent6"/>
+    </dgm:linClrLst>
+    <dgm:effectClrLst/>
+    <dgm:txLinClrLst/>
+    <dgm:txFillClrLst meth="repeat">
+      <a:schemeClr val="dk1"/>
+    </dgm:txFillClrLst>
+    <dgm:txEffectClrLst/>
+  </dgm:styleLbl>
+  <dgm:styleLbl name="solidAlignAcc1">
+    <dgm:fillClrLst meth="repeat">
+      <a:schemeClr val="lt1"/>
+    </dgm:fillClrLst>
+    <dgm:linClrLst meth="repeat">
+      <a:schemeClr val="accent2"/>
+      <a:schemeClr val="accent3"/>
+      <a:schemeClr val="accent4"/>
+      <a:schemeClr val="accent5"/>
+      <a:schemeClr val="accent6"/>
+    </dgm:linClrLst>
+    <dgm:effectClrLst/>
+    <dgm:txLinClrLst/>
+    <dgm:txFillClrLst meth="repeat">
+      <a:schemeClr val="dk1"/>
+    </dgm:txFillClrLst>
+    <dgm:txEffectClrLst/>
+  </dgm:styleLbl>
+  <dgm:styleLbl name="solidBgAcc1">
+    <dgm:fillClrLst meth="repeat">
+      <a:schemeClr val="lt1"/>
+    </dgm:fillClrLst>
+    <dgm:linClrLst meth="repeat">
+      <a:schemeClr val="accent2"/>
+      <a:schemeClr val="accent3"/>
+      <a:schemeClr val="accent4"/>
+      <a:schemeClr val="accent5"/>
+      <a:schemeClr val="accent6"/>
+    </dgm:linClrLst>
+    <dgm:effectClrLst/>
+    <dgm:txLinClrLst/>
+    <dgm:txFillClrLst meth="repeat">
+      <a:schemeClr val="dk1"/>
+    </dgm:txFillClrLst>
+    <dgm:txEffectClrLst/>
+  </dgm:styleLbl>
+  <dgm:styleLbl name="fgAccFollowNode1">
+    <dgm:fillClrLst meth="repeat">
+      <a:schemeClr val="accent2">
+        <a:tint val="40000"/>
+        <a:alpha val="90000"/>
+      </a:schemeClr>
+      <a:schemeClr val="accent3">
+        <a:tint val="40000"/>
+        <a:alpha val="90000"/>
+      </a:schemeClr>
+      <a:schemeClr val="accent4">
+        <a:tint val="40000"/>
+        <a:alpha val="90000"/>
+      </a:schemeClr>
+      <a:schemeClr val="accent5">
+        <a:tint val="40000"/>
+        <a:alpha val="90000"/>
+      </a:schemeClr>
+      <a:schemeClr val="accent6">
+        <a:tint val="40000"/>
+        <a:alpha val="90000"/>
+      </a:schemeClr>
+    </dgm:fillClrLst>
+    <dgm:linClrLst meth="repeat">
+      <a:schemeClr val="accent2">
+        <a:tint val="40000"/>
+        <a:alpha val="90000"/>
+      </a:schemeClr>
+      <a:schemeClr val="accent3">
+        <a:tint val="40000"/>
+        <a:alpha val="90000"/>
+      </a:schemeClr>
+      <a:schemeClr val="accent4">
+        <a:tint val="40000"/>
+        <a:alpha val="90000"/>
+      </a:schemeClr>
+      <a:schemeClr val="accent5">
+        <a:tint val="40000"/>
+        <a:alpha val="90000"/>
+      </a:schemeClr>
+      <a:schemeClr val="accent6">
+        <a:tint val="40000"/>
+        <a:alpha val="90000"/>
+      </a:schemeClr>
+    </dgm:linClrLst>
+    <dgm:effectClrLst/>
+    <dgm:txLinClrLst/>
+    <dgm:txFillClrLst meth="repeat">
+      <a:schemeClr val="dk1"/>
+    </dgm:txFillClrLst>
+    <dgm:txEffectClrLst/>
+  </dgm:styleLbl>
+  <dgm:styleLbl name="alignAccFollowNode1">
+    <dgm:fillClrLst meth="repeat">
+      <a:schemeClr val="accent2">
+        <a:tint val="40000"/>
+        <a:alpha val="90000"/>
+      </a:schemeClr>
+      <a:schemeClr val="accent3">
+        <a:tint val="40000"/>
+        <a:alpha val="90000"/>
+      </a:schemeClr>
+      <a:schemeClr val="accent4">
+        <a:tint val="40000"/>
+        <a:alpha val="90000"/>
+      </a:schemeClr>
+      <a:schemeClr val="accent5">
+        <a:tint val="40000"/>
+        <a:alpha val="90000"/>
+      </a:schemeClr>
+      <a:schemeClr val="accent6">
+        <a:tint val="40000"/>
+        <a:alpha val="90000"/>
+      </a:schemeClr>
+    </dgm:fillClrLst>
+    <dgm:linClrLst meth="repeat">
+      <a:schemeClr val="accent2">
+        <a:tint val="40000"/>
+        <a:alpha val="90000"/>
+      </a:schemeClr>
+      <a:schemeClr val="accent3">
+        <a:tint val="40000"/>
+        <a:alpha val="90000"/>
+      </a:schemeClr>
+      <a:schemeClr val="accent4">
+        <a:tint val="40000"/>
+        <a:alpha val="90000"/>
+      </a:schemeClr>
+      <a:schemeClr val="accent5">
+        <a:tint val="40000"/>
+        <a:alpha val="90000"/>
+      </a:schemeClr>
+      <a:schemeClr val="accent6">
+        <a:tint val="40000"/>
+        <a:alpha val="90000"/>
+      </a:schemeClr>
+    </dgm:linClrLst>
+    <dgm:effectClrLst/>
+    <dgm:txLinClrLst/>
+    <dgm:txFillClrLst meth="repeat">
+      <a:schemeClr val="dk1"/>
+    </dgm:txFillClrLst>
+    <dgm:txEffectClrLst/>
+  </dgm:styleLbl>
+  <dgm:styleLbl name="bgAccFollowNode1">
+    <dgm:fillClrLst meth="repeat">
+      <a:schemeClr val="accent2">
+        <a:tint val="40000"/>
+        <a:alpha val="90000"/>
+      </a:schemeClr>
+      <a:schemeClr val="accent3">
+        <a:tint val="40000"/>
+        <a:alpha val="90000"/>
+      </a:schemeClr>
+      <a:schemeClr val="accent4">
+        <a:tint val="40000"/>
+        <a:alpha val="90000"/>
+      </a:schemeClr>
+      <a:schemeClr val="accent5">
+        <a:tint val="40000"/>
+        <a:alpha val="90000"/>
+      </a:schemeClr>
+      <a:schemeClr val="accent6">
+        <a:tint val="40000"/>
+        <a:alpha val="90000"/>
+      </a:schemeClr>
+    </dgm:fillClrLst>
+    <dgm:linClrLst meth="repeat">
+      <a:schemeClr val="accent2">
+        <a:tint val="40000"/>
+        <a:alpha val="90000"/>
+      </a:schemeClr>
+      <a:schemeClr val="accent3">
+        <a:tint val="40000"/>
+        <a:alpha val="90000"/>
+      </a:schemeClr>
+      <a:schemeClr val="accent4">
+        <a:tint val="40000"/>
+        <a:alpha val="90000"/>
+      </a:schemeClr>
+      <a:schemeClr val="accent5">
+        <a:tint val="40000"/>
+        <a:alpha val="90000"/>
+      </a:schemeClr>
+      <a:schemeClr val="accent6">
+        <a:tint val="40000"/>
+        <a:alpha val="90000"/>
+      </a:schemeClr>
+    </dgm:linClrLst>
+    <dgm:effectClrLst/>
+    <dgm:txLinClrLst/>
+    <dgm:txFillClrLst meth="repeat">
+      <a:schemeClr val="dk1"/>
+    </dgm:txFillClrLst>
+    <dgm:txEffectClrLst/>
+  </dgm:styleLbl>
+  <dgm:styleLbl name="fgAcc0">
+    <dgm:fillClrLst meth="repeat">
+      <a:schemeClr val="lt1">
+        <a:alpha val="90000"/>
+      </a:schemeClr>
+    </dgm:fillClrLst>
+    <dgm:linClrLst>
+      <a:schemeClr val="accent1"/>
+    </dgm:linClrLst>
+    <dgm:effectClrLst/>
+    <dgm:txLinClrLst/>
+    <dgm:txFillClrLst meth="repeat">
+      <a:schemeClr val="dk1"/>
+    </dgm:txFillClrLst>
+    <dgm:txEffectClrLst/>
+  </dgm:styleLbl>
+  <dgm:styleLbl name="fgAcc2">
+    <dgm:fillClrLst meth="repeat">
+      <a:schemeClr val="lt1">
+        <a:alpha val="90000"/>
+      </a:schemeClr>
+    </dgm:fillClrLst>
+    <dgm:linClrLst>
+      <a:schemeClr val="accent2"/>
+    </dgm:linClrLst>
+    <dgm:effectClrLst/>
+    <dgm:txLinClrLst/>
+    <dgm:txFillClrLst meth="repeat">
+      <a:schemeClr val="dk1"/>
+    </dgm:txFillClrLst>
+    <dgm:txEffectClrLst/>
+  </dgm:styleLbl>
+  <dgm:styleLbl name="fgAcc3">
+    <dgm:fillClrLst meth="repeat">
+      <a:schemeClr val="lt1">
+        <a:alpha val="90000"/>
+      </a:schemeClr>
+    </dgm:fillClrLst>
+    <dgm:linClrLst>
+      <a:schemeClr val="accent3"/>
+    </dgm:linClrLst>
+    <dgm:effectClrLst/>
+    <dgm:txLinClrLst/>
+    <dgm:txFillClrLst meth="repeat">
+      <a:schemeClr val="dk1"/>
+    </dgm:txFillClrLst>
+    <dgm:txEffectClrLst/>
+  </dgm:styleLbl>
+  <dgm:styleLbl name="fgAcc4">
+    <dgm:fillClrLst meth="repeat">
+      <a:schemeClr val="lt1">
+        <a:alpha val="90000"/>
+      </a:schemeClr>
+    </dgm:fillClrLst>
+    <dgm:linClrLst>
+      <a:schemeClr val="accent4"/>
+    </dgm:linClrLst>
+    <dgm:effectClrLst/>
+    <dgm:txLinClrLst/>
+    <dgm:txFillClrLst meth="repeat">
+      <a:schemeClr val="dk1"/>
+    </dgm:txFillClrLst>
+    <dgm:txEffectClrLst/>
+  </dgm:styleLbl>
+  <dgm:styleLbl name="bgShp">
+    <dgm:fillClrLst meth="repeat">
+      <a:schemeClr val="accent2">
+        <a:tint val="40000"/>
+      </a:schemeClr>
+    </dgm:fillClrLst>
+    <dgm:linClrLst meth="repeat">
+      <a:schemeClr val="dk1"/>
+    </dgm:linClrLst>
+    <dgm:effectClrLst/>
+    <dgm:txLinClrLst/>
+    <dgm:txFillClrLst meth="repeat">
+      <a:schemeClr val="dk1"/>
+    </dgm:txFillClrLst>
+    <dgm:txEffectClrLst/>
+  </dgm:styleLbl>
+  <dgm:styleLbl name="dkBgShp">
+    <dgm:fillClrLst meth="repeat">
+      <a:schemeClr val="accent2">
+        <a:shade val="90000"/>
+      </a:schemeClr>
+    </dgm:fillClrLst>
+    <dgm:linClrLst meth="repeat">
+      <a:schemeClr val="dk1"/>
+    </dgm:linClrLst>
+    <dgm:effectClrLst/>
+    <dgm:txLinClrLst/>
+    <dgm:txFillClrLst meth="repeat">
+      <a:schemeClr val="lt1"/>
+    </dgm:txFillClrLst>
+    <dgm:txEffectClrLst/>
+  </dgm:styleLbl>
+  <dgm:styleLbl name="trBgShp">
+    <dgm:fillClrLst meth="repeat">
+      <a:schemeClr val="accent1">
+        <a:tint val="50000"/>
+        <a:alpha val="40000"/>
+      </a:schemeClr>
+    </dgm:fillClrLst>
+    <dgm:linClrLst meth="repeat">
+      <a:schemeClr val="accent2"/>
+    </dgm:linClrLst>
+    <dgm:effectClrLst/>
+    <dgm:txLinClrLst/>
+    <dgm:txFillClrLst meth="repeat">
+      <a:schemeClr val="lt1"/>
+    </dgm:txFillClrLst>
+    <dgm:txEffectClrLst/>
+  </dgm:styleLbl>
+  <dgm:styleLbl name="fgShp">
+    <dgm:fillClrLst meth="repeat">
+      <a:schemeClr val="accent2">
+        <a:tint val="40000"/>
+      </a:schemeClr>
+    </dgm:fillClrLst>
+    <dgm:linClrLst meth="repeat">
+      <a:schemeClr val="lt1"/>
+    </dgm:linClrLst>
+    <dgm:effectClrLst/>
+    <dgm:txLinClrLst/>
+    <dgm:txFillClrLst meth="repeat">
+      <a:schemeClr val="dk1"/>
+    </dgm:txFillClrLst>
+    <dgm:txEffectClrLst/>
+  </dgm:styleLbl>
+  <dgm:styleLbl name="revTx">
+    <dgm:fillClrLst meth="repeat">
+      <a:schemeClr val="lt1">
+        <a:alpha val="0"/>
+      </a:schemeClr>
+    </dgm:fillClrLst>
+    <dgm:linClrLst meth="repeat">
+      <a:schemeClr val="dk1">
+        <a:alpha val="0"/>
+      </a:schemeClr>
+    </dgm:linClrLst>
+    <dgm:effectClrLst/>
+    <dgm:txLinClrLst/>
+    <dgm:txFillClrLst meth="repeat">
+      <a:schemeClr val="tx1"/>
+    </dgm:txFillClrLst>
+    <dgm:txEffectClrLst/>
+  </dgm:styleLbl>
+</dgm:colorsDef>
+</file>
+
+<file path=ppt/diagrams/colors2.xml><?xml version="1.0" encoding="utf-8"?>
 <dgm:colorsDef xmlns:dgm="http://schemas.openxmlformats.org/drawingml/2006/diagram" xmlns:a="http://schemas.openxmlformats.org/drawingml/2006/main" uniqueId="urn:microsoft.com/office/officeart/2005/8/colors/accent1_2">
   <dgm:title val=""/>
   <dgm:desc val=""/>
@@ -869,7 +1789,1185 @@
 </dgm:colorsDef>
 </file>
 
+<file path=ppt/diagrams/colors3.xml><?xml version="1.0" encoding="utf-8"?>
+<dgm:colorsDef xmlns:dgm="http://schemas.openxmlformats.org/drawingml/2006/diagram" xmlns:a="http://schemas.openxmlformats.org/drawingml/2006/main" uniqueId="urn:microsoft.com/office/officeart/2005/8/colors/colorful2">
+  <dgm:title val=""/>
+  <dgm:desc val=""/>
+  <dgm:catLst>
+    <dgm:cat type="colorful" pri="10200"/>
+  </dgm:catLst>
+  <dgm:styleLbl name="node0">
+    <dgm:fillClrLst meth="repeat">
+      <a:schemeClr val="accent1"/>
+    </dgm:fillClrLst>
+    <dgm:linClrLst meth="repeat">
+      <a:schemeClr val="lt1"/>
+    </dgm:linClrLst>
+    <dgm:effectClrLst/>
+    <dgm:txLinClrLst/>
+    <dgm:txFillClrLst/>
+    <dgm:txEffectClrLst/>
+  </dgm:styleLbl>
+  <dgm:styleLbl name="node1">
+    <dgm:fillClrLst>
+      <a:schemeClr val="accent2"/>
+      <a:schemeClr val="accent3"/>
+    </dgm:fillClrLst>
+    <dgm:linClrLst meth="repeat">
+      <a:schemeClr val="lt1"/>
+    </dgm:linClrLst>
+    <dgm:effectClrLst/>
+    <dgm:txLinClrLst/>
+    <dgm:txFillClrLst/>
+    <dgm:txEffectClrLst/>
+  </dgm:styleLbl>
+  <dgm:styleLbl name="alignNode1">
+    <dgm:fillClrLst>
+      <a:schemeClr val="accent2"/>
+      <a:schemeClr val="accent3"/>
+    </dgm:fillClrLst>
+    <dgm:linClrLst>
+      <a:schemeClr val="accent2"/>
+      <a:schemeClr val="accent3"/>
+    </dgm:linClrLst>
+    <dgm:effectClrLst/>
+    <dgm:txLinClrLst/>
+    <dgm:txFillClrLst/>
+    <dgm:txEffectClrLst/>
+  </dgm:styleLbl>
+  <dgm:styleLbl name="lnNode1">
+    <dgm:fillClrLst>
+      <a:schemeClr val="accent2"/>
+      <a:schemeClr val="accent3"/>
+    </dgm:fillClrLst>
+    <dgm:linClrLst meth="repeat">
+      <a:schemeClr val="lt1"/>
+    </dgm:linClrLst>
+    <dgm:effectClrLst/>
+    <dgm:txLinClrLst/>
+    <dgm:txFillClrLst/>
+    <dgm:txEffectClrLst/>
+  </dgm:styleLbl>
+  <dgm:styleLbl name="vennNode1">
+    <dgm:fillClrLst>
+      <a:schemeClr val="accent2">
+        <a:alpha val="50000"/>
+      </a:schemeClr>
+      <a:schemeClr val="accent3">
+        <a:alpha val="50000"/>
+      </a:schemeClr>
+    </dgm:fillClrLst>
+    <dgm:linClrLst meth="repeat">
+      <a:schemeClr val="lt1"/>
+    </dgm:linClrLst>
+    <dgm:effectClrLst/>
+    <dgm:txLinClrLst/>
+    <dgm:txFillClrLst/>
+    <dgm:txEffectClrLst/>
+  </dgm:styleLbl>
+  <dgm:styleLbl name="node2">
+    <dgm:fillClrLst>
+      <a:schemeClr val="accent3"/>
+    </dgm:fillClrLst>
+    <dgm:linClrLst meth="repeat">
+      <a:schemeClr val="lt1"/>
+    </dgm:linClrLst>
+    <dgm:effectClrLst/>
+    <dgm:txLinClrLst/>
+    <dgm:txFillClrLst/>
+    <dgm:txEffectClrLst/>
+  </dgm:styleLbl>
+  <dgm:styleLbl name="node3">
+    <dgm:fillClrLst>
+      <a:schemeClr val="accent4"/>
+    </dgm:fillClrLst>
+    <dgm:linClrLst meth="repeat">
+      <a:schemeClr val="lt1"/>
+    </dgm:linClrLst>
+    <dgm:effectClrLst/>
+    <dgm:txLinClrLst/>
+    <dgm:txFillClrLst/>
+    <dgm:txEffectClrLst/>
+  </dgm:styleLbl>
+  <dgm:styleLbl name="node4">
+    <dgm:fillClrLst>
+      <a:schemeClr val="accent5"/>
+    </dgm:fillClrLst>
+    <dgm:linClrLst meth="repeat">
+      <a:schemeClr val="lt1"/>
+    </dgm:linClrLst>
+    <dgm:effectClrLst/>
+    <dgm:txLinClrLst/>
+    <dgm:txFillClrLst/>
+    <dgm:txEffectClrLst/>
+  </dgm:styleLbl>
+  <dgm:styleLbl name="fgImgPlace1">
+    <dgm:fillClrLst>
+      <a:schemeClr val="accent2">
+        <a:tint val="50000"/>
+      </a:schemeClr>
+      <a:schemeClr val="accent3">
+        <a:tint val="50000"/>
+      </a:schemeClr>
+    </dgm:fillClrLst>
+    <dgm:linClrLst meth="repeat">
+      <a:schemeClr val="lt1"/>
+    </dgm:linClrLst>
+    <dgm:effectClrLst/>
+    <dgm:txLinClrLst/>
+    <dgm:txFillClrLst meth="repeat">
+      <a:schemeClr val="lt1"/>
+    </dgm:txFillClrLst>
+    <dgm:txEffectClrLst/>
+  </dgm:styleLbl>
+  <dgm:styleLbl name="alignImgPlace1">
+    <dgm:fillClrLst>
+      <a:schemeClr val="accent2">
+        <a:tint val="50000"/>
+      </a:schemeClr>
+      <a:schemeClr val="accent3">
+        <a:tint val="20000"/>
+      </a:schemeClr>
+    </dgm:fillClrLst>
+    <dgm:linClrLst meth="repeat">
+      <a:schemeClr val="lt1"/>
+    </dgm:linClrLst>
+    <dgm:effectClrLst/>
+    <dgm:txLinClrLst/>
+    <dgm:txFillClrLst meth="repeat">
+      <a:schemeClr val="lt1"/>
+    </dgm:txFillClrLst>
+    <dgm:txEffectClrLst/>
+  </dgm:styleLbl>
+  <dgm:styleLbl name="bgImgPlace1">
+    <dgm:fillClrLst>
+      <a:schemeClr val="accent2">
+        <a:tint val="50000"/>
+      </a:schemeClr>
+      <a:schemeClr val="accent3">
+        <a:tint val="20000"/>
+      </a:schemeClr>
+    </dgm:fillClrLst>
+    <dgm:linClrLst meth="repeat">
+      <a:schemeClr val="lt1"/>
+    </dgm:linClrLst>
+    <dgm:effectClrLst/>
+    <dgm:txLinClrLst/>
+    <dgm:txFillClrLst meth="repeat">
+      <a:schemeClr val="lt1"/>
+    </dgm:txFillClrLst>
+    <dgm:txEffectClrLst/>
+  </dgm:styleLbl>
+  <dgm:styleLbl name="sibTrans2D1">
+    <dgm:fillClrLst>
+      <a:schemeClr val="accent2"/>
+      <a:schemeClr val="accent3"/>
+    </dgm:fillClrLst>
+    <dgm:linClrLst meth="repeat">
+      <a:schemeClr val="lt1"/>
+    </dgm:linClrLst>
+    <dgm:effectClrLst/>
+    <dgm:txLinClrLst/>
+    <dgm:txFillClrLst/>
+    <dgm:txEffectClrLst/>
+  </dgm:styleLbl>
+  <dgm:styleLbl name="fgSibTrans2D1">
+    <dgm:fillClrLst>
+      <a:schemeClr val="accent2"/>
+      <a:schemeClr val="accent3"/>
+    </dgm:fillClrLst>
+    <dgm:linClrLst meth="repeat">
+      <a:schemeClr val="lt1"/>
+    </dgm:linClrLst>
+    <dgm:effectClrLst/>
+    <dgm:txLinClrLst/>
+    <dgm:txFillClrLst meth="repeat">
+      <a:schemeClr val="lt1"/>
+    </dgm:txFillClrLst>
+    <dgm:txEffectClrLst/>
+  </dgm:styleLbl>
+  <dgm:styleLbl name="bgSibTrans2D1">
+    <dgm:fillClrLst>
+      <a:schemeClr val="accent2"/>
+      <a:schemeClr val="accent3"/>
+    </dgm:fillClrLst>
+    <dgm:linClrLst meth="repeat">
+      <a:schemeClr val="lt1"/>
+    </dgm:linClrLst>
+    <dgm:effectClrLst/>
+    <dgm:txLinClrLst/>
+    <dgm:txFillClrLst meth="repeat">
+      <a:schemeClr val="lt1"/>
+    </dgm:txFillClrLst>
+    <dgm:txEffectClrLst/>
+  </dgm:styleLbl>
+  <dgm:styleLbl name="sibTrans1D1">
+    <dgm:fillClrLst/>
+    <dgm:linClrLst>
+      <a:schemeClr val="accent2"/>
+      <a:schemeClr val="accent3"/>
+    </dgm:linClrLst>
+    <dgm:effectClrLst/>
+    <dgm:txLinClrLst/>
+    <dgm:txFillClrLst meth="repeat">
+      <a:schemeClr val="tx1"/>
+    </dgm:txFillClrLst>
+    <dgm:txEffectClrLst/>
+  </dgm:styleLbl>
+  <dgm:styleLbl name="callout">
+    <dgm:fillClrLst meth="repeat">
+      <a:schemeClr val="accent2"/>
+    </dgm:fillClrLst>
+    <dgm:linClrLst meth="repeat">
+      <a:schemeClr val="accent2">
+        <a:tint val="50000"/>
+      </a:schemeClr>
+    </dgm:linClrLst>
+    <dgm:effectClrLst/>
+    <dgm:txLinClrLst/>
+    <dgm:txFillClrLst meth="repeat">
+      <a:schemeClr val="tx1"/>
+    </dgm:txFillClrLst>
+    <dgm:txEffectClrLst/>
+  </dgm:styleLbl>
+  <dgm:styleLbl name="asst0">
+    <dgm:fillClrLst meth="repeat">
+      <a:schemeClr val="accent2"/>
+    </dgm:fillClrLst>
+    <dgm:linClrLst meth="repeat">
+      <a:schemeClr val="lt1">
+        <a:shade val="80000"/>
+      </a:schemeClr>
+    </dgm:linClrLst>
+    <dgm:effectClrLst/>
+    <dgm:txLinClrLst/>
+    <dgm:txFillClrLst/>
+    <dgm:txEffectClrLst/>
+  </dgm:styleLbl>
+  <dgm:styleLbl name="asst1">
+    <dgm:fillClrLst meth="repeat">
+      <a:schemeClr val="accent3"/>
+    </dgm:fillClrLst>
+    <dgm:linClrLst meth="repeat">
+      <a:schemeClr val="lt1">
+        <a:shade val="80000"/>
+      </a:schemeClr>
+    </dgm:linClrLst>
+    <dgm:effectClrLst/>
+    <dgm:txLinClrLst/>
+    <dgm:txFillClrLst/>
+    <dgm:txEffectClrLst/>
+  </dgm:styleLbl>
+  <dgm:styleLbl name="asst2">
+    <dgm:fillClrLst>
+      <a:schemeClr val="accent4"/>
+    </dgm:fillClrLst>
+    <dgm:linClrLst meth="repeat">
+      <a:schemeClr val="lt1"/>
+    </dgm:linClrLst>
+    <dgm:effectClrLst/>
+    <dgm:txLinClrLst/>
+    <dgm:txFillClrLst/>
+    <dgm:txEffectClrLst/>
+  </dgm:styleLbl>
+  <dgm:styleLbl name="asst3">
+    <dgm:fillClrLst>
+      <a:schemeClr val="accent5"/>
+    </dgm:fillClrLst>
+    <dgm:linClrLst meth="repeat">
+      <a:schemeClr val="lt1"/>
+    </dgm:linClrLst>
+    <dgm:effectClrLst/>
+    <dgm:txLinClrLst/>
+    <dgm:txFillClrLst/>
+    <dgm:txEffectClrLst/>
+  </dgm:styleLbl>
+  <dgm:styleLbl name="asst4">
+    <dgm:fillClrLst>
+      <a:schemeClr val="accent6"/>
+    </dgm:fillClrLst>
+    <dgm:linClrLst meth="repeat">
+      <a:schemeClr val="lt1"/>
+    </dgm:linClrLst>
+    <dgm:effectClrLst/>
+    <dgm:txLinClrLst/>
+    <dgm:txFillClrLst/>
+    <dgm:txEffectClrLst/>
+  </dgm:styleLbl>
+  <dgm:styleLbl name="parChTrans2D1">
+    <dgm:fillClrLst meth="repeat">
+      <a:schemeClr val="accent2"/>
+    </dgm:fillClrLst>
+    <dgm:linClrLst meth="repeat">
+      <a:schemeClr val="lt1"/>
+    </dgm:linClrLst>
+    <dgm:effectClrLst/>
+    <dgm:txLinClrLst/>
+    <dgm:txFillClrLst meth="repeat">
+      <a:schemeClr val="lt1"/>
+    </dgm:txFillClrLst>
+    <dgm:txEffectClrLst/>
+  </dgm:styleLbl>
+  <dgm:styleLbl name="parChTrans2D2">
+    <dgm:fillClrLst meth="repeat">
+      <a:schemeClr val="accent3"/>
+    </dgm:fillClrLst>
+    <dgm:linClrLst meth="repeat">
+      <a:schemeClr val="lt1"/>
+    </dgm:linClrLst>
+    <dgm:effectClrLst/>
+    <dgm:txLinClrLst/>
+    <dgm:txFillClrLst/>
+    <dgm:txEffectClrLst/>
+  </dgm:styleLbl>
+  <dgm:styleLbl name="parChTrans2D3">
+    <dgm:fillClrLst meth="repeat">
+      <a:schemeClr val="accent4"/>
+    </dgm:fillClrLst>
+    <dgm:linClrLst meth="repeat">
+      <a:schemeClr val="lt1"/>
+    </dgm:linClrLst>
+    <dgm:effectClrLst/>
+    <dgm:txLinClrLst/>
+    <dgm:txFillClrLst/>
+    <dgm:txEffectClrLst/>
+  </dgm:styleLbl>
+  <dgm:styleLbl name="parChTrans2D4">
+    <dgm:fillClrLst meth="repeat">
+      <a:schemeClr val="accent5"/>
+    </dgm:fillClrLst>
+    <dgm:linClrLst meth="repeat">
+      <a:schemeClr val="lt1"/>
+    </dgm:linClrLst>
+    <dgm:effectClrLst/>
+    <dgm:txLinClrLst/>
+    <dgm:txFillClrLst meth="repeat">
+      <a:schemeClr val="lt1"/>
+    </dgm:txFillClrLst>
+    <dgm:txEffectClrLst/>
+  </dgm:styleLbl>
+  <dgm:styleLbl name="parChTrans1D1">
+    <dgm:fillClrLst meth="repeat">
+      <a:schemeClr val="accent2"/>
+    </dgm:fillClrLst>
+    <dgm:linClrLst meth="repeat">
+      <a:schemeClr val="accent2"/>
+    </dgm:linClrLst>
+    <dgm:effectClrLst/>
+    <dgm:txLinClrLst/>
+    <dgm:txFillClrLst meth="repeat">
+      <a:schemeClr val="tx1"/>
+    </dgm:txFillClrLst>
+    <dgm:txEffectClrLst/>
+  </dgm:styleLbl>
+  <dgm:styleLbl name="parChTrans1D2">
+    <dgm:fillClrLst meth="repeat">
+      <a:schemeClr val="accent2">
+        <a:tint val="90000"/>
+      </a:schemeClr>
+    </dgm:fillClrLst>
+    <dgm:linClrLst meth="repeat">
+      <a:schemeClr val="accent3"/>
+    </dgm:linClrLst>
+    <dgm:effectClrLst/>
+    <dgm:txLinClrLst/>
+    <dgm:txFillClrLst meth="repeat">
+      <a:schemeClr val="tx1"/>
+    </dgm:txFillClrLst>
+    <dgm:txEffectClrLst/>
+  </dgm:styleLbl>
+  <dgm:styleLbl name="parChTrans1D3">
+    <dgm:fillClrLst meth="repeat">
+      <a:schemeClr val="accent2">
+        <a:tint val="70000"/>
+      </a:schemeClr>
+    </dgm:fillClrLst>
+    <dgm:linClrLst meth="repeat">
+      <a:schemeClr val="accent4"/>
+    </dgm:linClrLst>
+    <dgm:effectClrLst/>
+    <dgm:txLinClrLst/>
+    <dgm:txFillClrLst meth="repeat">
+      <a:schemeClr val="tx1"/>
+    </dgm:txFillClrLst>
+    <dgm:txEffectClrLst/>
+  </dgm:styleLbl>
+  <dgm:styleLbl name="parChTrans1D4">
+    <dgm:fillClrLst meth="repeat">
+      <a:schemeClr val="accent2">
+        <a:tint val="50000"/>
+      </a:schemeClr>
+    </dgm:fillClrLst>
+    <dgm:linClrLst meth="repeat">
+      <a:schemeClr val="accent5"/>
+    </dgm:linClrLst>
+    <dgm:effectClrLst/>
+    <dgm:txLinClrLst/>
+    <dgm:txFillClrLst meth="repeat">
+      <a:schemeClr val="tx1"/>
+    </dgm:txFillClrLst>
+    <dgm:txEffectClrLst/>
+  </dgm:styleLbl>
+  <dgm:styleLbl name="fgAcc1">
+    <dgm:fillClrLst meth="repeat">
+      <a:schemeClr val="lt1">
+        <a:alpha val="90000"/>
+      </a:schemeClr>
+    </dgm:fillClrLst>
+    <dgm:linClrLst>
+      <a:schemeClr val="accent2"/>
+      <a:schemeClr val="accent3"/>
+    </dgm:linClrLst>
+    <dgm:effectClrLst/>
+    <dgm:txLinClrLst/>
+    <dgm:txFillClrLst meth="repeat">
+      <a:schemeClr val="dk1"/>
+    </dgm:txFillClrLst>
+    <dgm:txEffectClrLst/>
+  </dgm:styleLbl>
+  <dgm:styleLbl name="conFgAcc1">
+    <dgm:fillClrLst meth="repeat">
+      <a:schemeClr val="lt1">
+        <a:alpha val="90000"/>
+      </a:schemeClr>
+    </dgm:fillClrLst>
+    <dgm:linClrLst>
+      <a:schemeClr val="accent2"/>
+      <a:schemeClr val="accent3"/>
+    </dgm:linClrLst>
+    <dgm:effectClrLst/>
+    <dgm:txLinClrLst/>
+    <dgm:txFillClrLst meth="repeat">
+      <a:schemeClr val="dk1"/>
+    </dgm:txFillClrLst>
+    <dgm:txEffectClrLst/>
+  </dgm:styleLbl>
+  <dgm:styleLbl name="alignAcc1">
+    <dgm:fillClrLst meth="repeat">
+      <a:schemeClr val="lt1">
+        <a:alpha val="90000"/>
+      </a:schemeClr>
+    </dgm:fillClrLst>
+    <dgm:linClrLst>
+      <a:schemeClr val="accent2"/>
+      <a:schemeClr val="accent3"/>
+    </dgm:linClrLst>
+    <dgm:effectClrLst/>
+    <dgm:txLinClrLst/>
+    <dgm:txFillClrLst meth="repeat">
+      <a:schemeClr val="dk1"/>
+    </dgm:txFillClrLst>
+    <dgm:txEffectClrLst/>
+  </dgm:styleLbl>
+  <dgm:styleLbl name="trAlignAcc1">
+    <dgm:fillClrLst meth="repeat">
+      <a:schemeClr val="lt1">
+        <a:alpha val="40000"/>
+      </a:schemeClr>
+    </dgm:fillClrLst>
+    <dgm:linClrLst meth="repeat">
+      <a:schemeClr val="accent2"/>
+    </dgm:linClrLst>
+    <dgm:effectClrLst/>
+    <dgm:txLinClrLst/>
+    <dgm:txFillClrLst meth="repeat">
+      <a:schemeClr val="dk1"/>
+    </dgm:txFillClrLst>
+    <dgm:txEffectClrLst/>
+  </dgm:styleLbl>
+  <dgm:styleLbl name="bgAcc1">
+    <dgm:fillClrLst meth="repeat">
+      <a:schemeClr val="lt1">
+        <a:alpha val="90000"/>
+      </a:schemeClr>
+    </dgm:fillClrLst>
+    <dgm:linClrLst>
+      <a:schemeClr val="accent2"/>
+      <a:schemeClr val="accent3"/>
+    </dgm:linClrLst>
+    <dgm:effectClrLst/>
+    <dgm:txLinClrLst/>
+    <dgm:txFillClrLst meth="repeat">
+      <a:schemeClr val="dk1"/>
+    </dgm:txFillClrLst>
+    <dgm:txEffectClrLst/>
+  </dgm:styleLbl>
+  <dgm:styleLbl name="solidFgAcc1">
+    <dgm:fillClrLst meth="repeat">
+      <a:schemeClr val="lt1"/>
+    </dgm:fillClrLst>
+    <dgm:linClrLst>
+      <a:schemeClr val="accent2"/>
+      <a:schemeClr val="accent3"/>
+    </dgm:linClrLst>
+    <dgm:effectClrLst/>
+    <dgm:txLinClrLst/>
+    <dgm:txFillClrLst meth="repeat">
+      <a:schemeClr val="dk1"/>
+    </dgm:txFillClrLst>
+    <dgm:txEffectClrLst/>
+  </dgm:styleLbl>
+  <dgm:styleLbl name="solidAlignAcc1">
+    <dgm:fillClrLst meth="repeat">
+      <a:schemeClr val="lt1"/>
+    </dgm:fillClrLst>
+    <dgm:linClrLst>
+      <a:schemeClr val="accent2"/>
+      <a:schemeClr val="accent3"/>
+    </dgm:linClrLst>
+    <dgm:effectClrLst/>
+    <dgm:txLinClrLst/>
+    <dgm:txFillClrLst meth="repeat">
+      <a:schemeClr val="dk1"/>
+    </dgm:txFillClrLst>
+    <dgm:txEffectClrLst/>
+  </dgm:styleLbl>
+  <dgm:styleLbl name="solidBgAcc1">
+    <dgm:fillClrLst meth="repeat">
+      <a:schemeClr val="lt1"/>
+    </dgm:fillClrLst>
+    <dgm:linClrLst>
+      <a:schemeClr val="accent2"/>
+      <a:schemeClr val="accent3"/>
+    </dgm:linClrLst>
+    <dgm:effectClrLst/>
+    <dgm:txLinClrLst/>
+    <dgm:txFillClrLst meth="repeat">
+      <a:schemeClr val="dk1"/>
+    </dgm:txFillClrLst>
+    <dgm:txEffectClrLst/>
+  </dgm:styleLbl>
+  <dgm:styleLbl name="fgAccFollowNode1">
+    <dgm:fillClrLst>
+      <a:schemeClr val="accent2">
+        <a:tint val="40000"/>
+        <a:alpha val="90000"/>
+      </a:schemeClr>
+      <a:schemeClr val="accent3">
+        <a:tint val="40000"/>
+        <a:alpha val="90000"/>
+      </a:schemeClr>
+    </dgm:fillClrLst>
+    <dgm:linClrLst>
+      <a:schemeClr val="accent2">
+        <a:tint val="40000"/>
+        <a:alpha val="90000"/>
+      </a:schemeClr>
+      <a:schemeClr val="accent3">
+        <a:tint val="40000"/>
+        <a:alpha val="90000"/>
+      </a:schemeClr>
+    </dgm:linClrLst>
+    <dgm:effectClrLst/>
+    <dgm:txLinClrLst/>
+    <dgm:txFillClrLst meth="repeat">
+      <a:schemeClr val="dk1"/>
+    </dgm:txFillClrLst>
+    <dgm:txEffectClrLst/>
+  </dgm:styleLbl>
+  <dgm:styleLbl name="alignAccFollowNode1">
+    <dgm:fillClrLst>
+      <a:schemeClr val="accent2">
+        <a:tint val="40000"/>
+        <a:alpha val="90000"/>
+      </a:schemeClr>
+      <a:schemeClr val="accent3">
+        <a:tint val="40000"/>
+        <a:alpha val="90000"/>
+      </a:schemeClr>
+    </dgm:fillClrLst>
+    <dgm:linClrLst>
+      <a:schemeClr val="accent2">
+        <a:tint val="40000"/>
+        <a:alpha val="90000"/>
+      </a:schemeClr>
+      <a:schemeClr val="accent3">
+        <a:tint val="40000"/>
+        <a:alpha val="90000"/>
+      </a:schemeClr>
+    </dgm:linClrLst>
+    <dgm:effectClrLst/>
+    <dgm:txLinClrLst/>
+    <dgm:txFillClrLst meth="repeat">
+      <a:schemeClr val="dk1"/>
+    </dgm:txFillClrLst>
+    <dgm:txEffectClrLst/>
+  </dgm:styleLbl>
+  <dgm:styleLbl name="bgAccFollowNode1">
+    <dgm:fillClrLst>
+      <a:schemeClr val="accent2">
+        <a:tint val="40000"/>
+        <a:alpha val="90000"/>
+      </a:schemeClr>
+      <a:schemeClr val="accent3">
+        <a:tint val="40000"/>
+        <a:alpha val="90000"/>
+      </a:schemeClr>
+    </dgm:fillClrLst>
+    <dgm:linClrLst>
+      <a:schemeClr val="accent2">
+        <a:tint val="40000"/>
+        <a:alpha val="90000"/>
+      </a:schemeClr>
+      <a:schemeClr val="accent3">
+        <a:tint val="40000"/>
+        <a:alpha val="90000"/>
+      </a:schemeClr>
+    </dgm:linClrLst>
+    <dgm:effectClrLst/>
+    <dgm:txLinClrLst/>
+    <dgm:txFillClrLst meth="repeat">
+      <a:schemeClr val="dk1"/>
+    </dgm:txFillClrLst>
+    <dgm:txEffectClrLst/>
+  </dgm:styleLbl>
+  <dgm:styleLbl name="fgAcc0">
+    <dgm:fillClrLst meth="repeat">
+      <a:schemeClr val="lt1">
+        <a:alpha val="90000"/>
+      </a:schemeClr>
+    </dgm:fillClrLst>
+    <dgm:linClrLst>
+      <a:schemeClr val="accent1"/>
+    </dgm:linClrLst>
+    <dgm:effectClrLst/>
+    <dgm:txLinClrLst/>
+    <dgm:txFillClrLst meth="repeat">
+      <a:schemeClr val="dk1"/>
+    </dgm:txFillClrLst>
+    <dgm:txEffectClrLst/>
+  </dgm:styleLbl>
+  <dgm:styleLbl name="fgAcc2">
+    <dgm:fillClrLst meth="repeat">
+      <a:schemeClr val="lt1">
+        <a:alpha val="90000"/>
+      </a:schemeClr>
+    </dgm:fillClrLst>
+    <dgm:linClrLst>
+      <a:schemeClr val="accent3"/>
+    </dgm:linClrLst>
+    <dgm:effectClrLst/>
+    <dgm:txLinClrLst/>
+    <dgm:txFillClrLst meth="repeat">
+      <a:schemeClr val="dk1"/>
+    </dgm:txFillClrLst>
+    <dgm:txEffectClrLst/>
+  </dgm:styleLbl>
+  <dgm:styleLbl name="fgAcc3">
+    <dgm:fillClrLst meth="repeat">
+      <a:schemeClr val="lt1">
+        <a:alpha val="90000"/>
+      </a:schemeClr>
+    </dgm:fillClrLst>
+    <dgm:linClrLst>
+      <a:schemeClr val="accent4"/>
+    </dgm:linClrLst>
+    <dgm:effectClrLst/>
+    <dgm:txLinClrLst/>
+    <dgm:txFillClrLst meth="repeat">
+      <a:schemeClr val="dk1"/>
+    </dgm:txFillClrLst>
+    <dgm:txEffectClrLst/>
+  </dgm:styleLbl>
+  <dgm:styleLbl name="fgAcc4">
+    <dgm:fillClrLst meth="repeat">
+      <a:schemeClr val="lt1">
+        <a:alpha val="90000"/>
+      </a:schemeClr>
+    </dgm:fillClrLst>
+    <dgm:linClrLst>
+      <a:schemeClr val="accent5"/>
+    </dgm:linClrLst>
+    <dgm:effectClrLst/>
+    <dgm:txLinClrLst/>
+    <dgm:txFillClrLst meth="repeat">
+      <a:schemeClr val="dk1"/>
+    </dgm:txFillClrLst>
+    <dgm:txEffectClrLst/>
+  </dgm:styleLbl>
+  <dgm:styleLbl name="bgShp">
+    <dgm:fillClrLst meth="repeat">
+      <a:schemeClr val="accent2">
+        <a:tint val="40000"/>
+      </a:schemeClr>
+    </dgm:fillClrLst>
+    <dgm:linClrLst meth="repeat">
+      <a:schemeClr val="dk1"/>
+    </dgm:linClrLst>
+    <dgm:effectClrLst/>
+    <dgm:txLinClrLst/>
+    <dgm:txFillClrLst meth="repeat">
+      <a:schemeClr val="dk1"/>
+    </dgm:txFillClrLst>
+    <dgm:txEffectClrLst/>
+  </dgm:styleLbl>
+  <dgm:styleLbl name="dkBgShp">
+    <dgm:fillClrLst meth="repeat">
+      <a:schemeClr val="accent2">
+        <a:shade val="90000"/>
+      </a:schemeClr>
+    </dgm:fillClrLst>
+    <dgm:linClrLst meth="repeat">
+      <a:schemeClr val="dk1"/>
+    </dgm:linClrLst>
+    <dgm:effectClrLst/>
+    <dgm:txLinClrLst/>
+    <dgm:txFillClrLst meth="repeat">
+      <a:schemeClr val="lt1"/>
+    </dgm:txFillClrLst>
+    <dgm:txEffectClrLst/>
+  </dgm:styleLbl>
+  <dgm:styleLbl name="trBgShp">
+    <dgm:fillClrLst meth="repeat">
+      <a:schemeClr val="accent2">
+        <a:tint val="50000"/>
+        <a:alpha val="40000"/>
+      </a:schemeClr>
+    </dgm:fillClrLst>
+    <dgm:linClrLst meth="repeat">
+      <a:schemeClr val="accent2"/>
+    </dgm:linClrLst>
+    <dgm:effectClrLst/>
+    <dgm:txLinClrLst/>
+    <dgm:txFillClrLst meth="repeat">
+      <a:schemeClr val="lt1"/>
+    </dgm:txFillClrLst>
+    <dgm:txEffectClrLst/>
+  </dgm:styleLbl>
+  <dgm:styleLbl name="fgShp">
+    <dgm:fillClrLst meth="repeat">
+      <a:schemeClr val="accent2">
+        <a:tint val="40000"/>
+      </a:schemeClr>
+    </dgm:fillClrLst>
+    <dgm:linClrLst meth="repeat">
+      <a:schemeClr val="lt1"/>
+    </dgm:linClrLst>
+    <dgm:effectClrLst/>
+    <dgm:txLinClrLst/>
+    <dgm:txFillClrLst meth="repeat">
+      <a:schemeClr val="dk1"/>
+    </dgm:txFillClrLst>
+    <dgm:txEffectClrLst/>
+  </dgm:styleLbl>
+  <dgm:styleLbl name="revTx">
+    <dgm:fillClrLst meth="repeat">
+      <a:schemeClr val="lt1">
+        <a:alpha val="0"/>
+      </a:schemeClr>
+    </dgm:fillClrLst>
+    <dgm:linClrLst meth="repeat">
+      <a:schemeClr val="dk1">
+        <a:alpha val="0"/>
+      </a:schemeClr>
+    </dgm:linClrLst>
+    <dgm:effectClrLst/>
+    <dgm:txLinClrLst/>
+    <dgm:txFillClrLst meth="repeat">
+      <a:schemeClr val="tx1"/>
+    </dgm:txFillClrLst>
+    <dgm:txEffectClrLst/>
+  </dgm:styleLbl>
+</dgm:colorsDef>
+</file>
+
 <file path=ppt/diagrams/data1.xml><?xml version="1.0" encoding="utf-8"?>
+<dgm:dataModel xmlns:dgm="http://schemas.openxmlformats.org/drawingml/2006/diagram" xmlns:a="http://schemas.openxmlformats.org/drawingml/2006/main">
+  <dgm:ptLst>
+    <dgm:pt modelId="{499287A7-999C-4B48-962E-185B16BC8CE8}" type="doc">
+      <dgm:prSet loTypeId="urn:microsoft.com/office/officeart/2005/8/layout/default" loCatId="list" qsTypeId="urn:microsoft.com/office/officeart/2005/8/quickstyle/simple1" qsCatId="simple" csTypeId="urn:microsoft.com/office/officeart/2005/8/colors/colorful1" csCatId="colorful"/>
+      <dgm:spPr/>
+      <dgm:t>
+        <a:bodyPr/>
+        <a:lstStyle/>
+        <a:p>
+          <a:endParaRPr lang="en-US"/>
+        </a:p>
+      </dgm:t>
+    </dgm:pt>
+    <dgm:pt modelId="{DE9E8909-E37A-43D1-9B0F-4BA8EBDBEA79}">
+      <dgm:prSet/>
+      <dgm:spPr/>
+      <dgm:t>
+        <a:bodyPr/>
+        <a:lstStyle/>
+        <a:p>
+          <a:r>
+            <a:rPr lang="en-US"/>
+            <a:t>Modern apps which are designed for scalability in mind.</a:t>
+          </a:r>
+        </a:p>
+      </dgm:t>
+    </dgm:pt>
+    <dgm:pt modelId="{18B663C5-D297-42FC-9C58-A8A47D581326}" type="parTrans" cxnId="{9C31ECEA-650C-488E-9907-B4D58770A57B}">
+      <dgm:prSet/>
+      <dgm:spPr/>
+      <dgm:t>
+        <a:bodyPr/>
+        <a:lstStyle/>
+        <a:p>
+          <a:endParaRPr lang="en-US"/>
+        </a:p>
+      </dgm:t>
+    </dgm:pt>
+    <dgm:pt modelId="{991B1F00-8836-4AF6-BDFA-A03CF183DD6C}" type="sibTrans" cxnId="{9C31ECEA-650C-488E-9907-B4D58770A57B}">
+      <dgm:prSet/>
+      <dgm:spPr/>
+      <dgm:t>
+        <a:bodyPr/>
+        <a:lstStyle/>
+        <a:p>
+          <a:endParaRPr lang="en-US"/>
+        </a:p>
+      </dgm:t>
+    </dgm:pt>
+    <dgm:pt modelId="{95F0C423-9FC3-4AF5-8A94-4903B472542B}">
+      <dgm:prSet/>
+      <dgm:spPr/>
+      <dgm:t>
+        <a:bodyPr/>
+        <a:lstStyle/>
+        <a:p>
+          <a:r>
+            <a:rPr lang="en-IN"/>
+            <a:t>Packaged as lightweight containers</a:t>
+          </a:r>
+          <a:endParaRPr lang="en-US"/>
+        </a:p>
+      </dgm:t>
+    </dgm:pt>
+    <dgm:pt modelId="{8AA893F3-BB8C-4286-B58B-54651C50096F}" type="parTrans" cxnId="{977F656F-62D4-4C7B-9172-E70F49366931}">
+      <dgm:prSet/>
+      <dgm:spPr/>
+      <dgm:t>
+        <a:bodyPr/>
+        <a:lstStyle/>
+        <a:p>
+          <a:endParaRPr lang="en-US"/>
+        </a:p>
+      </dgm:t>
+    </dgm:pt>
+    <dgm:pt modelId="{90268D0C-920A-4309-9CF9-9A757518E234}" type="sibTrans" cxnId="{977F656F-62D4-4C7B-9172-E70F49366931}">
+      <dgm:prSet/>
+      <dgm:spPr/>
+      <dgm:t>
+        <a:bodyPr/>
+        <a:lstStyle/>
+        <a:p>
+          <a:endParaRPr lang="en-US"/>
+        </a:p>
+      </dgm:t>
+    </dgm:pt>
+    <dgm:pt modelId="{31C8925C-43AE-46E3-8F1E-BB20D63B744D}">
+      <dgm:prSet/>
+      <dgm:spPr/>
+      <dgm:t>
+        <a:bodyPr/>
+        <a:lstStyle/>
+        <a:p>
+          <a:r>
+            <a:rPr lang="en-IN"/>
+            <a:t>Designed as loosely coupled microservices</a:t>
+          </a:r>
+          <a:endParaRPr lang="en-US"/>
+        </a:p>
+      </dgm:t>
+    </dgm:pt>
+    <dgm:pt modelId="{F4497961-9E7B-41AF-B4A9-F3F0AEFFD968}" type="parTrans" cxnId="{CFF5563D-4255-4333-8A3D-BE3FD58E960F}">
+      <dgm:prSet/>
+      <dgm:spPr/>
+      <dgm:t>
+        <a:bodyPr/>
+        <a:lstStyle/>
+        <a:p>
+          <a:endParaRPr lang="en-US"/>
+        </a:p>
+      </dgm:t>
+    </dgm:pt>
+    <dgm:pt modelId="{0C6158BB-6425-4F71-A07D-72ABAB53971E}" type="sibTrans" cxnId="{CFF5563D-4255-4333-8A3D-BE3FD58E960F}">
+      <dgm:prSet/>
+      <dgm:spPr/>
+      <dgm:t>
+        <a:bodyPr/>
+        <a:lstStyle/>
+        <a:p>
+          <a:endParaRPr lang="en-US"/>
+        </a:p>
+      </dgm:t>
+    </dgm:pt>
+    <dgm:pt modelId="{5DC1E021-4E8E-43B2-A963-5B1E9444D036}">
+      <dgm:prSet/>
+      <dgm:spPr/>
+      <dgm:t>
+        <a:bodyPr/>
+        <a:lstStyle/>
+        <a:p>
+          <a:r>
+            <a:rPr lang="en-IN"/>
+            <a:t>Centered around APIs for interaction and collaboration</a:t>
+          </a:r>
+          <a:endParaRPr lang="en-US"/>
+        </a:p>
+      </dgm:t>
+    </dgm:pt>
+    <dgm:pt modelId="{17319AFA-A4E0-4A2B-9643-C0AEE8DBBE3B}" type="parTrans" cxnId="{6062EEF9-A01C-4620-8FC5-FAEF3D1B2B01}">
+      <dgm:prSet/>
+      <dgm:spPr/>
+      <dgm:t>
+        <a:bodyPr/>
+        <a:lstStyle/>
+        <a:p>
+          <a:endParaRPr lang="en-US"/>
+        </a:p>
+      </dgm:t>
+    </dgm:pt>
+    <dgm:pt modelId="{1D427718-DCCF-4F6E-9090-16852D3EA5BD}" type="sibTrans" cxnId="{6062EEF9-A01C-4620-8FC5-FAEF3D1B2B01}">
+      <dgm:prSet/>
+      <dgm:spPr/>
+      <dgm:t>
+        <a:bodyPr/>
+        <a:lstStyle/>
+        <a:p>
+          <a:endParaRPr lang="en-US"/>
+        </a:p>
+      </dgm:t>
+    </dgm:pt>
+    <dgm:pt modelId="{A04CC57E-6F04-4E59-88A6-3E660C7C31AB}">
+      <dgm:prSet/>
+      <dgm:spPr/>
+      <dgm:t>
+        <a:bodyPr/>
+        <a:lstStyle/>
+        <a:p>
+          <a:r>
+            <a:rPr lang="en-IN"/>
+            <a:t>Architected with a clean separation of stateless and stateful services</a:t>
+          </a:r>
+          <a:endParaRPr lang="en-US"/>
+        </a:p>
+      </dgm:t>
+    </dgm:pt>
+    <dgm:pt modelId="{6F87D2C2-E447-4DB6-BBC3-40C2BD3BD8E8}" type="parTrans" cxnId="{5F1E30BF-26D4-45C8-B82D-B9CE20B72DCA}">
+      <dgm:prSet/>
+      <dgm:spPr/>
+      <dgm:t>
+        <a:bodyPr/>
+        <a:lstStyle/>
+        <a:p>
+          <a:endParaRPr lang="en-US"/>
+        </a:p>
+      </dgm:t>
+    </dgm:pt>
+    <dgm:pt modelId="{2C5F492B-E967-4D58-898B-ECDAB9C5F221}" type="sibTrans" cxnId="{5F1E30BF-26D4-45C8-B82D-B9CE20B72DCA}">
+      <dgm:prSet/>
+      <dgm:spPr/>
+      <dgm:t>
+        <a:bodyPr/>
+        <a:lstStyle/>
+        <a:p>
+          <a:endParaRPr lang="en-US"/>
+        </a:p>
+      </dgm:t>
+    </dgm:pt>
+    <dgm:pt modelId="{FD99566A-6AE4-41A8-BBFA-6D1895DB8AEB}">
+      <dgm:prSet/>
+      <dgm:spPr/>
+      <dgm:t>
+        <a:bodyPr/>
+        <a:lstStyle/>
+        <a:p>
+          <a:r>
+            <a:rPr lang="en-IN"/>
+            <a:t>Isolated from server and operating system dependencies</a:t>
+          </a:r>
+          <a:endParaRPr lang="en-US"/>
+        </a:p>
+      </dgm:t>
+    </dgm:pt>
+    <dgm:pt modelId="{7A4A7FAC-10A3-4F30-9D8C-B53C0BA65741}" type="parTrans" cxnId="{BFFD0A4B-0D83-4CFA-BA1A-B8B71AAE0D29}">
+      <dgm:prSet/>
+      <dgm:spPr/>
+      <dgm:t>
+        <a:bodyPr/>
+        <a:lstStyle/>
+        <a:p>
+          <a:endParaRPr lang="en-US"/>
+        </a:p>
+      </dgm:t>
+    </dgm:pt>
+    <dgm:pt modelId="{640576CA-E362-4FDF-9DEE-A39A49621B53}" type="sibTrans" cxnId="{BFFD0A4B-0D83-4CFA-BA1A-B8B71AAE0D29}">
+      <dgm:prSet/>
+      <dgm:spPr/>
+      <dgm:t>
+        <a:bodyPr/>
+        <a:lstStyle/>
+        <a:p>
+          <a:endParaRPr lang="en-US"/>
+        </a:p>
+      </dgm:t>
+    </dgm:pt>
+    <dgm:pt modelId="{6F0C68F7-ECDD-4DB9-A44B-FE64BFC4DA1A}">
+      <dgm:prSet/>
+      <dgm:spPr/>
+      <dgm:t>
+        <a:bodyPr/>
+        <a:lstStyle/>
+        <a:p>
+          <a:r>
+            <a:rPr lang="en-IN"/>
+            <a:t>Deployed on self-service, elastic, cloud infrastructure</a:t>
+          </a:r>
+          <a:endParaRPr lang="en-US"/>
+        </a:p>
+      </dgm:t>
+    </dgm:pt>
+    <dgm:pt modelId="{3CA0802A-4228-4A00-BC84-8121C577FCC8}" type="parTrans" cxnId="{A7E125F3-8AF0-40C2-B295-838D7CE3DC79}">
+      <dgm:prSet/>
+      <dgm:spPr/>
+      <dgm:t>
+        <a:bodyPr/>
+        <a:lstStyle/>
+        <a:p>
+          <a:endParaRPr lang="en-US"/>
+        </a:p>
+      </dgm:t>
+    </dgm:pt>
+    <dgm:pt modelId="{47B9D445-6C57-46D1-9249-99AB82B4417A}" type="sibTrans" cxnId="{A7E125F3-8AF0-40C2-B295-838D7CE3DC79}">
+      <dgm:prSet/>
+      <dgm:spPr/>
+      <dgm:t>
+        <a:bodyPr/>
+        <a:lstStyle/>
+        <a:p>
+          <a:endParaRPr lang="en-US"/>
+        </a:p>
+      </dgm:t>
+    </dgm:pt>
+    <dgm:pt modelId="{3709E9C1-C753-4B5F-B512-7F3C3064B620}">
+      <dgm:prSet/>
+      <dgm:spPr/>
+      <dgm:t>
+        <a:bodyPr/>
+        <a:lstStyle/>
+        <a:p>
+          <a:r>
+            <a:rPr lang="en-IN"/>
+            <a:t>Managed through agile DevOps processes(CI/CD) </a:t>
+          </a:r>
+          <a:endParaRPr lang="en-US"/>
+        </a:p>
+      </dgm:t>
+    </dgm:pt>
+    <dgm:pt modelId="{34680190-11AC-4B0B-8A27-40AA7F7D743F}" type="parTrans" cxnId="{C963055B-A9AE-43A1-AD30-EE41BF8CC7AC}">
+      <dgm:prSet/>
+      <dgm:spPr/>
+      <dgm:t>
+        <a:bodyPr/>
+        <a:lstStyle/>
+        <a:p>
+          <a:endParaRPr lang="en-US"/>
+        </a:p>
+      </dgm:t>
+    </dgm:pt>
+    <dgm:pt modelId="{6F34957A-DE04-419C-A1A1-F78C5D61C2EB}" type="sibTrans" cxnId="{C963055B-A9AE-43A1-AD30-EE41BF8CC7AC}">
+      <dgm:prSet/>
+      <dgm:spPr/>
+      <dgm:t>
+        <a:bodyPr/>
+        <a:lstStyle/>
+        <a:p>
+          <a:endParaRPr lang="en-US"/>
+        </a:p>
+      </dgm:t>
+    </dgm:pt>
+    <dgm:pt modelId="{90F5ADD5-B28F-411E-8E8C-9FF7D9F60076}">
+      <dgm:prSet/>
+      <dgm:spPr/>
+      <dgm:t>
+        <a:bodyPr/>
+        <a:lstStyle/>
+        <a:p>
+          <a:r>
+            <a:rPr lang="en-IN"/>
+            <a:t>Defined, policy-driven resource allocation</a:t>
+          </a:r>
+          <a:endParaRPr lang="en-US"/>
+        </a:p>
+      </dgm:t>
+    </dgm:pt>
+    <dgm:pt modelId="{082E7497-602A-46BC-92FF-E85EAAD53825}" type="parTrans" cxnId="{05EB0193-5260-4553-B42D-FFE2999B7007}">
+      <dgm:prSet/>
+      <dgm:spPr/>
+      <dgm:t>
+        <a:bodyPr/>
+        <a:lstStyle/>
+        <a:p>
+          <a:endParaRPr lang="en-US"/>
+        </a:p>
+      </dgm:t>
+    </dgm:pt>
+    <dgm:pt modelId="{07D5CB69-297B-4F31-B210-4D9B402ACBCF}" type="sibTrans" cxnId="{05EB0193-5260-4553-B42D-FFE2999B7007}">
+      <dgm:prSet/>
+      <dgm:spPr/>
+      <dgm:t>
+        <a:bodyPr/>
+        <a:lstStyle/>
+        <a:p>
+          <a:endParaRPr lang="en-US"/>
+        </a:p>
+      </dgm:t>
+    </dgm:pt>
+    <dgm:pt modelId="{2F44644F-C90B-7549-860F-1D40264F2E08}" type="pres">
+      <dgm:prSet presAssocID="{499287A7-999C-4B48-962E-185B16BC8CE8}" presName="diagram" presStyleCnt="0">
+        <dgm:presLayoutVars>
+          <dgm:dir/>
+          <dgm:resizeHandles val="exact"/>
+        </dgm:presLayoutVars>
+      </dgm:prSet>
+      <dgm:spPr/>
+    </dgm:pt>
+    <dgm:pt modelId="{31B62AF7-8E7F-D24F-A9B4-39FDD5EAA4F2}" type="pres">
+      <dgm:prSet presAssocID="{DE9E8909-E37A-43D1-9B0F-4BA8EBDBEA79}" presName="node" presStyleLbl="node1" presStyleIdx="0" presStyleCnt="1">
+        <dgm:presLayoutVars>
+          <dgm:bulletEnabled val="1"/>
+        </dgm:presLayoutVars>
+      </dgm:prSet>
+      <dgm:spPr/>
+    </dgm:pt>
+  </dgm:ptLst>
+  <dgm:cxnLst>
+    <dgm:cxn modelId="{4DAFB022-58DB-804B-9829-249DC3F67035}" type="presOf" srcId="{90F5ADD5-B28F-411E-8E8C-9FF7D9F60076}" destId="{31B62AF7-8E7F-D24F-A9B4-39FDD5EAA4F2}" srcOrd="0" destOrd="8" presId="urn:microsoft.com/office/officeart/2005/8/layout/default"/>
+    <dgm:cxn modelId="{81517E27-5F1E-F34D-8FD2-3DE19215E525}" type="presOf" srcId="{DE9E8909-E37A-43D1-9B0F-4BA8EBDBEA79}" destId="{31B62AF7-8E7F-D24F-A9B4-39FDD5EAA4F2}" srcOrd="0" destOrd="0" presId="urn:microsoft.com/office/officeart/2005/8/layout/default"/>
+    <dgm:cxn modelId="{CFF5563D-4255-4333-8A3D-BE3FD58E960F}" srcId="{DE9E8909-E37A-43D1-9B0F-4BA8EBDBEA79}" destId="{31C8925C-43AE-46E3-8F1E-BB20D63B744D}" srcOrd="1" destOrd="0" parTransId="{F4497961-9E7B-41AF-B4A9-F3F0AEFFD968}" sibTransId="{0C6158BB-6425-4F71-A07D-72ABAB53971E}"/>
+    <dgm:cxn modelId="{BFFD0A4B-0D83-4CFA-BA1A-B8B71AAE0D29}" srcId="{DE9E8909-E37A-43D1-9B0F-4BA8EBDBEA79}" destId="{FD99566A-6AE4-41A8-BBFA-6D1895DB8AEB}" srcOrd="4" destOrd="0" parTransId="{7A4A7FAC-10A3-4F30-9D8C-B53C0BA65741}" sibTransId="{640576CA-E362-4FDF-9DEE-A39A49621B53}"/>
+    <dgm:cxn modelId="{C963055B-A9AE-43A1-AD30-EE41BF8CC7AC}" srcId="{DE9E8909-E37A-43D1-9B0F-4BA8EBDBEA79}" destId="{3709E9C1-C753-4B5F-B512-7F3C3064B620}" srcOrd="6" destOrd="0" parTransId="{34680190-11AC-4B0B-8A27-40AA7F7D743F}" sibTransId="{6F34957A-DE04-419C-A1A1-F78C5D61C2EB}"/>
+    <dgm:cxn modelId="{977F656F-62D4-4C7B-9172-E70F49366931}" srcId="{DE9E8909-E37A-43D1-9B0F-4BA8EBDBEA79}" destId="{95F0C423-9FC3-4AF5-8A94-4903B472542B}" srcOrd="0" destOrd="0" parTransId="{8AA893F3-BB8C-4286-B58B-54651C50096F}" sibTransId="{90268D0C-920A-4309-9CF9-9A757518E234}"/>
+    <dgm:cxn modelId="{677B0785-63CE-124C-8E90-163C1347B651}" type="presOf" srcId="{5DC1E021-4E8E-43B2-A963-5B1E9444D036}" destId="{31B62AF7-8E7F-D24F-A9B4-39FDD5EAA4F2}" srcOrd="0" destOrd="3" presId="urn:microsoft.com/office/officeart/2005/8/layout/default"/>
+    <dgm:cxn modelId="{4880C288-3EF1-1947-8139-67B4957EB7AF}" type="presOf" srcId="{FD99566A-6AE4-41A8-BBFA-6D1895DB8AEB}" destId="{31B62AF7-8E7F-D24F-A9B4-39FDD5EAA4F2}" srcOrd="0" destOrd="5" presId="urn:microsoft.com/office/officeart/2005/8/layout/default"/>
+    <dgm:cxn modelId="{05EB0193-5260-4553-B42D-FFE2999B7007}" srcId="{DE9E8909-E37A-43D1-9B0F-4BA8EBDBEA79}" destId="{90F5ADD5-B28F-411E-8E8C-9FF7D9F60076}" srcOrd="7" destOrd="0" parTransId="{082E7497-602A-46BC-92FF-E85EAAD53825}" sibTransId="{07D5CB69-297B-4F31-B210-4D9B402ACBCF}"/>
+    <dgm:cxn modelId="{C327E39F-397A-4842-91AA-41A14369C4FE}" type="presOf" srcId="{6F0C68F7-ECDD-4DB9-A44B-FE64BFC4DA1A}" destId="{31B62AF7-8E7F-D24F-A9B4-39FDD5EAA4F2}" srcOrd="0" destOrd="6" presId="urn:microsoft.com/office/officeart/2005/8/layout/default"/>
+    <dgm:cxn modelId="{69C497A9-6BA3-F745-9709-F6E5CAEA1D84}" type="presOf" srcId="{A04CC57E-6F04-4E59-88A6-3E660C7C31AB}" destId="{31B62AF7-8E7F-D24F-A9B4-39FDD5EAA4F2}" srcOrd="0" destOrd="4" presId="urn:microsoft.com/office/officeart/2005/8/layout/default"/>
+    <dgm:cxn modelId="{5F1E30BF-26D4-45C8-B82D-B9CE20B72DCA}" srcId="{DE9E8909-E37A-43D1-9B0F-4BA8EBDBEA79}" destId="{A04CC57E-6F04-4E59-88A6-3E660C7C31AB}" srcOrd="3" destOrd="0" parTransId="{6F87D2C2-E447-4DB6-BBC3-40C2BD3BD8E8}" sibTransId="{2C5F492B-E967-4D58-898B-ECDAB9C5F221}"/>
+    <dgm:cxn modelId="{6EEEF2C8-D1A1-2842-8820-D9660D57E71F}" type="presOf" srcId="{3709E9C1-C753-4B5F-B512-7F3C3064B620}" destId="{31B62AF7-8E7F-D24F-A9B4-39FDD5EAA4F2}" srcOrd="0" destOrd="7" presId="urn:microsoft.com/office/officeart/2005/8/layout/default"/>
+    <dgm:cxn modelId="{856C8CDB-55A9-1842-A244-4ADC97405F23}" type="presOf" srcId="{31C8925C-43AE-46E3-8F1E-BB20D63B744D}" destId="{31B62AF7-8E7F-D24F-A9B4-39FDD5EAA4F2}" srcOrd="0" destOrd="2" presId="urn:microsoft.com/office/officeart/2005/8/layout/default"/>
+    <dgm:cxn modelId="{9C31ECEA-650C-488E-9907-B4D58770A57B}" srcId="{499287A7-999C-4B48-962E-185B16BC8CE8}" destId="{DE9E8909-E37A-43D1-9B0F-4BA8EBDBEA79}" srcOrd="0" destOrd="0" parTransId="{18B663C5-D297-42FC-9C58-A8A47D581326}" sibTransId="{991B1F00-8836-4AF6-BDFA-A03CF183DD6C}"/>
+    <dgm:cxn modelId="{76B6DBF0-1E2E-CE4C-A0B8-34C88995548C}" type="presOf" srcId="{95F0C423-9FC3-4AF5-8A94-4903B472542B}" destId="{31B62AF7-8E7F-D24F-A9B4-39FDD5EAA4F2}" srcOrd="0" destOrd="1" presId="urn:microsoft.com/office/officeart/2005/8/layout/default"/>
+    <dgm:cxn modelId="{D3B2BCF1-45BA-D744-8DB6-C253B47C8BA7}" type="presOf" srcId="{499287A7-999C-4B48-962E-185B16BC8CE8}" destId="{2F44644F-C90B-7549-860F-1D40264F2E08}" srcOrd="0" destOrd="0" presId="urn:microsoft.com/office/officeart/2005/8/layout/default"/>
+    <dgm:cxn modelId="{A7E125F3-8AF0-40C2-B295-838D7CE3DC79}" srcId="{DE9E8909-E37A-43D1-9B0F-4BA8EBDBEA79}" destId="{6F0C68F7-ECDD-4DB9-A44B-FE64BFC4DA1A}" srcOrd="5" destOrd="0" parTransId="{3CA0802A-4228-4A00-BC84-8121C577FCC8}" sibTransId="{47B9D445-6C57-46D1-9249-99AB82B4417A}"/>
+    <dgm:cxn modelId="{6062EEF9-A01C-4620-8FC5-FAEF3D1B2B01}" srcId="{DE9E8909-E37A-43D1-9B0F-4BA8EBDBEA79}" destId="{5DC1E021-4E8E-43B2-A963-5B1E9444D036}" srcOrd="2" destOrd="0" parTransId="{17319AFA-A4E0-4A2B-9643-C0AEE8DBBE3B}" sibTransId="{1D427718-DCCF-4F6E-9090-16852D3EA5BD}"/>
+    <dgm:cxn modelId="{435D72A5-5F29-BD4D-BD9C-A4A944AECF34}" type="presParOf" srcId="{2F44644F-C90B-7549-860F-1D40264F2E08}" destId="{31B62AF7-8E7F-D24F-A9B4-39FDD5EAA4F2}" srcOrd="0" destOrd="0" presId="urn:microsoft.com/office/officeart/2005/8/layout/default"/>
+  </dgm:cxnLst>
+  <dgm:bg/>
+  <dgm:whole/>
+  <dgm:extLst>
+    <a:ext uri="http://schemas.microsoft.com/office/drawing/2008/diagram">
+      <dsp:dataModelExt xmlns:dsp="http://schemas.microsoft.com/office/drawing/2008/diagram" relId="rId7" minVer="http://schemas.openxmlformats.org/drawingml/2006/diagram"/>
+    </a:ext>
+  </dgm:extLst>
+</dgm:dataModel>
+</file>
+
+<file path=ppt/diagrams/data2.xml><?xml version="1.0" encoding="utf-8"?>
 <dgm:dataModel xmlns:dgm="http://schemas.openxmlformats.org/drawingml/2006/diagram" xmlns:a="http://schemas.openxmlformats.org/drawingml/2006/main">
   <dgm:ptLst>
     <dgm:pt modelId="{46B9B3E0-5EAB-914E-9D02-FB45C97FE231}" type="doc">
@@ -1086,7 +3184,713 @@
 </dgm:dataModel>
 </file>
 
+<file path=ppt/diagrams/data3.xml><?xml version="1.0" encoding="utf-8"?>
+<dgm:dataModel xmlns:dgm="http://schemas.openxmlformats.org/drawingml/2006/diagram" xmlns:a="http://schemas.openxmlformats.org/drawingml/2006/main">
+  <dgm:ptLst>
+    <dgm:pt modelId="{E9FF3240-DB3B-4DE0-8865-37A151EB9CC8}" type="doc">
+      <dgm:prSet loTypeId="urn:microsoft.com/office/officeart/2005/8/layout/vList2" loCatId="list" qsTypeId="urn:microsoft.com/office/officeart/2005/8/quickstyle/simple1" qsCatId="simple" csTypeId="urn:microsoft.com/office/officeart/2005/8/colors/colorful2" csCatId="colorful" phldr="1"/>
+      <dgm:spPr/>
+      <dgm:t>
+        <a:bodyPr/>
+        <a:lstStyle/>
+        <a:p>
+          <a:endParaRPr lang="en-US"/>
+        </a:p>
+      </dgm:t>
+    </dgm:pt>
+    <dgm:pt modelId="{FCEB80CB-339E-4D78-8EF8-517E1DCF5DCE}">
+      <dgm:prSet/>
+      <dgm:spPr/>
+      <dgm:t>
+        <a:bodyPr/>
+        <a:lstStyle/>
+        <a:p>
+          <a:r>
+            <a:rPr lang="en-US"/>
+            <a:t>1.Code base                                                     9. Disposability </a:t>
+          </a:r>
+        </a:p>
+      </dgm:t>
+    </dgm:pt>
+    <dgm:pt modelId="{0E774060-EB8B-4791-B1DE-EF31DEA0425F}" type="parTrans" cxnId="{740F9391-D57B-4A0A-9AB3-1E48307DABE5}">
+      <dgm:prSet/>
+      <dgm:spPr/>
+      <dgm:t>
+        <a:bodyPr/>
+        <a:lstStyle/>
+        <a:p>
+          <a:endParaRPr lang="en-US"/>
+        </a:p>
+      </dgm:t>
+    </dgm:pt>
+    <dgm:pt modelId="{5C7434AC-5258-45AB-9183-D6D6D1536731}" type="sibTrans" cxnId="{740F9391-D57B-4A0A-9AB3-1E48307DABE5}">
+      <dgm:prSet/>
+      <dgm:spPr/>
+      <dgm:t>
+        <a:bodyPr/>
+        <a:lstStyle/>
+        <a:p>
+          <a:endParaRPr lang="en-US"/>
+        </a:p>
+      </dgm:t>
+    </dgm:pt>
+    <dgm:pt modelId="{526D09B2-3918-4C92-AC1D-65CAE4BAB81B}">
+      <dgm:prSet/>
+      <dgm:spPr/>
+      <dgm:t>
+        <a:bodyPr/>
+        <a:lstStyle/>
+        <a:p>
+          <a:r>
+            <a:rPr lang="en-US" dirty="0"/>
+            <a:t>2.Dependencies                                             10. Development/Production Parity </a:t>
+          </a:r>
+        </a:p>
+      </dgm:t>
+    </dgm:pt>
+    <dgm:pt modelId="{73A64657-DB42-4C17-8E77-300229DCC67E}" type="parTrans" cxnId="{F73C3966-CAF8-4FB9-A9E9-742B13797A30}">
+      <dgm:prSet/>
+      <dgm:spPr/>
+      <dgm:t>
+        <a:bodyPr/>
+        <a:lstStyle/>
+        <a:p>
+          <a:endParaRPr lang="en-US"/>
+        </a:p>
+      </dgm:t>
+    </dgm:pt>
+    <dgm:pt modelId="{351EE67D-1CE6-4C5B-8272-1920738F8000}" type="sibTrans" cxnId="{F73C3966-CAF8-4FB9-A9E9-742B13797A30}">
+      <dgm:prSet/>
+      <dgm:spPr/>
+      <dgm:t>
+        <a:bodyPr/>
+        <a:lstStyle/>
+        <a:p>
+          <a:endParaRPr lang="en-US"/>
+        </a:p>
+      </dgm:t>
+    </dgm:pt>
+    <dgm:pt modelId="{E719AC42-27C1-4F60-AEC0-3FA523FD88D3}">
+      <dgm:prSet/>
+      <dgm:spPr/>
+      <dgm:t>
+        <a:bodyPr/>
+        <a:lstStyle/>
+        <a:p>
+          <a:r>
+            <a:rPr lang="en-US" dirty="0"/>
+            <a:t>3.Config                                                           11. Logs</a:t>
+          </a:r>
+        </a:p>
+      </dgm:t>
+    </dgm:pt>
+    <dgm:pt modelId="{04E24F0B-15E8-4792-9E10-2B713FCFB710}" type="parTrans" cxnId="{A3118175-020B-4E8E-8067-78D621D82892}">
+      <dgm:prSet/>
+      <dgm:spPr/>
+      <dgm:t>
+        <a:bodyPr/>
+        <a:lstStyle/>
+        <a:p>
+          <a:endParaRPr lang="en-US"/>
+        </a:p>
+      </dgm:t>
+    </dgm:pt>
+    <dgm:pt modelId="{84025A90-5283-44D3-87A0-C99892B0B92B}" type="sibTrans" cxnId="{A3118175-020B-4E8E-8067-78D621D82892}">
+      <dgm:prSet/>
+      <dgm:spPr/>
+      <dgm:t>
+        <a:bodyPr/>
+        <a:lstStyle/>
+        <a:p>
+          <a:endParaRPr lang="en-US"/>
+        </a:p>
+      </dgm:t>
+    </dgm:pt>
+    <dgm:pt modelId="{5016FB08-D450-4C42-B314-1D8FCEE65449}">
+      <dgm:prSet/>
+      <dgm:spPr/>
+      <dgm:t>
+        <a:bodyPr/>
+        <a:lstStyle/>
+        <a:p>
+          <a:r>
+            <a:rPr lang="en-US" dirty="0"/>
+            <a:t>4.Backing </a:t>
+          </a:r>
+          <a:r>
+            <a:rPr lang="en-US"/>
+            <a:t>services                                         12. </a:t>
+          </a:r>
+          <a:r>
+            <a:rPr lang="en-US" dirty="0"/>
+            <a:t>Admin Processes</a:t>
+          </a:r>
+        </a:p>
+      </dgm:t>
+    </dgm:pt>
+    <dgm:pt modelId="{8055A4A4-9937-4A23-82D1-752CE4A8F26F}" type="parTrans" cxnId="{6200D477-C741-4127-854A-185A18A7F2EC}">
+      <dgm:prSet/>
+      <dgm:spPr/>
+      <dgm:t>
+        <a:bodyPr/>
+        <a:lstStyle/>
+        <a:p>
+          <a:endParaRPr lang="en-US"/>
+        </a:p>
+      </dgm:t>
+    </dgm:pt>
+    <dgm:pt modelId="{FE8C14AA-6CA0-4F3A-9272-3C1C9821A8F8}" type="sibTrans" cxnId="{6200D477-C741-4127-854A-185A18A7F2EC}">
+      <dgm:prSet/>
+      <dgm:spPr/>
+      <dgm:t>
+        <a:bodyPr/>
+        <a:lstStyle/>
+        <a:p>
+          <a:endParaRPr lang="en-US"/>
+        </a:p>
+      </dgm:t>
+    </dgm:pt>
+    <dgm:pt modelId="{47D726BC-5DB9-41A8-8753-64EE746C11E6}">
+      <dgm:prSet/>
+      <dgm:spPr/>
+      <dgm:t>
+        <a:bodyPr/>
+        <a:lstStyle/>
+        <a:p>
+          <a:r>
+            <a:rPr lang="en-US" dirty="0"/>
+            <a:t>5.Build, release, run</a:t>
+          </a:r>
+        </a:p>
+      </dgm:t>
+    </dgm:pt>
+    <dgm:pt modelId="{2E4F6D22-4E9F-4695-ABA9-68BA2B4C34B5}" type="parTrans" cxnId="{B063E12B-21E4-4201-B69F-FC689F5E4241}">
+      <dgm:prSet/>
+      <dgm:spPr/>
+      <dgm:t>
+        <a:bodyPr/>
+        <a:lstStyle/>
+        <a:p>
+          <a:endParaRPr lang="en-US"/>
+        </a:p>
+      </dgm:t>
+    </dgm:pt>
+    <dgm:pt modelId="{28487355-E2CE-4DE9-A825-2CB2618403FF}" type="sibTrans" cxnId="{B063E12B-21E4-4201-B69F-FC689F5E4241}">
+      <dgm:prSet/>
+      <dgm:spPr/>
+      <dgm:t>
+        <a:bodyPr/>
+        <a:lstStyle/>
+        <a:p>
+          <a:endParaRPr lang="en-US"/>
+        </a:p>
+      </dgm:t>
+    </dgm:pt>
+    <dgm:pt modelId="{AE7A2817-22C2-48BD-A4C3-70369151A703}">
+      <dgm:prSet/>
+      <dgm:spPr/>
+      <dgm:t>
+        <a:bodyPr/>
+        <a:lstStyle/>
+        <a:p>
+          <a:r>
+            <a:rPr lang="en-US"/>
+            <a:t>6.Processes</a:t>
+          </a:r>
+        </a:p>
+      </dgm:t>
+    </dgm:pt>
+    <dgm:pt modelId="{4E59E556-C1DC-4053-AFE5-5D83AC41940B}" type="parTrans" cxnId="{8F51A5E2-270C-476B-8010-0F6C0CF90E03}">
+      <dgm:prSet/>
+      <dgm:spPr/>
+      <dgm:t>
+        <a:bodyPr/>
+        <a:lstStyle/>
+        <a:p>
+          <a:endParaRPr lang="en-US"/>
+        </a:p>
+      </dgm:t>
+    </dgm:pt>
+    <dgm:pt modelId="{AA0107EA-3129-42C7-9A60-DE94E5BB5CA1}" type="sibTrans" cxnId="{8F51A5E2-270C-476B-8010-0F6C0CF90E03}">
+      <dgm:prSet/>
+      <dgm:spPr/>
+      <dgm:t>
+        <a:bodyPr/>
+        <a:lstStyle/>
+        <a:p>
+          <a:endParaRPr lang="en-US"/>
+        </a:p>
+      </dgm:t>
+    </dgm:pt>
+    <dgm:pt modelId="{696E867C-1B24-495A-A52E-B5B40C59C95E}">
+      <dgm:prSet/>
+      <dgm:spPr/>
+      <dgm:t>
+        <a:bodyPr/>
+        <a:lstStyle/>
+        <a:p>
+          <a:r>
+            <a:rPr lang="en-US"/>
+            <a:t>7. Port binding</a:t>
+          </a:r>
+        </a:p>
+      </dgm:t>
+    </dgm:pt>
+    <dgm:pt modelId="{DBA139E4-F889-424F-9A24-1BD7D14FF615}" type="parTrans" cxnId="{E1EE4CFA-F72E-4548-9261-A10E6D60231D}">
+      <dgm:prSet/>
+      <dgm:spPr/>
+      <dgm:t>
+        <a:bodyPr/>
+        <a:lstStyle/>
+        <a:p>
+          <a:endParaRPr lang="en-US"/>
+        </a:p>
+      </dgm:t>
+    </dgm:pt>
+    <dgm:pt modelId="{10F107E0-0F44-4025-987A-D63A27A3772F}" type="sibTrans" cxnId="{E1EE4CFA-F72E-4548-9261-A10E6D60231D}">
+      <dgm:prSet/>
+      <dgm:spPr/>
+      <dgm:t>
+        <a:bodyPr/>
+        <a:lstStyle/>
+        <a:p>
+          <a:endParaRPr lang="en-US"/>
+        </a:p>
+      </dgm:t>
+    </dgm:pt>
+    <dgm:pt modelId="{6DA5EB1F-C1DB-4C9B-AC38-65D9D95D2F40}">
+      <dgm:prSet/>
+      <dgm:spPr/>
+      <dgm:t>
+        <a:bodyPr/>
+        <a:lstStyle/>
+        <a:p>
+          <a:r>
+            <a:rPr lang="en-US"/>
+            <a:t>8. Concurrency</a:t>
+          </a:r>
+        </a:p>
+      </dgm:t>
+    </dgm:pt>
+    <dgm:pt modelId="{C82F8876-EAE6-40E0-9D7D-E70FD20C3B20}" type="parTrans" cxnId="{59E0C40F-056A-46D6-AD4E-A358ED5BC24B}">
+      <dgm:prSet/>
+      <dgm:spPr/>
+      <dgm:t>
+        <a:bodyPr/>
+        <a:lstStyle/>
+        <a:p>
+          <a:endParaRPr lang="en-US"/>
+        </a:p>
+      </dgm:t>
+    </dgm:pt>
+    <dgm:pt modelId="{947404F1-A221-4766-B705-11B4D37BB19C}" type="sibTrans" cxnId="{59E0C40F-056A-46D6-AD4E-A358ED5BC24B}">
+      <dgm:prSet/>
+      <dgm:spPr/>
+      <dgm:t>
+        <a:bodyPr/>
+        <a:lstStyle/>
+        <a:p>
+          <a:endParaRPr lang="en-US"/>
+        </a:p>
+      </dgm:t>
+    </dgm:pt>
+    <dgm:pt modelId="{F7B4D053-3A4C-3941-A040-976161ABEBF0}" type="pres">
+      <dgm:prSet presAssocID="{E9FF3240-DB3B-4DE0-8865-37A151EB9CC8}" presName="linear" presStyleCnt="0">
+        <dgm:presLayoutVars>
+          <dgm:animLvl val="lvl"/>
+          <dgm:resizeHandles val="exact"/>
+        </dgm:presLayoutVars>
+      </dgm:prSet>
+      <dgm:spPr/>
+    </dgm:pt>
+    <dgm:pt modelId="{4A3CE231-DBE2-A54C-BFBF-8C3A87E74B0B}" type="pres">
+      <dgm:prSet presAssocID="{FCEB80CB-339E-4D78-8EF8-517E1DCF5DCE}" presName="parentText" presStyleLbl="node1" presStyleIdx="0" presStyleCnt="8">
+        <dgm:presLayoutVars>
+          <dgm:chMax val="0"/>
+          <dgm:bulletEnabled val="1"/>
+        </dgm:presLayoutVars>
+      </dgm:prSet>
+      <dgm:spPr/>
+    </dgm:pt>
+    <dgm:pt modelId="{97BB86FE-0334-BC4F-9B3B-9E5B5F73B1FA}" type="pres">
+      <dgm:prSet presAssocID="{5C7434AC-5258-45AB-9183-D6D6D1536731}" presName="spacer" presStyleCnt="0"/>
+      <dgm:spPr/>
+    </dgm:pt>
+    <dgm:pt modelId="{7B99776F-9391-6146-AB0B-50E95982A469}" type="pres">
+      <dgm:prSet presAssocID="{526D09B2-3918-4C92-AC1D-65CAE4BAB81B}" presName="parentText" presStyleLbl="node1" presStyleIdx="1" presStyleCnt="8">
+        <dgm:presLayoutVars>
+          <dgm:chMax val="0"/>
+          <dgm:bulletEnabled val="1"/>
+        </dgm:presLayoutVars>
+      </dgm:prSet>
+      <dgm:spPr/>
+    </dgm:pt>
+    <dgm:pt modelId="{AA39AFCA-53ED-9342-AA7C-B44027FDA6FE}" type="pres">
+      <dgm:prSet presAssocID="{351EE67D-1CE6-4C5B-8272-1920738F8000}" presName="spacer" presStyleCnt="0"/>
+      <dgm:spPr/>
+    </dgm:pt>
+    <dgm:pt modelId="{0EF7C45D-2AD9-DC49-A3EA-090C112E0842}" type="pres">
+      <dgm:prSet presAssocID="{E719AC42-27C1-4F60-AEC0-3FA523FD88D3}" presName="parentText" presStyleLbl="node1" presStyleIdx="2" presStyleCnt="8">
+        <dgm:presLayoutVars>
+          <dgm:chMax val="0"/>
+          <dgm:bulletEnabled val="1"/>
+        </dgm:presLayoutVars>
+      </dgm:prSet>
+      <dgm:spPr/>
+    </dgm:pt>
+    <dgm:pt modelId="{5F2007F3-738E-FC48-A5A3-E7E941D668D4}" type="pres">
+      <dgm:prSet presAssocID="{84025A90-5283-44D3-87A0-C99892B0B92B}" presName="spacer" presStyleCnt="0"/>
+      <dgm:spPr/>
+    </dgm:pt>
+    <dgm:pt modelId="{F4B60AEB-62C0-1341-A15F-A407A02DA33F}" type="pres">
+      <dgm:prSet presAssocID="{5016FB08-D450-4C42-B314-1D8FCEE65449}" presName="parentText" presStyleLbl="node1" presStyleIdx="3" presStyleCnt="8">
+        <dgm:presLayoutVars>
+          <dgm:chMax val="0"/>
+          <dgm:bulletEnabled val="1"/>
+        </dgm:presLayoutVars>
+      </dgm:prSet>
+      <dgm:spPr/>
+    </dgm:pt>
+    <dgm:pt modelId="{E9C49875-8401-E64E-A024-D7DA7D93AEA2}" type="pres">
+      <dgm:prSet presAssocID="{FE8C14AA-6CA0-4F3A-9272-3C1C9821A8F8}" presName="spacer" presStyleCnt="0"/>
+      <dgm:spPr/>
+    </dgm:pt>
+    <dgm:pt modelId="{449C5763-0C4D-F047-9B6E-4ED9A2F0E714}" type="pres">
+      <dgm:prSet presAssocID="{47D726BC-5DB9-41A8-8753-64EE746C11E6}" presName="parentText" presStyleLbl="node1" presStyleIdx="4" presStyleCnt="8">
+        <dgm:presLayoutVars>
+          <dgm:chMax val="0"/>
+          <dgm:bulletEnabled val="1"/>
+        </dgm:presLayoutVars>
+      </dgm:prSet>
+      <dgm:spPr/>
+    </dgm:pt>
+    <dgm:pt modelId="{B002262C-1CB8-5644-818F-AE5E5E5D6262}" type="pres">
+      <dgm:prSet presAssocID="{28487355-E2CE-4DE9-A825-2CB2618403FF}" presName="spacer" presStyleCnt="0"/>
+      <dgm:spPr/>
+    </dgm:pt>
+    <dgm:pt modelId="{688797AD-4425-B744-89B2-92624A91F7B9}" type="pres">
+      <dgm:prSet presAssocID="{AE7A2817-22C2-48BD-A4C3-70369151A703}" presName="parentText" presStyleLbl="node1" presStyleIdx="5" presStyleCnt="8">
+        <dgm:presLayoutVars>
+          <dgm:chMax val="0"/>
+          <dgm:bulletEnabled val="1"/>
+        </dgm:presLayoutVars>
+      </dgm:prSet>
+      <dgm:spPr/>
+    </dgm:pt>
+    <dgm:pt modelId="{6ABCE9B3-E64B-F648-B463-8F6E00C34ABC}" type="pres">
+      <dgm:prSet presAssocID="{AA0107EA-3129-42C7-9A60-DE94E5BB5CA1}" presName="spacer" presStyleCnt="0"/>
+      <dgm:spPr/>
+    </dgm:pt>
+    <dgm:pt modelId="{B161685B-1FA8-A14C-97BC-2F558F1093C4}" type="pres">
+      <dgm:prSet presAssocID="{696E867C-1B24-495A-A52E-B5B40C59C95E}" presName="parentText" presStyleLbl="node1" presStyleIdx="6" presStyleCnt="8">
+        <dgm:presLayoutVars>
+          <dgm:chMax val="0"/>
+          <dgm:bulletEnabled val="1"/>
+        </dgm:presLayoutVars>
+      </dgm:prSet>
+      <dgm:spPr/>
+    </dgm:pt>
+    <dgm:pt modelId="{84E0B221-AA23-C947-BF6B-2150FB366A60}" type="pres">
+      <dgm:prSet presAssocID="{10F107E0-0F44-4025-987A-D63A27A3772F}" presName="spacer" presStyleCnt="0"/>
+      <dgm:spPr/>
+    </dgm:pt>
+    <dgm:pt modelId="{8B87BBAE-FF02-744C-AA1F-BCA9CA51B128}" type="pres">
+      <dgm:prSet presAssocID="{6DA5EB1F-C1DB-4C9B-AC38-65D9D95D2F40}" presName="parentText" presStyleLbl="node1" presStyleIdx="7" presStyleCnt="8">
+        <dgm:presLayoutVars>
+          <dgm:chMax val="0"/>
+          <dgm:bulletEnabled val="1"/>
+        </dgm:presLayoutVars>
+      </dgm:prSet>
+      <dgm:spPr/>
+    </dgm:pt>
+  </dgm:ptLst>
+  <dgm:cxnLst>
+    <dgm:cxn modelId="{A31A7102-054E-7D4F-BDE8-4C066355469C}" type="presOf" srcId="{526D09B2-3918-4C92-AC1D-65CAE4BAB81B}" destId="{7B99776F-9391-6146-AB0B-50E95982A469}" srcOrd="0" destOrd="0" presId="urn:microsoft.com/office/officeart/2005/8/layout/vList2"/>
+    <dgm:cxn modelId="{B9A56006-D6F7-724A-9ADB-7998291864E5}" type="presOf" srcId="{FCEB80CB-339E-4D78-8EF8-517E1DCF5DCE}" destId="{4A3CE231-DBE2-A54C-BFBF-8C3A87E74B0B}" srcOrd="0" destOrd="0" presId="urn:microsoft.com/office/officeart/2005/8/layout/vList2"/>
+    <dgm:cxn modelId="{59E0C40F-056A-46D6-AD4E-A358ED5BC24B}" srcId="{E9FF3240-DB3B-4DE0-8865-37A151EB9CC8}" destId="{6DA5EB1F-C1DB-4C9B-AC38-65D9D95D2F40}" srcOrd="7" destOrd="0" parTransId="{C82F8876-EAE6-40E0-9D7D-E70FD20C3B20}" sibTransId="{947404F1-A221-4766-B705-11B4D37BB19C}"/>
+    <dgm:cxn modelId="{181B6623-F9A8-BA4C-9F69-60DFBB1E5B64}" type="presOf" srcId="{E719AC42-27C1-4F60-AEC0-3FA523FD88D3}" destId="{0EF7C45D-2AD9-DC49-A3EA-090C112E0842}" srcOrd="0" destOrd="0" presId="urn:microsoft.com/office/officeart/2005/8/layout/vList2"/>
+    <dgm:cxn modelId="{B063E12B-21E4-4201-B69F-FC689F5E4241}" srcId="{E9FF3240-DB3B-4DE0-8865-37A151EB9CC8}" destId="{47D726BC-5DB9-41A8-8753-64EE746C11E6}" srcOrd="4" destOrd="0" parTransId="{2E4F6D22-4E9F-4695-ABA9-68BA2B4C34B5}" sibTransId="{28487355-E2CE-4DE9-A825-2CB2618403FF}"/>
+    <dgm:cxn modelId="{D21B3B30-8CAB-2340-B637-E571D3D3045C}" type="presOf" srcId="{6DA5EB1F-C1DB-4C9B-AC38-65D9D95D2F40}" destId="{8B87BBAE-FF02-744C-AA1F-BCA9CA51B128}" srcOrd="0" destOrd="0" presId="urn:microsoft.com/office/officeart/2005/8/layout/vList2"/>
+    <dgm:cxn modelId="{F73C3966-CAF8-4FB9-A9E9-742B13797A30}" srcId="{E9FF3240-DB3B-4DE0-8865-37A151EB9CC8}" destId="{526D09B2-3918-4C92-AC1D-65CAE4BAB81B}" srcOrd="1" destOrd="0" parTransId="{73A64657-DB42-4C17-8E77-300229DCC67E}" sibTransId="{351EE67D-1CE6-4C5B-8272-1920738F8000}"/>
+    <dgm:cxn modelId="{A3118175-020B-4E8E-8067-78D621D82892}" srcId="{E9FF3240-DB3B-4DE0-8865-37A151EB9CC8}" destId="{E719AC42-27C1-4F60-AEC0-3FA523FD88D3}" srcOrd="2" destOrd="0" parTransId="{04E24F0B-15E8-4792-9E10-2B713FCFB710}" sibTransId="{84025A90-5283-44D3-87A0-C99892B0B92B}"/>
+    <dgm:cxn modelId="{96CE9575-ADA8-8A45-B0F6-766F7108C930}" type="presOf" srcId="{AE7A2817-22C2-48BD-A4C3-70369151A703}" destId="{688797AD-4425-B744-89B2-92624A91F7B9}" srcOrd="0" destOrd="0" presId="urn:microsoft.com/office/officeart/2005/8/layout/vList2"/>
+    <dgm:cxn modelId="{6200D477-C741-4127-854A-185A18A7F2EC}" srcId="{E9FF3240-DB3B-4DE0-8865-37A151EB9CC8}" destId="{5016FB08-D450-4C42-B314-1D8FCEE65449}" srcOrd="3" destOrd="0" parTransId="{8055A4A4-9937-4A23-82D1-752CE4A8F26F}" sibTransId="{FE8C14AA-6CA0-4F3A-9272-3C1C9821A8F8}"/>
+    <dgm:cxn modelId="{0575D98F-5C22-B342-850B-69A046B66795}" type="presOf" srcId="{696E867C-1B24-495A-A52E-B5B40C59C95E}" destId="{B161685B-1FA8-A14C-97BC-2F558F1093C4}" srcOrd="0" destOrd="0" presId="urn:microsoft.com/office/officeart/2005/8/layout/vList2"/>
+    <dgm:cxn modelId="{740F9391-D57B-4A0A-9AB3-1E48307DABE5}" srcId="{E9FF3240-DB3B-4DE0-8865-37A151EB9CC8}" destId="{FCEB80CB-339E-4D78-8EF8-517E1DCF5DCE}" srcOrd="0" destOrd="0" parTransId="{0E774060-EB8B-4791-B1DE-EF31DEA0425F}" sibTransId="{5C7434AC-5258-45AB-9183-D6D6D1536731}"/>
+    <dgm:cxn modelId="{E2111AA8-47A9-834E-A17F-7A06ADD5BA05}" type="presOf" srcId="{47D726BC-5DB9-41A8-8753-64EE746C11E6}" destId="{449C5763-0C4D-F047-9B6E-4ED9A2F0E714}" srcOrd="0" destOrd="0" presId="urn:microsoft.com/office/officeart/2005/8/layout/vList2"/>
+    <dgm:cxn modelId="{8F51A5E2-270C-476B-8010-0F6C0CF90E03}" srcId="{E9FF3240-DB3B-4DE0-8865-37A151EB9CC8}" destId="{AE7A2817-22C2-48BD-A4C3-70369151A703}" srcOrd="5" destOrd="0" parTransId="{4E59E556-C1DC-4053-AFE5-5D83AC41940B}" sibTransId="{AA0107EA-3129-42C7-9A60-DE94E5BB5CA1}"/>
+    <dgm:cxn modelId="{A88207F2-8461-194C-8B58-AF971D28DFCF}" type="presOf" srcId="{E9FF3240-DB3B-4DE0-8865-37A151EB9CC8}" destId="{F7B4D053-3A4C-3941-A040-976161ABEBF0}" srcOrd="0" destOrd="0" presId="urn:microsoft.com/office/officeart/2005/8/layout/vList2"/>
+    <dgm:cxn modelId="{05C36DF5-4E53-F84E-A858-A1A12FDD62FF}" type="presOf" srcId="{5016FB08-D450-4C42-B314-1D8FCEE65449}" destId="{F4B60AEB-62C0-1341-A15F-A407A02DA33F}" srcOrd="0" destOrd="0" presId="urn:microsoft.com/office/officeart/2005/8/layout/vList2"/>
+    <dgm:cxn modelId="{E1EE4CFA-F72E-4548-9261-A10E6D60231D}" srcId="{E9FF3240-DB3B-4DE0-8865-37A151EB9CC8}" destId="{696E867C-1B24-495A-A52E-B5B40C59C95E}" srcOrd="6" destOrd="0" parTransId="{DBA139E4-F889-424F-9A24-1BD7D14FF615}" sibTransId="{10F107E0-0F44-4025-987A-D63A27A3772F}"/>
+    <dgm:cxn modelId="{93BE29A3-3477-F44F-B792-AB90DA807B30}" type="presParOf" srcId="{F7B4D053-3A4C-3941-A040-976161ABEBF0}" destId="{4A3CE231-DBE2-A54C-BFBF-8C3A87E74B0B}" srcOrd="0" destOrd="0" presId="urn:microsoft.com/office/officeart/2005/8/layout/vList2"/>
+    <dgm:cxn modelId="{4D2B421D-2E06-FD4F-991C-8698EFE46FB9}" type="presParOf" srcId="{F7B4D053-3A4C-3941-A040-976161ABEBF0}" destId="{97BB86FE-0334-BC4F-9B3B-9E5B5F73B1FA}" srcOrd="1" destOrd="0" presId="urn:microsoft.com/office/officeart/2005/8/layout/vList2"/>
+    <dgm:cxn modelId="{04A4769C-7C25-D943-9CD2-5A58BD997763}" type="presParOf" srcId="{F7B4D053-3A4C-3941-A040-976161ABEBF0}" destId="{7B99776F-9391-6146-AB0B-50E95982A469}" srcOrd="2" destOrd="0" presId="urn:microsoft.com/office/officeart/2005/8/layout/vList2"/>
+    <dgm:cxn modelId="{940D872C-63B7-7E4C-8589-03BD0242CF29}" type="presParOf" srcId="{F7B4D053-3A4C-3941-A040-976161ABEBF0}" destId="{AA39AFCA-53ED-9342-AA7C-B44027FDA6FE}" srcOrd="3" destOrd="0" presId="urn:microsoft.com/office/officeart/2005/8/layout/vList2"/>
+    <dgm:cxn modelId="{D1591ED7-D0C2-AC4A-A8C4-AE4BFD1EBE30}" type="presParOf" srcId="{F7B4D053-3A4C-3941-A040-976161ABEBF0}" destId="{0EF7C45D-2AD9-DC49-A3EA-090C112E0842}" srcOrd="4" destOrd="0" presId="urn:microsoft.com/office/officeart/2005/8/layout/vList2"/>
+    <dgm:cxn modelId="{5C325159-C819-C341-B0E1-CEF764132A22}" type="presParOf" srcId="{F7B4D053-3A4C-3941-A040-976161ABEBF0}" destId="{5F2007F3-738E-FC48-A5A3-E7E941D668D4}" srcOrd="5" destOrd="0" presId="urn:microsoft.com/office/officeart/2005/8/layout/vList2"/>
+    <dgm:cxn modelId="{7A9090BC-7F33-C846-AFFD-C3B50878DE9C}" type="presParOf" srcId="{F7B4D053-3A4C-3941-A040-976161ABEBF0}" destId="{F4B60AEB-62C0-1341-A15F-A407A02DA33F}" srcOrd="6" destOrd="0" presId="urn:microsoft.com/office/officeart/2005/8/layout/vList2"/>
+    <dgm:cxn modelId="{DA46D2AF-E782-7147-948E-FCC32FEBF945}" type="presParOf" srcId="{F7B4D053-3A4C-3941-A040-976161ABEBF0}" destId="{E9C49875-8401-E64E-A024-D7DA7D93AEA2}" srcOrd="7" destOrd="0" presId="urn:microsoft.com/office/officeart/2005/8/layout/vList2"/>
+    <dgm:cxn modelId="{E843094B-3EE1-AF4B-A071-D31FBFEF807F}" type="presParOf" srcId="{F7B4D053-3A4C-3941-A040-976161ABEBF0}" destId="{449C5763-0C4D-F047-9B6E-4ED9A2F0E714}" srcOrd="8" destOrd="0" presId="urn:microsoft.com/office/officeart/2005/8/layout/vList2"/>
+    <dgm:cxn modelId="{5232F8C6-D563-634A-A6A7-7FA2E00A31A9}" type="presParOf" srcId="{F7B4D053-3A4C-3941-A040-976161ABEBF0}" destId="{B002262C-1CB8-5644-818F-AE5E5E5D6262}" srcOrd="9" destOrd="0" presId="urn:microsoft.com/office/officeart/2005/8/layout/vList2"/>
+    <dgm:cxn modelId="{AC2CF06A-215E-294D-A7A9-8B03DCE6974E}" type="presParOf" srcId="{F7B4D053-3A4C-3941-A040-976161ABEBF0}" destId="{688797AD-4425-B744-89B2-92624A91F7B9}" srcOrd="10" destOrd="0" presId="urn:microsoft.com/office/officeart/2005/8/layout/vList2"/>
+    <dgm:cxn modelId="{C0BB98A2-7059-1346-9357-911320F52DCE}" type="presParOf" srcId="{F7B4D053-3A4C-3941-A040-976161ABEBF0}" destId="{6ABCE9B3-E64B-F648-B463-8F6E00C34ABC}" srcOrd="11" destOrd="0" presId="urn:microsoft.com/office/officeart/2005/8/layout/vList2"/>
+    <dgm:cxn modelId="{F6A00672-3F3F-D84C-AAFC-76112E7AF99E}" type="presParOf" srcId="{F7B4D053-3A4C-3941-A040-976161ABEBF0}" destId="{B161685B-1FA8-A14C-97BC-2F558F1093C4}" srcOrd="12" destOrd="0" presId="urn:microsoft.com/office/officeart/2005/8/layout/vList2"/>
+    <dgm:cxn modelId="{9DBD9F45-C649-9640-88D1-943E3D2F8B50}" type="presParOf" srcId="{F7B4D053-3A4C-3941-A040-976161ABEBF0}" destId="{84E0B221-AA23-C947-BF6B-2150FB366A60}" srcOrd="13" destOrd="0" presId="urn:microsoft.com/office/officeart/2005/8/layout/vList2"/>
+    <dgm:cxn modelId="{11BC5E1C-CA3D-3040-9DC8-A514225166E0}" type="presParOf" srcId="{F7B4D053-3A4C-3941-A040-976161ABEBF0}" destId="{8B87BBAE-FF02-744C-AA1F-BCA9CA51B128}" srcOrd="14" destOrd="0" presId="urn:microsoft.com/office/officeart/2005/8/layout/vList2"/>
+  </dgm:cxnLst>
+  <dgm:bg/>
+  <dgm:whole/>
+  <dgm:extLst>
+    <a:ext uri="http://schemas.microsoft.com/office/drawing/2008/diagram">
+      <dsp:dataModelExt xmlns:dsp="http://schemas.microsoft.com/office/drawing/2008/diagram" relId="rId7" minVer="http://schemas.openxmlformats.org/drawingml/2006/diagram"/>
+    </a:ext>
+  </dgm:extLst>
+</dgm:dataModel>
+</file>
+
 <file path=ppt/diagrams/drawing1.xml><?xml version="1.0" encoding="utf-8"?>
+<dsp:drawing xmlns:dgm="http://schemas.openxmlformats.org/drawingml/2006/diagram" xmlns:dsp="http://schemas.microsoft.com/office/drawing/2008/diagram" xmlns:a="http://schemas.openxmlformats.org/drawingml/2006/main">
+  <dsp:spTree>
+    <dsp:nvGrpSpPr>
+      <dsp:cNvPr id="0" name=""/>
+      <dsp:cNvGrpSpPr/>
+    </dsp:nvGrpSpPr>
+    <dsp:grpSpPr/>
+    <dsp:sp modelId="{31B62AF7-8E7F-D24F-A9B4-39FDD5EAA4F2}">
+      <dsp:nvSpPr>
+        <dsp:cNvPr id="0" name=""/>
+        <dsp:cNvSpPr/>
+      </dsp:nvSpPr>
+      <dsp:spPr>
+        <a:xfrm>
+          <a:off x="2450782" y="343"/>
+          <a:ext cx="5217795" cy="3130676"/>
+        </a:xfrm>
+        <a:prstGeom prst="rect">
+          <a:avLst/>
+        </a:prstGeom>
+        <a:solidFill>
+          <a:schemeClr val="accent2">
+            <a:hueOff val="0"/>
+            <a:satOff val="0"/>
+            <a:lumOff val="0"/>
+            <a:alphaOff val="0"/>
+          </a:schemeClr>
+        </a:solidFill>
+        <a:ln w="12700" cap="flat" cmpd="sng" algn="ctr">
+          <a:solidFill>
+            <a:schemeClr val="lt1">
+              <a:hueOff val="0"/>
+              <a:satOff val="0"/>
+              <a:lumOff val="0"/>
+              <a:alphaOff val="0"/>
+            </a:schemeClr>
+          </a:solidFill>
+          <a:prstDash val="solid"/>
+          <a:miter lim="800000"/>
+        </a:ln>
+        <a:effectLst/>
+      </dsp:spPr>
+      <dsp:style>
+        <a:lnRef idx="2">
+          <a:scrgbClr r="0" g="0" b="0"/>
+        </a:lnRef>
+        <a:fillRef idx="1">
+          <a:scrgbClr r="0" g="0" b="0"/>
+        </a:fillRef>
+        <a:effectRef idx="0">
+          <a:scrgbClr r="0" g="0" b="0"/>
+        </a:effectRef>
+        <a:fontRef idx="minor">
+          <a:schemeClr val="lt1"/>
+        </a:fontRef>
+      </dsp:style>
+      <dsp:txBody>
+        <a:bodyPr spcFirstLastPara="0" vert="horz" wrap="square" lIns="80010" tIns="80010" rIns="80010" bIns="80010" numCol="1" spcCol="1270" anchor="t" anchorCtr="0">
+          <a:noAutofit/>
+        </a:bodyPr>
+        <a:lstStyle/>
+        <a:p>
+          <a:pPr marL="0" lvl="0" indent="0" algn="l" defTabSz="933450">
+            <a:lnSpc>
+              <a:spcPct val="90000"/>
+            </a:lnSpc>
+            <a:spcBef>
+              <a:spcPct val="0"/>
+            </a:spcBef>
+            <a:spcAft>
+              <a:spcPct val="35000"/>
+            </a:spcAft>
+            <a:buNone/>
+          </a:pPr>
+          <a:r>
+            <a:rPr lang="en-US" sz="2100" kern="1200"/>
+            <a:t>Modern apps which are designed for scalability in mind.</a:t>
+          </a:r>
+        </a:p>
+        <a:p>
+          <a:pPr marL="171450" lvl="1" indent="-171450" algn="l" defTabSz="711200">
+            <a:lnSpc>
+              <a:spcPct val="90000"/>
+            </a:lnSpc>
+            <a:spcBef>
+              <a:spcPct val="0"/>
+            </a:spcBef>
+            <a:spcAft>
+              <a:spcPct val="15000"/>
+            </a:spcAft>
+            <a:buChar char="•"/>
+          </a:pPr>
+          <a:r>
+            <a:rPr lang="en-IN" sz="1600" kern="1200"/>
+            <a:t>Packaged as lightweight containers</a:t>
+          </a:r>
+          <a:endParaRPr lang="en-US" sz="1600" kern="1200"/>
+        </a:p>
+        <a:p>
+          <a:pPr marL="171450" lvl="1" indent="-171450" algn="l" defTabSz="711200">
+            <a:lnSpc>
+              <a:spcPct val="90000"/>
+            </a:lnSpc>
+            <a:spcBef>
+              <a:spcPct val="0"/>
+            </a:spcBef>
+            <a:spcAft>
+              <a:spcPct val="15000"/>
+            </a:spcAft>
+            <a:buChar char="•"/>
+          </a:pPr>
+          <a:r>
+            <a:rPr lang="en-IN" sz="1600" kern="1200"/>
+            <a:t>Designed as loosely coupled microservices</a:t>
+          </a:r>
+          <a:endParaRPr lang="en-US" sz="1600" kern="1200"/>
+        </a:p>
+        <a:p>
+          <a:pPr marL="171450" lvl="1" indent="-171450" algn="l" defTabSz="711200">
+            <a:lnSpc>
+              <a:spcPct val="90000"/>
+            </a:lnSpc>
+            <a:spcBef>
+              <a:spcPct val="0"/>
+            </a:spcBef>
+            <a:spcAft>
+              <a:spcPct val="15000"/>
+            </a:spcAft>
+            <a:buChar char="•"/>
+          </a:pPr>
+          <a:r>
+            <a:rPr lang="en-IN" sz="1600" kern="1200"/>
+            <a:t>Centered around APIs for interaction and collaboration</a:t>
+          </a:r>
+          <a:endParaRPr lang="en-US" sz="1600" kern="1200"/>
+        </a:p>
+        <a:p>
+          <a:pPr marL="171450" lvl="1" indent="-171450" algn="l" defTabSz="711200">
+            <a:lnSpc>
+              <a:spcPct val="90000"/>
+            </a:lnSpc>
+            <a:spcBef>
+              <a:spcPct val="0"/>
+            </a:spcBef>
+            <a:spcAft>
+              <a:spcPct val="15000"/>
+            </a:spcAft>
+            <a:buChar char="•"/>
+          </a:pPr>
+          <a:r>
+            <a:rPr lang="en-IN" sz="1600" kern="1200"/>
+            <a:t>Architected with a clean separation of stateless and stateful services</a:t>
+          </a:r>
+          <a:endParaRPr lang="en-US" sz="1600" kern="1200"/>
+        </a:p>
+        <a:p>
+          <a:pPr marL="171450" lvl="1" indent="-171450" algn="l" defTabSz="711200">
+            <a:lnSpc>
+              <a:spcPct val="90000"/>
+            </a:lnSpc>
+            <a:spcBef>
+              <a:spcPct val="0"/>
+            </a:spcBef>
+            <a:spcAft>
+              <a:spcPct val="15000"/>
+            </a:spcAft>
+            <a:buChar char="•"/>
+          </a:pPr>
+          <a:r>
+            <a:rPr lang="en-IN" sz="1600" kern="1200"/>
+            <a:t>Isolated from server and operating system dependencies</a:t>
+          </a:r>
+          <a:endParaRPr lang="en-US" sz="1600" kern="1200"/>
+        </a:p>
+        <a:p>
+          <a:pPr marL="171450" lvl="1" indent="-171450" algn="l" defTabSz="711200">
+            <a:lnSpc>
+              <a:spcPct val="90000"/>
+            </a:lnSpc>
+            <a:spcBef>
+              <a:spcPct val="0"/>
+            </a:spcBef>
+            <a:spcAft>
+              <a:spcPct val="15000"/>
+            </a:spcAft>
+            <a:buChar char="•"/>
+          </a:pPr>
+          <a:r>
+            <a:rPr lang="en-IN" sz="1600" kern="1200"/>
+            <a:t>Deployed on self-service, elastic, cloud infrastructure</a:t>
+          </a:r>
+          <a:endParaRPr lang="en-US" sz="1600" kern="1200"/>
+        </a:p>
+        <a:p>
+          <a:pPr marL="171450" lvl="1" indent="-171450" algn="l" defTabSz="711200">
+            <a:lnSpc>
+              <a:spcPct val="90000"/>
+            </a:lnSpc>
+            <a:spcBef>
+              <a:spcPct val="0"/>
+            </a:spcBef>
+            <a:spcAft>
+              <a:spcPct val="15000"/>
+            </a:spcAft>
+            <a:buChar char="•"/>
+          </a:pPr>
+          <a:r>
+            <a:rPr lang="en-IN" sz="1600" kern="1200"/>
+            <a:t>Managed through agile DevOps processes(CI/CD) </a:t>
+          </a:r>
+          <a:endParaRPr lang="en-US" sz="1600" kern="1200"/>
+        </a:p>
+        <a:p>
+          <a:pPr marL="171450" lvl="1" indent="-171450" algn="l" defTabSz="711200">
+            <a:lnSpc>
+              <a:spcPct val="90000"/>
+            </a:lnSpc>
+            <a:spcBef>
+              <a:spcPct val="0"/>
+            </a:spcBef>
+            <a:spcAft>
+              <a:spcPct val="15000"/>
+            </a:spcAft>
+            <a:buChar char="•"/>
+          </a:pPr>
+          <a:r>
+            <a:rPr lang="en-IN" sz="1600" kern="1200"/>
+            <a:t>Defined, policy-driven resource allocation</a:t>
+          </a:r>
+          <a:endParaRPr lang="en-US" sz="1600" kern="1200"/>
+        </a:p>
+      </dsp:txBody>
+      <dsp:txXfrm>
+        <a:off x="2450782" y="343"/>
+        <a:ext cx="5217795" cy="3130676"/>
+      </dsp:txXfrm>
+    </dsp:sp>
+  </dsp:spTree>
+</dsp:drawing>
+</file>
+
+<file path=ppt/diagrams/drawing2.xml><?xml version="1.0" encoding="utf-8"?>
 <dsp:drawing xmlns:dgm="http://schemas.openxmlformats.org/drawingml/2006/diagram" xmlns:dsp="http://schemas.microsoft.com/office/drawing/2008/diagram" xmlns:a="http://schemas.openxmlformats.org/drawingml/2006/main">
   <dsp:spTree>
     <dsp:nvGrpSpPr>
@@ -1722,7 +4526,798 @@
 </dsp:drawing>
 </file>
 
+<file path=ppt/diagrams/drawing3.xml><?xml version="1.0" encoding="utf-8"?>
+<dsp:drawing xmlns:dgm="http://schemas.openxmlformats.org/drawingml/2006/diagram" xmlns:dsp="http://schemas.microsoft.com/office/drawing/2008/diagram" xmlns:a="http://schemas.openxmlformats.org/drawingml/2006/main">
+  <dsp:spTree>
+    <dsp:nvGrpSpPr>
+      <dsp:cNvPr id="0" name=""/>
+      <dsp:cNvGrpSpPr/>
+    </dsp:nvGrpSpPr>
+    <dsp:grpSpPr/>
+    <dsp:sp modelId="{4A3CE231-DBE2-A54C-BFBF-8C3A87E74B0B}">
+      <dsp:nvSpPr>
+        <dsp:cNvPr id="0" name=""/>
+        <dsp:cNvSpPr/>
+      </dsp:nvSpPr>
+      <dsp:spPr>
+        <a:xfrm>
+          <a:off x="0" y="81402"/>
+          <a:ext cx="10119359" cy="335790"/>
+        </a:xfrm>
+        <a:prstGeom prst="roundRect">
+          <a:avLst/>
+        </a:prstGeom>
+        <a:solidFill>
+          <a:schemeClr val="accent2">
+            <a:hueOff val="0"/>
+            <a:satOff val="0"/>
+            <a:lumOff val="0"/>
+            <a:alphaOff val="0"/>
+          </a:schemeClr>
+        </a:solidFill>
+        <a:ln w="12700" cap="flat" cmpd="sng" algn="ctr">
+          <a:solidFill>
+            <a:schemeClr val="lt1">
+              <a:hueOff val="0"/>
+              <a:satOff val="0"/>
+              <a:lumOff val="0"/>
+              <a:alphaOff val="0"/>
+            </a:schemeClr>
+          </a:solidFill>
+          <a:prstDash val="solid"/>
+          <a:miter lim="800000"/>
+        </a:ln>
+        <a:effectLst/>
+      </dsp:spPr>
+      <dsp:style>
+        <a:lnRef idx="2">
+          <a:scrgbClr r="0" g="0" b="0"/>
+        </a:lnRef>
+        <a:fillRef idx="1">
+          <a:scrgbClr r="0" g="0" b="0"/>
+        </a:fillRef>
+        <a:effectRef idx="0">
+          <a:scrgbClr r="0" g="0" b="0"/>
+        </a:effectRef>
+        <a:fontRef idx="minor">
+          <a:schemeClr val="lt1"/>
+        </a:fontRef>
+      </dsp:style>
+      <dsp:txBody>
+        <a:bodyPr spcFirstLastPara="0" vert="horz" wrap="square" lIns="53340" tIns="53340" rIns="53340" bIns="53340" numCol="1" spcCol="1270" anchor="ctr" anchorCtr="0">
+          <a:noAutofit/>
+        </a:bodyPr>
+        <a:lstStyle/>
+        <a:p>
+          <a:pPr marL="0" lvl="0" indent="0" algn="l" defTabSz="622300">
+            <a:lnSpc>
+              <a:spcPct val="90000"/>
+            </a:lnSpc>
+            <a:spcBef>
+              <a:spcPct val="0"/>
+            </a:spcBef>
+            <a:spcAft>
+              <a:spcPct val="35000"/>
+            </a:spcAft>
+            <a:buNone/>
+          </a:pPr>
+          <a:r>
+            <a:rPr lang="en-US" sz="1400" kern="1200"/>
+            <a:t>1.Code base                                                     9. Disposability </a:t>
+          </a:r>
+        </a:p>
+      </dsp:txBody>
+      <dsp:txXfrm>
+        <a:off x="16392" y="97794"/>
+        <a:ext cx="10086575" cy="303006"/>
+      </dsp:txXfrm>
+    </dsp:sp>
+    <dsp:sp modelId="{7B99776F-9391-6146-AB0B-50E95982A469}">
+      <dsp:nvSpPr>
+        <dsp:cNvPr id="0" name=""/>
+        <dsp:cNvSpPr/>
+      </dsp:nvSpPr>
+      <dsp:spPr>
+        <a:xfrm>
+          <a:off x="0" y="457512"/>
+          <a:ext cx="10119359" cy="335790"/>
+        </a:xfrm>
+        <a:prstGeom prst="roundRect">
+          <a:avLst/>
+        </a:prstGeom>
+        <a:solidFill>
+          <a:schemeClr val="accent2">
+            <a:hueOff val="-207909"/>
+            <a:satOff val="-11990"/>
+            <a:lumOff val="1233"/>
+            <a:alphaOff val="0"/>
+          </a:schemeClr>
+        </a:solidFill>
+        <a:ln w="12700" cap="flat" cmpd="sng" algn="ctr">
+          <a:solidFill>
+            <a:schemeClr val="lt1">
+              <a:hueOff val="0"/>
+              <a:satOff val="0"/>
+              <a:lumOff val="0"/>
+              <a:alphaOff val="0"/>
+            </a:schemeClr>
+          </a:solidFill>
+          <a:prstDash val="solid"/>
+          <a:miter lim="800000"/>
+        </a:ln>
+        <a:effectLst/>
+      </dsp:spPr>
+      <dsp:style>
+        <a:lnRef idx="2">
+          <a:scrgbClr r="0" g="0" b="0"/>
+        </a:lnRef>
+        <a:fillRef idx="1">
+          <a:scrgbClr r="0" g="0" b="0"/>
+        </a:fillRef>
+        <a:effectRef idx="0">
+          <a:scrgbClr r="0" g="0" b="0"/>
+        </a:effectRef>
+        <a:fontRef idx="minor">
+          <a:schemeClr val="lt1"/>
+        </a:fontRef>
+      </dsp:style>
+      <dsp:txBody>
+        <a:bodyPr spcFirstLastPara="0" vert="horz" wrap="square" lIns="53340" tIns="53340" rIns="53340" bIns="53340" numCol="1" spcCol="1270" anchor="ctr" anchorCtr="0">
+          <a:noAutofit/>
+        </a:bodyPr>
+        <a:lstStyle/>
+        <a:p>
+          <a:pPr marL="0" lvl="0" indent="0" algn="l" defTabSz="622300">
+            <a:lnSpc>
+              <a:spcPct val="90000"/>
+            </a:lnSpc>
+            <a:spcBef>
+              <a:spcPct val="0"/>
+            </a:spcBef>
+            <a:spcAft>
+              <a:spcPct val="35000"/>
+            </a:spcAft>
+            <a:buNone/>
+          </a:pPr>
+          <a:r>
+            <a:rPr lang="en-US" sz="1400" kern="1200" dirty="0"/>
+            <a:t>2.Dependencies                                             10. Development/Production Parity </a:t>
+          </a:r>
+        </a:p>
+      </dsp:txBody>
+      <dsp:txXfrm>
+        <a:off x="16392" y="473904"/>
+        <a:ext cx="10086575" cy="303006"/>
+      </dsp:txXfrm>
+    </dsp:sp>
+    <dsp:sp modelId="{0EF7C45D-2AD9-DC49-A3EA-090C112E0842}">
+      <dsp:nvSpPr>
+        <dsp:cNvPr id="0" name=""/>
+        <dsp:cNvSpPr/>
+      </dsp:nvSpPr>
+      <dsp:spPr>
+        <a:xfrm>
+          <a:off x="0" y="833622"/>
+          <a:ext cx="10119359" cy="335790"/>
+        </a:xfrm>
+        <a:prstGeom prst="roundRect">
+          <a:avLst/>
+        </a:prstGeom>
+        <a:solidFill>
+          <a:schemeClr val="accent2">
+            <a:hueOff val="-415818"/>
+            <a:satOff val="-23979"/>
+            <a:lumOff val="2465"/>
+            <a:alphaOff val="0"/>
+          </a:schemeClr>
+        </a:solidFill>
+        <a:ln w="12700" cap="flat" cmpd="sng" algn="ctr">
+          <a:solidFill>
+            <a:schemeClr val="lt1">
+              <a:hueOff val="0"/>
+              <a:satOff val="0"/>
+              <a:lumOff val="0"/>
+              <a:alphaOff val="0"/>
+            </a:schemeClr>
+          </a:solidFill>
+          <a:prstDash val="solid"/>
+          <a:miter lim="800000"/>
+        </a:ln>
+        <a:effectLst/>
+      </dsp:spPr>
+      <dsp:style>
+        <a:lnRef idx="2">
+          <a:scrgbClr r="0" g="0" b="0"/>
+        </a:lnRef>
+        <a:fillRef idx="1">
+          <a:scrgbClr r="0" g="0" b="0"/>
+        </a:fillRef>
+        <a:effectRef idx="0">
+          <a:scrgbClr r="0" g="0" b="0"/>
+        </a:effectRef>
+        <a:fontRef idx="minor">
+          <a:schemeClr val="lt1"/>
+        </a:fontRef>
+      </dsp:style>
+      <dsp:txBody>
+        <a:bodyPr spcFirstLastPara="0" vert="horz" wrap="square" lIns="53340" tIns="53340" rIns="53340" bIns="53340" numCol="1" spcCol="1270" anchor="ctr" anchorCtr="0">
+          <a:noAutofit/>
+        </a:bodyPr>
+        <a:lstStyle/>
+        <a:p>
+          <a:pPr marL="0" lvl="0" indent="0" algn="l" defTabSz="622300">
+            <a:lnSpc>
+              <a:spcPct val="90000"/>
+            </a:lnSpc>
+            <a:spcBef>
+              <a:spcPct val="0"/>
+            </a:spcBef>
+            <a:spcAft>
+              <a:spcPct val="35000"/>
+            </a:spcAft>
+            <a:buNone/>
+          </a:pPr>
+          <a:r>
+            <a:rPr lang="en-US" sz="1400" kern="1200" dirty="0"/>
+            <a:t>3.Config                                                           11. Logs</a:t>
+          </a:r>
+        </a:p>
+      </dsp:txBody>
+      <dsp:txXfrm>
+        <a:off x="16392" y="850014"/>
+        <a:ext cx="10086575" cy="303006"/>
+      </dsp:txXfrm>
+    </dsp:sp>
+    <dsp:sp modelId="{F4B60AEB-62C0-1341-A15F-A407A02DA33F}">
+      <dsp:nvSpPr>
+        <dsp:cNvPr id="0" name=""/>
+        <dsp:cNvSpPr/>
+      </dsp:nvSpPr>
+      <dsp:spPr>
+        <a:xfrm>
+          <a:off x="0" y="1209732"/>
+          <a:ext cx="10119359" cy="335790"/>
+        </a:xfrm>
+        <a:prstGeom prst="roundRect">
+          <a:avLst/>
+        </a:prstGeom>
+        <a:solidFill>
+          <a:schemeClr val="accent2">
+            <a:hueOff val="-623727"/>
+            <a:satOff val="-35969"/>
+            <a:lumOff val="3698"/>
+            <a:alphaOff val="0"/>
+          </a:schemeClr>
+        </a:solidFill>
+        <a:ln w="12700" cap="flat" cmpd="sng" algn="ctr">
+          <a:solidFill>
+            <a:schemeClr val="lt1">
+              <a:hueOff val="0"/>
+              <a:satOff val="0"/>
+              <a:lumOff val="0"/>
+              <a:alphaOff val="0"/>
+            </a:schemeClr>
+          </a:solidFill>
+          <a:prstDash val="solid"/>
+          <a:miter lim="800000"/>
+        </a:ln>
+        <a:effectLst/>
+      </dsp:spPr>
+      <dsp:style>
+        <a:lnRef idx="2">
+          <a:scrgbClr r="0" g="0" b="0"/>
+        </a:lnRef>
+        <a:fillRef idx="1">
+          <a:scrgbClr r="0" g="0" b="0"/>
+        </a:fillRef>
+        <a:effectRef idx="0">
+          <a:scrgbClr r="0" g="0" b="0"/>
+        </a:effectRef>
+        <a:fontRef idx="minor">
+          <a:schemeClr val="lt1"/>
+        </a:fontRef>
+      </dsp:style>
+      <dsp:txBody>
+        <a:bodyPr spcFirstLastPara="0" vert="horz" wrap="square" lIns="53340" tIns="53340" rIns="53340" bIns="53340" numCol="1" spcCol="1270" anchor="ctr" anchorCtr="0">
+          <a:noAutofit/>
+        </a:bodyPr>
+        <a:lstStyle/>
+        <a:p>
+          <a:pPr marL="0" lvl="0" indent="0" algn="l" defTabSz="622300">
+            <a:lnSpc>
+              <a:spcPct val="90000"/>
+            </a:lnSpc>
+            <a:spcBef>
+              <a:spcPct val="0"/>
+            </a:spcBef>
+            <a:spcAft>
+              <a:spcPct val="35000"/>
+            </a:spcAft>
+            <a:buNone/>
+          </a:pPr>
+          <a:r>
+            <a:rPr lang="en-US" sz="1400" kern="1200" dirty="0"/>
+            <a:t>4.Backing </a:t>
+          </a:r>
+          <a:r>
+            <a:rPr lang="en-US" sz="1400" kern="1200"/>
+            <a:t>services                                         12. </a:t>
+          </a:r>
+          <a:r>
+            <a:rPr lang="en-US" sz="1400" kern="1200" dirty="0"/>
+            <a:t>Admin Processes</a:t>
+          </a:r>
+        </a:p>
+      </dsp:txBody>
+      <dsp:txXfrm>
+        <a:off x="16392" y="1226124"/>
+        <a:ext cx="10086575" cy="303006"/>
+      </dsp:txXfrm>
+    </dsp:sp>
+    <dsp:sp modelId="{449C5763-0C4D-F047-9B6E-4ED9A2F0E714}">
+      <dsp:nvSpPr>
+        <dsp:cNvPr id="0" name=""/>
+        <dsp:cNvSpPr/>
+      </dsp:nvSpPr>
+      <dsp:spPr>
+        <a:xfrm>
+          <a:off x="0" y="1585842"/>
+          <a:ext cx="10119359" cy="335790"/>
+        </a:xfrm>
+        <a:prstGeom prst="roundRect">
+          <a:avLst/>
+        </a:prstGeom>
+        <a:solidFill>
+          <a:schemeClr val="accent2">
+            <a:hueOff val="-831636"/>
+            <a:satOff val="-47959"/>
+            <a:lumOff val="4930"/>
+            <a:alphaOff val="0"/>
+          </a:schemeClr>
+        </a:solidFill>
+        <a:ln w="12700" cap="flat" cmpd="sng" algn="ctr">
+          <a:solidFill>
+            <a:schemeClr val="lt1">
+              <a:hueOff val="0"/>
+              <a:satOff val="0"/>
+              <a:lumOff val="0"/>
+              <a:alphaOff val="0"/>
+            </a:schemeClr>
+          </a:solidFill>
+          <a:prstDash val="solid"/>
+          <a:miter lim="800000"/>
+        </a:ln>
+        <a:effectLst/>
+      </dsp:spPr>
+      <dsp:style>
+        <a:lnRef idx="2">
+          <a:scrgbClr r="0" g="0" b="0"/>
+        </a:lnRef>
+        <a:fillRef idx="1">
+          <a:scrgbClr r="0" g="0" b="0"/>
+        </a:fillRef>
+        <a:effectRef idx="0">
+          <a:scrgbClr r="0" g="0" b="0"/>
+        </a:effectRef>
+        <a:fontRef idx="minor">
+          <a:schemeClr val="lt1"/>
+        </a:fontRef>
+      </dsp:style>
+      <dsp:txBody>
+        <a:bodyPr spcFirstLastPara="0" vert="horz" wrap="square" lIns="53340" tIns="53340" rIns="53340" bIns="53340" numCol="1" spcCol="1270" anchor="ctr" anchorCtr="0">
+          <a:noAutofit/>
+        </a:bodyPr>
+        <a:lstStyle/>
+        <a:p>
+          <a:pPr marL="0" lvl="0" indent="0" algn="l" defTabSz="622300">
+            <a:lnSpc>
+              <a:spcPct val="90000"/>
+            </a:lnSpc>
+            <a:spcBef>
+              <a:spcPct val="0"/>
+            </a:spcBef>
+            <a:spcAft>
+              <a:spcPct val="35000"/>
+            </a:spcAft>
+            <a:buNone/>
+          </a:pPr>
+          <a:r>
+            <a:rPr lang="en-US" sz="1400" kern="1200" dirty="0"/>
+            <a:t>5.Build, release, run</a:t>
+          </a:r>
+        </a:p>
+      </dsp:txBody>
+      <dsp:txXfrm>
+        <a:off x="16392" y="1602234"/>
+        <a:ext cx="10086575" cy="303006"/>
+      </dsp:txXfrm>
+    </dsp:sp>
+    <dsp:sp modelId="{688797AD-4425-B744-89B2-92624A91F7B9}">
+      <dsp:nvSpPr>
+        <dsp:cNvPr id="0" name=""/>
+        <dsp:cNvSpPr/>
+      </dsp:nvSpPr>
+      <dsp:spPr>
+        <a:xfrm>
+          <a:off x="0" y="1961952"/>
+          <a:ext cx="10119359" cy="335790"/>
+        </a:xfrm>
+        <a:prstGeom prst="roundRect">
+          <a:avLst/>
+        </a:prstGeom>
+        <a:solidFill>
+          <a:schemeClr val="accent2">
+            <a:hueOff val="-1039545"/>
+            <a:satOff val="-59949"/>
+            <a:lumOff val="6163"/>
+            <a:alphaOff val="0"/>
+          </a:schemeClr>
+        </a:solidFill>
+        <a:ln w="12700" cap="flat" cmpd="sng" algn="ctr">
+          <a:solidFill>
+            <a:schemeClr val="lt1">
+              <a:hueOff val="0"/>
+              <a:satOff val="0"/>
+              <a:lumOff val="0"/>
+              <a:alphaOff val="0"/>
+            </a:schemeClr>
+          </a:solidFill>
+          <a:prstDash val="solid"/>
+          <a:miter lim="800000"/>
+        </a:ln>
+        <a:effectLst/>
+      </dsp:spPr>
+      <dsp:style>
+        <a:lnRef idx="2">
+          <a:scrgbClr r="0" g="0" b="0"/>
+        </a:lnRef>
+        <a:fillRef idx="1">
+          <a:scrgbClr r="0" g="0" b="0"/>
+        </a:fillRef>
+        <a:effectRef idx="0">
+          <a:scrgbClr r="0" g="0" b="0"/>
+        </a:effectRef>
+        <a:fontRef idx="minor">
+          <a:schemeClr val="lt1"/>
+        </a:fontRef>
+      </dsp:style>
+      <dsp:txBody>
+        <a:bodyPr spcFirstLastPara="0" vert="horz" wrap="square" lIns="53340" tIns="53340" rIns="53340" bIns="53340" numCol="1" spcCol="1270" anchor="ctr" anchorCtr="0">
+          <a:noAutofit/>
+        </a:bodyPr>
+        <a:lstStyle/>
+        <a:p>
+          <a:pPr marL="0" lvl="0" indent="0" algn="l" defTabSz="622300">
+            <a:lnSpc>
+              <a:spcPct val="90000"/>
+            </a:lnSpc>
+            <a:spcBef>
+              <a:spcPct val="0"/>
+            </a:spcBef>
+            <a:spcAft>
+              <a:spcPct val="35000"/>
+            </a:spcAft>
+            <a:buNone/>
+          </a:pPr>
+          <a:r>
+            <a:rPr lang="en-US" sz="1400" kern="1200"/>
+            <a:t>6.Processes</a:t>
+          </a:r>
+        </a:p>
+      </dsp:txBody>
+      <dsp:txXfrm>
+        <a:off x="16392" y="1978344"/>
+        <a:ext cx="10086575" cy="303006"/>
+      </dsp:txXfrm>
+    </dsp:sp>
+    <dsp:sp modelId="{B161685B-1FA8-A14C-97BC-2F558F1093C4}">
+      <dsp:nvSpPr>
+        <dsp:cNvPr id="0" name=""/>
+        <dsp:cNvSpPr/>
+      </dsp:nvSpPr>
+      <dsp:spPr>
+        <a:xfrm>
+          <a:off x="0" y="2338062"/>
+          <a:ext cx="10119359" cy="335790"/>
+        </a:xfrm>
+        <a:prstGeom prst="roundRect">
+          <a:avLst/>
+        </a:prstGeom>
+        <a:solidFill>
+          <a:schemeClr val="accent2">
+            <a:hueOff val="-1247454"/>
+            <a:satOff val="-71938"/>
+            <a:lumOff val="7395"/>
+            <a:alphaOff val="0"/>
+          </a:schemeClr>
+        </a:solidFill>
+        <a:ln w="12700" cap="flat" cmpd="sng" algn="ctr">
+          <a:solidFill>
+            <a:schemeClr val="lt1">
+              <a:hueOff val="0"/>
+              <a:satOff val="0"/>
+              <a:lumOff val="0"/>
+              <a:alphaOff val="0"/>
+            </a:schemeClr>
+          </a:solidFill>
+          <a:prstDash val="solid"/>
+          <a:miter lim="800000"/>
+        </a:ln>
+        <a:effectLst/>
+      </dsp:spPr>
+      <dsp:style>
+        <a:lnRef idx="2">
+          <a:scrgbClr r="0" g="0" b="0"/>
+        </a:lnRef>
+        <a:fillRef idx="1">
+          <a:scrgbClr r="0" g="0" b="0"/>
+        </a:fillRef>
+        <a:effectRef idx="0">
+          <a:scrgbClr r="0" g="0" b="0"/>
+        </a:effectRef>
+        <a:fontRef idx="minor">
+          <a:schemeClr val="lt1"/>
+        </a:fontRef>
+      </dsp:style>
+      <dsp:txBody>
+        <a:bodyPr spcFirstLastPara="0" vert="horz" wrap="square" lIns="53340" tIns="53340" rIns="53340" bIns="53340" numCol="1" spcCol="1270" anchor="ctr" anchorCtr="0">
+          <a:noAutofit/>
+        </a:bodyPr>
+        <a:lstStyle/>
+        <a:p>
+          <a:pPr marL="0" lvl="0" indent="0" algn="l" defTabSz="622300">
+            <a:lnSpc>
+              <a:spcPct val="90000"/>
+            </a:lnSpc>
+            <a:spcBef>
+              <a:spcPct val="0"/>
+            </a:spcBef>
+            <a:spcAft>
+              <a:spcPct val="35000"/>
+            </a:spcAft>
+            <a:buNone/>
+          </a:pPr>
+          <a:r>
+            <a:rPr lang="en-US" sz="1400" kern="1200"/>
+            <a:t>7. Port binding</a:t>
+          </a:r>
+        </a:p>
+      </dsp:txBody>
+      <dsp:txXfrm>
+        <a:off x="16392" y="2354454"/>
+        <a:ext cx="10086575" cy="303006"/>
+      </dsp:txXfrm>
+    </dsp:sp>
+    <dsp:sp modelId="{8B87BBAE-FF02-744C-AA1F-BCA9CA51B128}">
+      <dsp:nvSpPr>
+        <dsp:cNvPr id="0" name=""/>
+        <dsp:cNvSpPr/>
+      </dsp:nvSpPr>
+      <dsp:spPr>
+        <a:xfrm>
+          <a:off x="0" y="2714171"/>
+          <a:ext cx="10119359" cy="335790"/>
+        </a:xfrm>
+        <a:prstGeom prst="roundRect">
+          <a:avLst/>
+        </a:prstGeom>
+        <a:solidFill>
+          <a:schemeClr val="accent2">
+            <a:hueOff val="-1455363"/>
+            <a:satOff val="-83928"/>
+            <a:lumOff val="8628"/>
+            <a:alphaOff val="0"/>
+          </a:schemeClr>
+        </a:solidFill>
+        <a:ln w="12700" cap="flat" cmpd="sng" algn="ctr">
+          <a:solidFill>
+            <a:schemeClr val="lt1">
+              <a:hueOff val="0"/>
+              <a:satOff val="0"/>
+              <a:lumOff val="0"/>
+              <a:alphaOff val="0"/>
+            </a:schemeClr>
+          </a:solidFill>
+          <a:prstDash val="solid"/>
+          <a:miter lim="800000"/>
+        </a:ln>
+        <a:effectLst/>
+      </dsp:spPr>
+      <dsp:style>
+        <a:lnRef idx="2">
+          <a:scrgbClr r="0" g="0" b="0"/>
+        </a:lnRef>
+        <a:fillRef idx="1">
+          <a:scrgbClr r="0" g="0" b="0"/>
+        </a:fillRef>
+        <a:effectRef idx="0">
+          <a:scrgbClr r="0" g="0" b="0"/>
+        </a:effectRef>
+        <a:fontRef idx="minor">
+          <a:schemeClr val="lt1"/>
+        </a:fontRef>
+      </dsp:style>
+      <dsp:txBody>
+        <a:bodyPr spcFirstLastPara="0" vert="horz" wrap="square" lIns="53340" tIns="53340" rIns="53340" bIns="53340" numCol="1" spcCol="1270" anchor="ctr" anchorCtr="0">
+          <a:noAutofit/>
+        </a:bodyPr>
+        <a:lstStyle/>
+        <a:p>
+          <a:pPr marL="0" lvl="0" indent="0" algn="l" defTabSz="622300">
+            <a:lnSpc>
+              <a:spcPct val="90000"/>
+            </a:lnSpc>
+            <a:spcBef>
+              <a:spcPct val="0"/>
+            </a:spcBef>
+            <a:spcAft>
+              <a:spcPct val="35000"/>
+            </a:spcAft>
+            <a:buNone/>
+          </a:pPr>
+          <a:r>
+            <a:rPr lang="en-US" sz="1400" kern="1200"/>
+            <a:t>8. Concurrency</a:t>
+          </a:r>
+        </a:p>
+      </dsp:txBody>
+      <dsp:txXfrm>
+        <a:off x="16392" y="2730563"/>
+        <a:ext cx="10086575" cy="303006"/>
+      </dsp:txXfrm>
+    </dsp:sp>
+  </dsp:spTree>
+</dsp:drawing>
+</file>
+
 <file path=ppt/diagrams/layout1.xml><?xml version="1.0" encoding="utf-8"?>
+<dgm:layoutDef xmlns:dgm="http://schemas.openxmlformats.org/drawingml/2006/diagram" xmlns:a="http://schemas.openxmlformats.org/drawingml/2006/main" uniqueId="urn:microsoft.com/office/officeart/2005/8/layout/default">
+  <dgm:title val=""/>
+  <dgm:desc val=""/>
+  <dgm:catLst>
+    <dgm:cat type="list" pri="400"/>
+  </dgm:catLst>
+  <dgm:sampData>
+    <dgm:dataModel>
+      <dgm:ptLst>
+        <dgm:pt modelId="0" type="doc"/>
+        <dgm:pt modelId="1">
+          <dgm:prSet phldr="1"/>
+        </dgm:pt>
+        <dgm:pt modelId="2">
+          <dgm:prSet phldr="1"/>
+        </dgm:pt>
+        <dgm:pt modelId="3">
+          <dgm:prSet phldr="1"/>
+        </dgm:pt>
+        <dgm:pt modelId="4">
+          <dgm:prSet phldr="1"/>
+        </dgm:pt>
+        <dgm:pt modelId="5">
+          <dgm:prSet phldr="1"/>
+        </dgm:pt>
+      </dgm:ptLst>
+      <dgm:cxnLst>
+        <dgm:cxn modelId="6" srcId="0" destId="1" srcOrd="0" destOrd="0"/>
+        <dgm:cxn modelId="7" srcId="0" destId="2" srcOrd="1" destOrd="0"/>
+        <dgm:cxn modelId="8" srcId="0" destId="3" srcOrd="2" destOrd="0"/>
+        <dgm:cxn modelId="9" srcId="0" destId="4" srcOrd="3" destOrd="0"/>
+        <dgm:cxn modelId="10" srcId="0" destId="5" srcOrd="4" destOrd="0"/>
+      </dgm:cxnLst>
+      <dgm:bg/>
+      <dgm:whole/>
+    </dgm:dataModel>
+  </dgm:sampData>
+  <dgm:styleData>
+    <dgm:dataModel>
+      <dgm:ptLst>
+        <dgm:pt modelId="0" type="doc"/>
+        <dgm:pt modelId="1"/>
+        <dgm:pt modelId="2"/>
+      </dgm:ptLst>
+      <dgm:cxnLst>
+        <dgm:cxn modelId="3" srcId="0" destId="1" srcOrd="0" destOrd="0"/>
+        <dgm:cxn modelId="4" srcId="0" destId="2" srcOrd="1" destOrd="0"/>
+      </dgm:cxnLst>
+      <dgm:bg/>
+      <dgm:whole/>
+    </dgm:dataModel>
+  </dgm:styleData>
+  <dgm:clrData>
+    <dgm:dataModel>
+      <dgm:ptLst>
+        <dgm:pt modelId="0" type="doc"/>
+        <dgm:pt modelId="1"/>
+        <dgm:pt modelId="2"/>
+        <dgm:pt modelId="3"/>
+        <dgm:pt modelId="4"/>
+        <dgm:pt modelId="5"/>
+        <dgm:pt modelId="6"/>
+      </dgm:ptLst>
+      <dgm:cxnLst>
+        <dgm:cxn modelId="7" srcId="0" destId="1" srcOrd="0" destOrd="0"/>
+        <dgm:cxn modelId="8" srcId="0" destId="2" srcOrd="1" destOrd="0"/>
+        <dgm:cxn modelId="9" srcId="0" destId="3" srcOrd="2" destOrd="0"/>
+        <dgm:cxn modelId="10" srcId="0" destId="4" srcOrd="3" destOrd="0"/>
+        <dgm:cxn modelId="11" srcId="0" destId="5" srcOrd="4" destOrd="0"/>
+        <dgm:cxn modelId="12" srcId="0" destId="6" srcOrd="5" destOrd="0"/>
+      </dgm:cxnLst>
+      <dgm:bg/>
+      <dgm:whole/>
+    </dgm:dataModel>
+  </dgm:clrData>
+  <dgm:layoutNode name="diagram">
+    <dgm:varLst>
+      <dgm:dir/>
+      <dgm:resizeHandles val="exact"/>
+    </dgm:varLst>
+    <dgm:choose name="Name0">
+      <dgm:if name="Name1" func="var" arg="dir" op="equ" val="norm">
+        <dgm:alg type="snake">
+          <dgm:param type="grDir" val="tL"/>
+          <dgm:param type="flowDir" val="row"/>
+          <dgm:param type="contDir" val="sameDir"/>
+          <dgm:param type="off" val="ctr"/>
+        </dgm:alg>
+      </dgm:if>
+      <dgm:else name="Name2">
+        <dgm:alg type="snake">
+          <dgm:param type="grDir" val="tR"/>
+          <dgm:param type="flowDir" val="row"/>
+          <dgm:param type="contDir" val="sameDir"/>
+          <dgm:param type="off" val="ctr"/>
+        </dgm:alg>
+      </dgm:else>
+    </dgm:choose>
+    <dgm:shape xmlns:r="http://schemas.openxmlformats.org/officeDocument/2006/relationships" r:blip="">
+      <dgm:adjLst/>
+    </dgm:shape>
+    <dgm:presOf/>
+    <dgm:constrLst>
+      <dgm:constr type="w" for="ch" forName="node" refType="w"/>
+      <dgm:constr type="h" for="ch" forName="node" refType="w" refFor="ch" refForName="node" fact="0.6"/>
+      <dgm:constr type="w" for="ch" forName="sibTrans" refType="w" refFor="ch" refForName="node" fact="0.1"/>
+      <dgm:constr type="sp" refType="w" refFor="ch" refForName="sibTrans"/>
+      <dgm:constr type="primFontSz" for="ch" forName="node" op="equ" val="65"/>
+    </dgm:constrLst>
+    <dgm:ruleLst/>
+    <dgm:forEach name="Name3" axis="ch" ptType="node">
+      <dgm:layoutNode name="node">
+        <dgm:varLst>
+          <dgm:bulletEnabled val="1"/>
+        </dgm:varLst>
+        <dgm:alg type="tx"/>
+        <dgm:shape xmlns:r="http://schemas.openxmlformats.org/officeDocument/2006/relationships" type="rect" r:blip="">
+          <dgm:adjLst/>
+        </dgm:shape>
+        <dgm:presOf axis="desOrSelf" ptType="node"/>
+        <dgm:constrLst>
+          <dgm:constr type="lMarg" refType="primFontSz" fact="0.3"/>
+          <dgm:constr type="rMarg" refType="primFontSz" fact="0.3"/>
+          <dgm:constr type="tMarg" refType="primFontSz" fact="0.3"/>
+          <dgm:constr type="bMarg" refType="primFontSz" fact="0.3"/>
+        </dgm:constrLst>
+        <dgm:ruleLst>
+          <dgm:rule type="primFontSz" val="5" fact="NaN" max="NaN"/>
+        </dgm:ruleLst>
+      </dgm:layoutNode>
+      <dgm:forEach name="Name4" axis="followSib" ptType="sibTrans" cnt="1">
+        <dgm:layoutNode name="sibTrans">
+          <dgm:alg type="sp"/>
+          <dgm:shape xmlns:r="http://schemas.openxmlformats.org/officeDocument/2006/relationships" r:blip="">
+            <dgm:adjLst/>
+          </dgm:shape>
+          <dgm:presOf/>
+          <dgm:constrLst/>
+          <dgm:ruleLst/>
+        </dgm:layoutNode>
+      </dgm:forEach>
+    </dgm:forEach>
+  </dgm:layoutNode>
+</dgm:layoutDef>
+</file>
+
+<file path=ppt/diagrams/layout2.xml><?xml version="1.0" encoding="utf-8"?>
 <dgm:layoutDef xmlns:dgm="http://schemas.openxmlformats.org/drawingml/2006/diagram" xmlns:a="http://schemas.openxmlformats.org/drawingml/2006/main" uniqueId="urn:microsoft.com/office/officeart/2005/8/layout/target1">
   <dgm:title val=""/>
   <dgm:desc val=""/>
@@ -2837,7 +6432,2242 @@
 </dgm:layoutDef>
 </file>
 
+<file path=ppt/diagrams/layout3.xml><?xml version="1.0" encoding="utf-8"?>
+<dgm:layoutDef xmlns:dgm="http://schemas.openxmlformats.org/drawingml/2006/diagram" xmlns:a="http://schemas.openxmlformats.org/drawingml/2006/main" uniqueId="urn:microsoft.com/office/officeart/2005/8/layout/vList2">
+  <dgm:title val=""/>
+  <dgm:desc val=""/>
+  <dgm:catLst>
+    <dgm:cat type="list" pri="3000"/>
+    <dgm:cat type="convert" pri="1000"/>
+  </dgm:catLst>
+  <dgm:sampData>
+    <dgm:dataModel>
+      <dgm:ptLst>
+        <dgm:pt modelId="0" type="doc"/>
+        <dgm:pt modelId="1">
+          <dgm:prSet phldr="1"/>
+        </dgm:pt>
+        <dgm:pt modelId="11">
+          <dgm:prSet phldr="1"/>
+        </dgm:pt>
+        <dgm:pt modelId="2">
+          <dgm:prSet phldr="1"/>
+        </dgm:pt>
+        <dgm:pt modelId="21">
+          <dgm:prSet phldr="1"/>
+        </dgm:pt>
+      </dgm:ptLst>
+      <dgm:cxnLst>
+        <dgm:cxn modelId="4" srcId="0" destId="1" srcOrd="0" destOrd="0"/>
+        <dgm:cxn modelId="5" srcId="0" destId="2" srcOrd="1" destOrd="0"/>
+        <dgm:cxn modelId="12" srcId="1" destId="11" srcOrd="0" destOrd="0"/>
+        <dgm:cxn modelId="23" srcId="2" destId="21" srcOrd="0" destOrd="0"/>
+      </dgm:cxnLst>
+      <dgm:bg/>
+      <dgm:whole/>
+    </dgm:dataModel>
+  </dgm:sampData>
+  <dgm:styleData>
+    <dgm:dataModel>
+      <dgm:ptLst>
+        <dgm:pt modelId="0" type="doc"/>
+        <dgm:pt modelId="1"/>
+        <dgm:pt modelId="2"/>
+      </dgm:ptLst>
+      <dgm:cxnLst>
+        <dgm:cxn modelId="3" srcId="0" destId="1" srcOrd="0" destOrd="0"/>
+        <dgm:cxn modelId="4" srcId="0" destId="2" srcOrd="1" destOrd="0"/>
+      </dgm:cxnLst>
+      <dgm:bg/>
+      <dgm:whole/>
+    </dgm:dataModel>
+  </dgm:styleData>
+  <dgm:clrData>
+    <dgm:dataModel>
+      <dgm:ptLst>
+        <dgm:pt modelId="0" type="doc"/>
+        <dgm:pt modelId="1"/>
+        <dgm:pt modelId="2"/>
+        <dgm:pt modelId="3"/>
+        <dgm:pt modelId="4"/>
+      </dgm:ptLst>
+      <dgm:cxnLst>
+        <dgm:cxn modelId="5" srcId="0" destId="1" srcOrd="0" destOrd="0"/>
+        <dgm:cxn modelId="6" srcId="0" destId="2" srcOrd="1" destOrd="0"/>
+        <dgm:cxn modelId="7" srcId="0" destId="3" srcOrd="2" destOrd="0"/>
+        <dgm:cxn modelId="8" srcId="0" destId="4" srcOrd="3" destOrd="0"/>
+      </dgm:cxnLst>
+      <dgm:bg/>
+      <dgm:whole/>
+    </dgm:dataModel>
+  </dgm:clrData>
+  <dgm:layoutNode name="linear">
+    <dgm:varLst>
+      <dgm:animLvl val="lvl"/>
+      <dgm:resizeHandles val="exact"/>
+    </dgm:varLst>
+    <dgm:alg type="lin">
+      <dgm:param type="linDir" val="fromT"/>
+      <dgm:param type="vertAlign" val="mid"/>
+    </dgm:alg>
+    <dgm:shape xmlns:r="http://schemas.openxmlformats.org/officeDocument/2006/relationships" r:blip="">
+      <dgm:adjLst/>
+    </dgm:shape>
+    <dgm:presOf/>
+    <dgm:constrLst>
+      <dgm:constr type="w" for="ch" forName="parentText" refType="w"/>
+      <dgm:constr type="h" for="ch" forName="parentText" refType="primFontSz" refFor="ch" refForName="parentText" fact="0.52"/>
+      <dgm:constr type="w" for="ch" forName="childText" refType="w"/>
+      <dgm:constr type="h" for="ch" forName="childText" refType="primFontSz" refFor="ch" refForName="parentText" fact="0.46"/>
+      <dgm:constr type="h" for="ch" forName="parentText" op="equ"/>
+      <dgm:constr type="primFontSz" for="ch" forName="parentText" op="equ" val="65"/>
+      <dgm:constr type="primFontSz" for="ch" forName="childText" refType="primFontSz" refFor="ch" refForName="parentText" op="equ"/>
+      <dgm:constr type="h" for="ch" forName="spacer" refType="primFontSz" refFor="ch" refForName="parentText" fact="0.08"/>
+    </dgm:constrLst>
+    <dgm:ruleLst>
+      <dgm:rule type="primFontSz" for="ch" forName="parentText" val="5" fact="NaN" max="NaN"/>
+    </dgm:ruleLst>
+    <dgm:forEach name="Name0" axis="ch" ptType="node">
+      <dgm:layoutNode name="parentText" styleLbl="node1">
+        <dgm:varLst>
+          <dgm:chMax val="0"/>
+          <dgm:bulletEnabled val="1"/>
+        </dgm:varLst>
+        <dgm:alg type="tx">
+          <dgm:param type="parTxLTRAlign" val="l"/>
+          <dgm:param type="parTxRTLAlign" val="r"/>
+        </dgm:alg>
+        <dgm:shape xmlns:r="http://schemas.openxmlformats.org/officeDocument/2006/relationships" type="roundRect" r:blip="">
+          <dgm:adjLst/>
+        </dgm:shape>
+        <dgm:presOf axis="self"/>
+        <dgm:constrLst>
+          <dgm:constr type="tMarg" refType="primFontSz" fact="0.3"/>
+          <dgm:constr type="bMarg" refType="primFontSz" fact="0.3"/>
+          <dgm:constr type="lMarg" refType="primFontSz" fact="0.3"/>
+          <dgm:constr type="rMarg" refType="primFontSz" fact="0.3"/>
+        </dgm:constrLst>
+        <dgm:ruleLst>
+          <dgm:rule type="h" val="INF" fact="NaN" max="NaN"/>
+        </dgm:ruleLst>
+      </dgm:layoutNode>
+      <dgm:choose name="Name1">
+        <dgm:if name="Name2" axis="ch" ptType="node" func="cnt" op="gte" val="1">
+          <dgm:layoutNode name="childText" styleLbl="revTx">
+            <dgm:varLst>
+              <dgm:bulletEnabled val="1"/>
+            </dgm:varLst>
+            <dgm:alg type="tx">
+              <dgm:param type="stBulletLvl" val="1"/>
+              <dgm:param type="lnSpAfChP" val="20"/>
+            </dgm:alg>
+            <dgm:shape xmlns:r="http://schemas.openxmlformats.org/officeDocument/2006/relationships" type="rect" r:blip="">
+              <dgm:adjLst/>
+            </dgm:shape>
+            <dgm:presOf axis="des" ptType="node"/>
+            <dgm:constrLst>
+              <dgm:constr type="tMarg" refType="primFontSz" fact="0.1"/>
+              <dgm:constr type="bMarg" refType="primFontSz" fact="0.1"/>
+              <dgm:constr type="lMarg" refType="w" fact="0.09"/>
+            </dgm:constrLst>
+            <dgm:ruleLst>
+              <dgm:rule type="h" val="INF" fact="NaN" max="NaN"/>
+            </dgm:ruleLst>
+          </dgm:layoutNode>
+        </dgm:if>
+        <dgm:else name="Name3">
+          <dgm:choose name="Name4">
+            <dgm:if name="Name5" axis="par ch" ptType="doc node" func="cnt" op="gte" val="2">
+              <dgm:forEach name="Name6" axis="followSib" ptType="sibTrans" cnt="1">
+                <dgm:layoutNode name="spacer">
+                  <dgm:alg type="sp"/>
+                  <dgm:shape xmlns:r="http://schemas.openxmlformats.org/officeDocument/2006/relationships" r:blip="">
+                    <dgm:adjLst/>
+                  </dgm:shape>
+                  <dgm:presOf/>
+                  <dgm:constrLst/>
+                  <dgm:ruleLst/>
+                </dgm:layoutNode>
+              </dgm:forEach>
+            </dgm:if>
+            <dgm:else name="Name7"/>
+          </dgm:choose>
+        </dgm:else>
+      </dgm:choose>
+    </dgm:forEach>
+  </dgm:layoutNode>
+</dgm:layoutDef>
+</file>
+
 <file path=ppt/diagrams/quickStyle1.xml><?xml version="1.0" encoding="utf-8"?>
+<dgm:styleDef xmlns:dgm="http://schemas.openxmlformats.org/drawingml/2006/diagram" xmlns:a="http://schemas.openxmlformats.org/drawingml/2006/main" uniqueId="urn:microsoft.com/office/officeart/2005/8/quickstyle/simple1">
+  <dgm:title val=""/>
+  <dgm:desc val=""/>
+  <dgm:catLst>
+    <dgm:cat type="simple" pri="10100"/>
+  </dgm:catLst>
+  <dgm:scene3d>
+    <a:camera prst="orthographicFront"/>
+    <a:lightRig rig="threePt" dir="t"/>
+  </dgm:scene3d>
+  <dgm:styleLbl name="node0">
+    <dgm:scene3d>
+      <a:camera prst="orthographicFront"/>
+      <a:lightRig rig="threePt" dir="t"/>
+    </dgm:scene3d>
+    <dgm:sp3d/>
+    <dgm:txPr/>
+    <dgm:style>
+      <a:lnRef idx="2">
+        <a:scrgbClr r="0" g="0" b="0"/>
+      </a:lnRef>
+      <a:fillRef idx="1">
+        <a:scrgbClr r="0" g="0" b="0"/>
+      </a:fillRef>
+      <a:effectRef idx="0">
+        <a:scrgbClr r="0" g="0" b="0"/>
+      </a:effectRef>
+      <a:fontRef idx="minor">
+        <a:schemeClr val="lt1"/>
+      </a:fontRef>
+    </dgm:style>
+  </dgm:styleLbl>
+  <dgm:styleLbl name="lnNode1">
+    <dgm:scene3d>
+      <a:camera prst="orthographicFront"/>
+      <a:lightRig rig="threePt" dir="t"/>
+    </dgm:scene3d>
+    <dgm:sp3d/>
+    <dgm:txPr/>
+    <dgm:style>
+      <a:lnRef idx="2">
+        <a:scrgbClr r="0" g="0" b="0"/>
+      </a:lnRef>
+      <a:fillRef idx="1">
+        <a:scrgbClr r="0" g="0" b="0"/>
+      </a:fillRef>
+      <a:effectRef idx="0">
+        <a:scrgbClr r="0" g="0" b="0"/>
+      </a:effectRef>
+      <a:fontRef idx="minor">
+        <a:schemeClr val="lt1"/>
+      </a:fontRef>
+    </dgm:style>
+  </dgm:styleLbl>
+  <dgm:styleLbl name="vennNode1">
+    <dgm:scene3d>
+      <a:camera prst="orthographicFront"/>
+      <a:lightRig rig="threePt" dir="t"/>
+    </dgm:scene3d>
+    <dgm:sp3d/>
+    <dgm:txPr/>
+    <dgm:style>
+      <a:lnRef idx="2">
+        <a:scrgbClr r="0" g="0" b="0"/>
+      </a:lnRef>
+      <a:fillRef idx="1">
+        <a:scrgbClr r="0" g="0" b="0"/>
+      </a:fillRef>
+      <a:effectRef idx="0">
+        <a:scrgbClr r="0" g="0" b="0"/>
+      </a:effectRef>
+      <a:fontRef idx="minor">
+        <a:schemeClr val="tx1"/>
+      </a:fontRef>
+    </dgm:style>
+  </dgm:styleLbl>
+  <dgm:styleLbl name="alignNode1">
+    <dgm:scene3d>
+      <a:camera prst="orthographicFront"/>
+      <a:lightRig rig="threePt" dir="t"/>
+    </dgm:scene3d>
+    <dgm:sp3d/>
+    <dgm:txPr/>
+    <dgm:style>
+      <a:lnRef idx="2">
+        <a:scrgbClr r="0" g="0" b="0"/>
+      </a:lnRef>
+      <a:fillRef idx="1">
+        <a:scrgbClr r="0" g="0" b="0"/>
+      </a:fillRef>
+      <a:effectRef idx="0">
+        <a:scrgbClr r="0" g="0" b="0"/>
+      </a:effectRef>
+      <a:fontRef idx="minor">
+        <a:schemeClr val="lt1"/>
+      </a:fontRef>
+    </dgm:style>
+  </dgm:styleLbl>
+  <dgm:styleLbl name="node1">
+    <dgm:scene3d>
+      <a:camera prst="orthographicFront"/>
+      <a:lightRig rig="threePt" dir="t"/>
+    </dgm:scene3d>
+    <dgm:sp3d/>
+    <dgm:txPr/>
+    <dgm:style>
+      <a:lnRef idx="2">
+        <a:scrgbClr r="0" g="0" b="0"/>
+      </a:lnRef>
+      <a:fillRef idx="1">
+        <a:scrgbClr r="0" g="0" b="0"/>
+      </a:fillRef>
+      <a:effectRef idx="0">
+        <a:scrgbClr r="0" g="0" b="0"/>
+      </a:effectRef>
+      <a:fontRef idx="minor">
+        <a:schemeClr val="lt1"/>
+      </a:fontRef>
+    </dgm:style>
+  </dgm:styleLbl>
+  <dgm:styleLbl name="node2">
+    <dgm:scene3d>
+      <a:camera prst="orthographicFront"/>
+      <a:lightRig rig="threePt" dir="t"/>
+    </dgm:scene3d>
+    <dgm:sp3d/>
+    <dgm:txPr/>
+    <dgm:style>
+      <a:lnRef idx="2">
+        <a:scrgbClr r="0" g="0" b="0"/>
+      </a:lnRef>
+      <a:fillRef idx="1">
+        <a:scrgbClr r="0" g="0" b="0"/>
+      </a:fillRef>
+      <a:effectRef idx="0">
+        <a:scrgbClr r="0" g="0" b="0"/>
+      </a:effectRef>
+      <a:fontRef idx="minor">
+        <a:schemeClr val="lt1"/>
+      </a:fontRef>
+    </dgm:style>
+  </dgm:styleLbl>
+  <dgm:styleLbl name="node3">
+    <dgm:scene3d>
+      <a:camera prst="orthographicFront"/>
+      <a:lightRig rig="threePt" dir="t"/>
+    </dgm:scene3d>
+    <dgm:sp3d/>
+    <dgm:txPr/>
+    <dgm:style>
+      <a:lnRef idx="2">
+        <a:scrgbClr r="0" g="0" b="0"/>
+      </a:lnRef>
+      <a:fillRef idx="1">
+        <a:scrgbClr r="0" g="0" b="0"/>
+      </a:fillRef>
+      <a:effectRef idx="0">
+        <a:scrgbClr r="0" g="0" b="0"/>
+      </a:effectRef>
+      <a:fontRef idx="minor">
+        <a:schemeClr val="lt1"/>
+      </a:fontRef>
+    </dgm:style>
+  </dgm:styleLbl>
+  <dgm:styleLbl name="node4">
+    <dgm:scene3d>
+      <a:camera prst="orthographicFront"/>
+      <a:lightRig rig="threePt" dir="t"/>
+    </dgm:scene3d>
+    <dgm:sp3d/>
+    <dgm:txPr/>
+    <dgm:style>
+      <a:lnRef idx="2">
+        <a:scrgbClr r="0" g="0" b="0"/>
+      </a:lnRef>
+      <a:fillRef idx="1">
+        <a:scrgbClr r="0" g="0" b="0"/>
+      </a:fillRef>
+      <a:effectRef idx="0">
+        <a:scrgbClr r="0" g="0" b="0"/>
+      </a:effectRef>
+      <a:fontRef idx="minor">
+        <a:schemeClr val="lt1"/>
+      </a:fontRef>
+    </dgm:style>
+  </dgm:styleLbl>
+  <dgm:styleLbl name="fgImgPlace1">
+    <dgm:scene3d>
+      <a:camera prst="orthographicFront"/>
+      <a:lightRig rig="threePt" dir="t"/>
+    </dgm:scene3d>
+    <dgm:sp3d/>
+    <dgm:txPr/>
+    <dgm:style>
+      <a:lnRef idx="2">
+        <a:scrgbClr r="0" g="0" b="0"/>
+      </a:lnRef>
+      <a:fillRef idx="1">
+        <a:scrgbClr r="0" g="0" b="0"/>
+      </a:fillRef>
+      <a:effectRef idx="0">
+        <a:scrgbClr r="0" g="0" b="0"/>
+      </a:effectRef>
+      <a:fontRef idx="minor"/>
+    </dgm:style>
+  </dgm:styleLbl>
+  <dgm:styleLbl name="alignImgPlace1">
+    <dgm:scene3d>
+      <a:camera prst="orthographicFront"/>
+      <a:lightRig rig="threePt" dir="t"/>
+    </dgm:scene3d>
+    <dgm:sp3d/>
+    <dgm:txPr/>
+    <dgm:style>
+      <a:lnRef idx="2">
+        <a:scrgbClr r="0" g="0" b="0"/>
+      </a:lnRef>
+      <a:fillRef idx="1">
+        <a:scrgbClr r="0" g="0" b="0"/>
+      </a:fillRef>
+      <a:effectRef idx="0">
+        <a:scrgbClr r="0" g="0" b="0"/>
+      </a:effectRef>
+      <a:fontRef idx="minor"/>
+    </dgm:style>
+  </dgm:styleLbl>
+  <dgm:styleLbl name="bgImgPlace1">
+    <dgm:scene3d>
+      <a:camera prst="orthographicFront"/>
+      <a:lightRig rig="threePt" dir="t"/>
+    </dgm:scene3d>
+    <dgm:sp3d/>
+    <dgm:txPr/>
+    <dgm:style>
+      <a:lnRef idx="2">
+        <a:scrgbClr r="0" g="0" b="0"/>
+      </a:lnRef>
+      <a:fillRef idx="1">
+        <a:scrgbClr r="0" g="0" b="0"/>
+      </a:fillRef>
+      <a:effectRef idx="0">
+        <a:scrgbClr r="0" g="0" b="0"/>
+      </a:effectRef>
+      <a:fontRef idx="minor"/>
+    </dgm:style>
+  </dgm:styleLbl>
+  <dgm:styleLbl name="sibTrans2D1">
+    <dgm:scene3d>
+      <a:camera prst="orthographicFront"/>
+      <a:lightRig rig="threePt" dir="t"/>
+    </dgm:scene3d>
+    <dgm:sp3d/>
+    <dgm:txPr/>
+    <dgm:style>
+      <a:lnRef idx="0">
+        <a:scrgbClr r="0" g="0" b="0"/>
+      </a:lnRef>
+      <a:fillRef idx="1">
+        <a:scrgbClr r="0" g="0" b="0"/>
+      </a:fillRef>
+      <a:effectRef idx="0">
+        <a:scrgbClr r="0" g="0" b="0"/>
+      </a:effectRef>
+      <a:fontRef idx="minor">
+        <a:schemeClr val="lt1"/>
+      </a:fontRef>
+    </dgm:style>
+  </dgm:styleLbl>
+  <dgm:styleLbl name="fgSibTrans2D1">
+    <dgm:scene3d>
+      <a:camera prst="orthographicFront"/>
+      <a:lightRig rig="threePt" dir="t"/>
+    </dgm:scene3d>
+    <dgm:sp3d/>
+    <dgm:txPr/>
+    <dgm:style>
+      <a:lnRef idx="0">
+        <a:scrgbClr r="0" g="0" b="0"/>
+      </a:lnRef>
+      <a:fillRef idx="1">
+        <a:scrgbClr r="0" g="0" b="0"/>
+      </a:fillRef>
+      <a:effectRef idx="0">
+        <a:scrgbClr r="0" g="0" b="0"/>
+      </a:effectRef>
+      <a:fontRef idx="minor">
+        <a:schemeClr val="lt1"/>
+      </a:fontRef>
+    </dgm:style>
+  </dgm:styleLbl>
+  <dgm:styleLbl name="bgSibTrans2D1">
+    <dgm:scene3d>
+      <a:camera prst="orthographicFront"/>
+      <a:lightRig rig="threePt" dir="t"/>
+    </dgm:scene3d>
+    <dgm:sp3d/>
+    <dgm:txPr/>
+    <dgm:style>
+      <a:lnRef idx="0">
+        <a:scrgbClr r="0" g="0" b="0"/>
+      </a:lnRef>
+      <a:fillRef idx="1">
+        <a:scrgbClr r="0" g="0" b="0"/>
+      </a:fillRef>
+      <a:effectRef idx="0">
+        <a:scrgbClr r="0" g="0" b="0"/>
+      </a:effectRef>
+      <a:fontRef idx="minor">
+        <a:schemeClr val="lt1"/>
+      </a:fontRef>
+    </dgm:style>
+  </dgm:styleLbl>
+  <dgm:styleLbl name="sibTrans1D1">
+    <dgm:scene3d>
+      <a:camera prst="orthographicFront"/>
+      <a:lightRig rig="threePt" dir="t"/>
+    </dgm:scene3d>
+    <dgm:sp3d/>
+    <dgm:txPr/>
+    <dgm:style>
+      <a:lnRef idx="1">
+        <a:scrgbClr r="0" g="0" b="0"/>
+      </a:lnRef>
+      <a:fillRef idx="0">
+        <a:scrgbClr r="0" g="0" b="0"/>
+      </a:fillRef>
+      <a:effectRef idx="0">
+        <a:scrgbClr r="0" g="0" b="0"/>
+      </a:effectRef>
+      <a:fontRef idx="minor"/>
+    </dgm:style>
+  </dgm:styleLbl>
+  <dgm:styleLbl name="callout">
+    <dgm:scene3d>
+      <a:camera prst="orthographicFront"/>
+      <a:lightRig rig="threePt" dir="t"/>
+    </dgm:scene3d>
+    <dgm:sp3d/>
+    <dgm:txPr/>
+    <dgm:style>
+      <a:lnRef idx="2">
+        <a:scrgbClr r="0" g="0" b="0"/>
+      </a:lnRef>
+      <a:fillRef idx="1">
+        <a:scrgbClr r="0" g="0" b="0"/>
+      </a:fillRef>
+      <a:effectRef idx="0">
+        <a:scrgbClr r="0" g="0" b="0"/>
+      </a:effectRef>
+      <a:fontRef idx="minor"/>
+    </dgm:style>
+  </dgm:styleLbl>
+  <dgm:styleLbl name="asst0">
+    <dgm:scene3d>
+      <a:camera prst="orthographicFront"/>
+      <a:lightRig rig="threePt" dir="t"/>
+    </dgm:scene3d>
+    <dgm:sp3d/>
+    <dgm:txPr/>
+    <dgm:style>
+      <a:lnRef idx="2">
+        <a:scrgbClr r="0" g="0" b="0"/>
+      </a:lnRef>
+      <a:fillRef idx="1">
+        <a:scrgbClr r="0" g="0" b="0"/>
+      </a:fillRef>
+      <a:effectRef idx="0">
+        <a:scrgbClr r="0" g="0" b="0"/>
+      </a:effectRef>
+      <a:fontRef idx="minor">
+        <a:schemeClr val="lt1"/>
+      </a:fontRef>
+    </dgm:style>
+  </dgm:styleLbl>
+  <dgm:styleLbl name="asst1">
+    <dgm:scene3d>
+      <a:camera prst="orthographicFront"/>
+      <a:lightRig rig="threePt" dir="t"/>
+    </dgm:scene3d>
+    <dgm:sp3d/>
+    <dgm:txPr/>
+    <dgm:style>
+      <a:lnRef idx="2">
+        <a:scrgbClr r="0" g="0" b="0"/>
+      </a:lnRef>
+      <a:fillRef idx="1">
+        <a:scrgbClr r="0" g="0" b="0"/>
+      </a:fillRef>
+      <a:effectRef idx="0">
+        <a:scrgbClr r="0" g="0" b="0"/>
+      </a:effectRef>
+      <a:fontRef idx="minor">
+        <a:schemeClr val="lt1"/>
+      </a:fontRef>
+    </dgm:style>
+  </dgm:styleLbl>
+  <dgm:styleLbl name="asst2">
+    <dgm:scene3d>
+      <a:camera prst="orthographicFront"/>
+      <a:lightRig rig="threePt" dir="t"/>
+    </dgm:scene3d>
+    <dgm:sp3d/>
+    <dgm:txPr/>
+    <dgm:style>
+      <a:lnRef idx="2">
+        <a:scrgbClr r="0" g="0" b="0"/>
+      </a:lnRef>
+      <a:fillRef idx="1">
+        <a:scrgbClr r="0" g="0" b="0"/>
+      </a:fillRef>
+      <a:effectRef idx="0">
+        <a:scrgbClr r="0" g="0" b="0"/>
+      </a:effectRef>
+      <a:fontRef idx="minor">
+        <a:schemeClr val="lt1"/>
+      </a:fontRef>
+    </dgm:style>
+  </dgm:styleLbl>
+  <dgm:styleLbl name="asst3">
+    <dgm:scene3d>
+      <a:camera prst="orthographicFront"/>
+      <a:lightRig rig="threePt" dir="t"/>
+    </dgm:scene3d>
+    <dgm:sp3d/>
+    <dgm:txPr/>
+    <dgm:style>
+      <a:lnRef idx="2">
+        <a:scrgbClr r="0" g="0" b="0"/>
+      </a:lnRef>
+      <a:fillRef idx="1">
+        <a:scrgbClr r="0" g="0" b="0"/>
+      </a:fillRef>
+      <a:effectRef idx="0">
+        <a:scrgbClr r="0" g="0" b="0"/>
+      </a:effectRef>
+      <a:fontRef idx="minor">
+        <a:schemeClr val="lt1"/>
+      </a:fontRef>
+    </dgm:style>
+  </dgm:styleLbl>
+  <dgm:styleLbl name="asst4">
+    <dgm:scene3d>
+      <a:camera prst="orthographicFront"/>
+      <a:lightRig rig="threePt" dir="t"/>
+    </dgm:scene3d>
+    <dgm:sp3d/>
+    <dgm:txPr/>
+    <dgm:style>
+      <a:lnRef idx="2">
+        <a:scrgbClr r="0" g="0" b="0"/>
+      </a:lnRef>
+      <a:fillRef idx="1">
+        <a:scrgbClr r="0" g="0" b="0"/>
+      </a:fillRef>
+      <a:effectRef idx="0">
+        <a:scrgbClr r="0" g="0" b="0"/>
+      </a:effectRef>
+      <a:fontRef idx="minor">
+        <a:schemeClr val="lt1"/>
+      </a:fontRef>
+    </dgm:style>
+  </dgm:styleLbl>
+  <dgm:styleLbl name="parChTrans2D1">
+    <dgm:scene3d>
+      <a:camera prst="orthographicFront"/>
+      <a:lightRig rig="threePt" dir="t"/>
+    </dgm:scene3d>
+    <dgm:sp3d/>
+    <dgm:txPr/>
+    <dgm:style>
+      <a:lnRef idx="2">
+        <a:scrgbClr r="0" g="0" b="0"/>
+      </a:lnRef>
+      <a:fillRef idx="1">
+        <a:scrgbClr r="0" g="0" b="0"/>
+      </a:fillRef>
+      <a:effectRef idx="0">
+        <a:scrgbClr r="0" g="0" b="0"/>
+      </a:effectRef>
+      <a:fontRef idx="minor">
+        <a:schemeClr val="lt1"/>
+      </a:fontRef>
+    </dgm:style>
+  </dgm:styleLbl>
+  <dgm:styleLbl name="parChTrans2D2">
+    <dgm:scene3d>
+      <a:camera prst="orthographicFront"/>
+      <a:lightRig rig="threePt" dir="t"/>
+    </dgm:scene3d>
+    <dgm:sp3d/>
+    <dgm:txPr/>
+    <dgm:style>
+      <a:lnRef idx="2">
+        <a:scrgbClr r="0" g="0" b="0"/>
+      </a:lnRef>
+      <a:fillRef idx="1">
+        <a:scrgbClr r="0" g="0" b="0"/>
+      </a:fillRef>
+      <a:effectRef idx="0">
+        <a:scrgbClr r="0" g="0" b="0"/>
+      </a:effectRef>
+      <a:fontRef idx="minor">
+        <a:schemeClr val="lt1"/>
+      </a:fontRef>
+    </dgm:style>
+  </dgm:styleLbl>
+  <dgm:styleLbl name="parChTrans2D3">
+    <dgm:scene3d>
+      <a:camera prst="orthographicFront"/>
+      <a:lightRig rig="threePt" dir="t"/>
+    </dgm:scene3d>
+    <dgm:sp3d/>
+    <dgm:txPr/>
+    <dgm:style>
+      <a:lnRef idx="2">
+        <a:scrgbClr r="0" g="0" b="0"/>
+      </a:lnRef>
+      <a:fillRef idx="1">
+        <a:scrgbClr r="0" g="0" b="0"/>
+      </a:fillRef>
+      <a:effectRef idx="0">
+        <a:scrgbClr r="0" g="0" b="0"/>
+      </a:effectRef>
+      <a:fontRef idx="minor">
+        <a:schemeClr val="lt1"/>
+      </a:fontRef>
+    </dgm:style>
+  </dgm:styleLbl>
+  <dgm:styleLbl name="parChTrans2D4">
+    <dgm:scene3d>
+      <a:camera prst="orthographicFront"/>
+      <a:lightRig rig="threePt" dir="t"/>
+    </dgm:scene3d>
+    <dgm:sp3d/>
+    <dgm:txPr/>
+    <dgm:style>
+      <a:lnRef idx="2">
+        <a:scrgbClr r="0" g="0" b="0"/>
+      </a:lnRef>
+      <a:fillRef idx="1">
+        <a:scrgbClr r="0" g="0" b="0"/>
+      </a:fillRef>
+      <a:effectRef idx="0">
+        <a:scrgbClr r="0" g="0" b="0"/>
+      </a:effectRef>
+      <a:fontRef idx="minor">
+        <a:schemeClr val="lt1"/>
+      </a:fontRef>
+    </dgm:style>
+  </dgm:styleLbl>
+  <dgm:styleLbl name="parChTrans1D1">
+    <dgm:scene3d>
+      <a:camera prst="orthographicFront"/>
+      <a:lightRig rig="threePt" dir="t"/>
+    </dgm:scene3d>
+    <dgm:sp3d/>
+    <dgm:txPr/>
+    <dgm:style>
+      <a:lnRef idx="2">
+        <a:scrgbClr r="0" g="0" b="0"/>
+      </a:lnRef>
+      <a:fillRef idx="0">
+        <a:scrgbClr r="0" g="0" b="0"/>
+      </a:fillRef>
+      <a:effectRef idx="0">
+        <a:scrgbClr r="0" g="0" b="0"/>
+      </a:effectRef>
+      <a:fontRef idx="minor"/>
+    </dgm:style>
+  </dgm:styleLbl>
+  <dgm:styleLbl name="parChTrans1D2">
+    <dgm:scene3d>
+      <a:camera prst="orthographicFront"/>
+      <a:lightRig rig="threePt" dir="t"/>
+    </dgm:scene3d>
+    <dgm:sp3d/>
+    <dgm:txPr/>
+    <dgm:style>
+      <a:lnRef idx="2">
+        <a:scrgbClr r="0" g="0" b="0"/>
+      </a:lnRef>
+      <a:fillRef idx="0">
+        <a:scrgbClr r="0" g="0" b="0"/>
+      </a:fillRef>
+      <a:effectRef idx="0">
+        <a:scrgbClr r="0" g="0" b="0"/>
+      </a:effectRef>
+      <a:fontRef idx="minor"/>
+    </dgm:style>
+  </dgm:styleLbl>
+  <dgm:styleLbl name="parChTrans1D3">
+    <dgm:scene3d>
+      <a:camera prst="orthographicFront"/>
+      <a:lightRig rig="threePt" dir="t"/>
+    </dgm:scene3d>
+    <dgm:sp3d/>
+    <dgm:txPr/>
+    <dgm:style>
+      <a:lnRef idx="2">
+        <a:scrgbClr r="0" g="0" b="0"/>
+      </a:lnRef>
+      <a:fillRef idx="0">
+        <a:scrgbClr r="0" g="0" b="0"/>
+      </a:fillRef>
+      <a:effectRef idx="0">
+        <a:scrgbClr r="0" g="0" b="0"/>
+      </a:effectRef>
+      <a:fontRef idx="minor"/>
+    </dgm:style>
+  </dgm:styleLbl>
+  <dgm:styleLbl name="parChTrans1D4">
+    <dgm:scene3d>
+      <a:camera prst="orthographicFront"/>
+      <a:lightRig rig="threePt" dir="t"/>
+    </dgm:scene3d>
+    <dgm:sp3d/>
+    <dgm:txPr/>
+    <dgm:style>
+      <a:lnRef idx="2">
+        <a:scrgbClr r="0" g="0" b="0"/>
+      </a:lnRef>
+      <a:fillRef idx="0">
+        <a:scrgbClr r="0" g="0" b="0"/>
+      </a:fillRef>
+      <a:effectRef idx="0">
+        <a:scrgbClr r="0" g="0" b="0"/>
+      </a:effectRef>
+      <a:fontRef idx="minor"/>
+    </dgm:style>
+  </dgm:styleLbl>
+  <dgm:styleLbl name="fgAcc1">
+    <dgm:scene3d>
+      <a:camera prst="orthographicFront"/>
+      <a:lightRig rig="threePt" dir="t"/>
+    </dgm:scene3d>
+    <dgm:sp3d/>
+    <dgm:txPr/>
+    <dgm:style>
+      <a:lnRef idx="2">
+        <a:scrgbClr r="0" g="0" b="0"/>
+      </a:lnRef>
+      <a:fillRef idx="1">
+        <a:scrgbClr r="0" g="0" b="0"/>
+      </a:fillRef>
+      <a:effectRef idx="0">
+        <a:scrgbClr r="0" g="0" b="0"/>
+      </a:effectRef>
+      <a:fontRef idx="minor"/>
+    </dgm:style>
+  </dgm:styleLbl>
+  <dgm:styleLbl name="conFgAcc1">
+    <dgm:scene3d>
+      <a:camera prst="orthographicFront"/>
+      <a:lightRig rig="threePt" dir="t"/>
+    </dgm:scene3d>
+    <dgm:sp3d/>
+    <dgm:txPr/>
+    <dgm:style>
+      <a:lnRef idx="2">
+        <a:scrgbClr r="0" g="0" b="0"/>
+      </a:lnRef>
+      <a:fillRef idx="1">
+        <a:scrgbClr r="0" g="0" b="0"/>
+      </a:fillRef>
+      <a:effectRef idx="0">
+        <a:scrgbClr r="0" g="0" b="0"/>
+      </a:effectRef>
+      <a:fontRef idx="minor"/>
+    </dgm:style>
+  </dgm:styleLbl>
+  <dgm:styleLbl name="alignAcc1">
+    <dgm:scene3d>
+      <a:camera prst="orthographicFront"/>
+      <a:lightRig rig="threePt" dir="t"/>
+    </dgm:scene3d>
+    <dgm:sp3d/>
+    <dgm:txPr/>
+    <dgm:style>
+      <a:lnRef idx="2">
+        <a:scrgbClr r="0" g="0" b="0"/>
+      </a:lnRef>
+      <a:fillRef idx="1">
+        <a:scrgbClr r="0" g="0" b="0"/>
+      </a:fillRef>
+      <a:effectRef idx="0">
+        <a:scrgbClr r="0" g="0" b="0"/>
+      </a:effectRef>
+      <a:fontRef idx="minor"/>
+    </dgm:style>
+  </dgm:styleLbl>
+  <dgm:styleLbl name="trAlignAcc1">
+    <dgm:scene3d>
+      <a:camera prst="orthographicFront"/>
+      <a:lightRig rig="threePt" dir="t"/>
+    </dgm:scene3d>
+    <dgm:sp3d/>
+    <dgm:txPr/>
+    <dgm:style>
+      <a:lnRef idx="1">
+        <a:scrgbClr r="0" g="0" b="0"/>
+      </a:lnRef>
+      <a:fillRef idx="1">
+        <a:scrgbClr r="0" g="0" b="0"/>
+      </a:fillRef>
+      <a:effectRef idx="0">
+        <a:scrgbClr r="0" g="0" b="0"/>
+      </a:effectRef>
+      <a:fontRef idx="minor"/>
+    </dgm:style>
+  </dgm:styleLbl>
+  <dgm:styleLbl name="bgAcc1">
+    <dgm:scene3d>
+      <a:camera prst="orthographicFront"/>
+      <a:lightRig rig="threePt" dir="t"/>
+    </dgm:scene3d>
+    <dgm:sp3d/>
+    <dgm:txPr/>
+    <dgm:style>
+      <a:lnRef idx="2">
+        <a:scrgbClr r="0" g="0" b="0"/>
+      </a:lnRef>
+      <a:fillRef idx="1">
+        <a:scrgbClr r="0" g="0" b="0"/>
+      </a:fillRef>
+      <a:effectRef idx="0">
+        <a:scrgbClr r="0" g="0" b="0"/>
+      </a:effectRef>
+      <a:fontRef idx="minor"/>
+    </dgm:style>
+  </dgm:styleLbl>
+  <dgm:styleLbl name="solidFgAcc1">
+    <dgm:scene3d>
+      <a:camera prst="orthographicFront"/>
+      <a:lightRig rig="threePt" dir="t"/>
+    </dgm:scene3d>
+    <dgm:sp3d/>
+    <dgm:txPr/>
+    <dgm:style>
+      <a:lnRef idx="2">
+        <a:scrgbClr r="0" g="0" b="0"/>
+      </a:lnRef>
+      <a:fillRef idx="1">
+        <a:scrgbClr r="0" g="0" b="0"/>
+      </a:fillRef>
+      <a:effectRef idx="0">
+        <a:scrgbClr r="0" g="0" b="0"/>
+      </a:effectRef>
+      <a:fontRef idx="minor"/>
+    </dgm:style>
+  </dgm:styleLbl>
+  <dgm:styleLbl name="solidAlignAcc1">
+    <dgm:scene3d>
+      <a:camera prst="orthographicFront"/>
+      <a:lightRig rig="threePt" dir="t"/>
+    </dgm:scene3d>
+    <dgm:sp3d/>
+    <dgm:txPr/>
+    <dgm:style>
+      <a:lnRef idx="2">
+        <a:scrgbClr r="0" g="0" b="0"/>
+      </a:lnRef>
+      <a:fillRef idx="1">
+        <a:scrgbClr r="0" g="0" b="0"/>
+      </a:fillRef>
+      <a:effectRef idx="0">
+        <a:scrgbClr r="0" g="0" b="0"/>
+      </a:effectRef>
+      <a:fontRef idx="minor"/>
+    </dgm:style>
+  </dgm:styleLbl>
+  <dgm:styleLbl name="solidBgAcc1">
+    <dgm:scene3d>
+      <a:camera prst="orthographicFront"/>
+      <a:lightRig rig="threePt" dir="t"/>
+    </dgm:scene3d>
+    <dgm:sp3d/>
+    <dgm:txPr/>
+    <dgm:style>
+      <a:lnRef idx="2">
+        <a:scrgbClr r="0" g="0" b="0"/>
+      </a:lnRef>
+      <a:fillRef idx="1">
+        <a:scrgbClr r="0" g="0" b="0"/>
+      </a:fillRef>
+      <a:effectRef idx="0">
+        <a:scrgbClr r="0" g="0" b="0"/>
+      </a:effectRef>
+      <a:fontRef idx="minor"/>
+    </dgm:style>
+  </dgm:styleLbl>
+  <dgm:styleLbl name="fgAccFollowNode1">
+    <dgm:scene3d>
+      <a:camera prst="orthographicFront"/>
+      <a:lightRig rig="threePt" dir="t"/>
+    </dgm:scene3d>
+    <dgm:sp3d/>
+    <dgm:txPr/>
+    <dgm:style>
+      <a:lnRef idx="2">
+        <a:scrgbClr r="0" g="0" b="0"/>
+      </a:lnRef>
+      <a:fillRef idx="1">
+        <a:scrgbClr r="0" g="0" b="0"/>
+      </a:fillRef>
+      <a:effectRef idx="0">
+        <a:scrgbClr r="0" g="0" b="0"/>
+      </a:effectRef>
+      <a:fontRef idx="minor"/>
+    </dgm:style>
+  </dgm:styleLbl>
+  <dgm:styleLbl name="alignAccFollowNode1">
+    <dgm:scene3d>
+      <a:camera prst="orthographicFront"/>
+      <a:lightRig rig="threePt" dir="t"/>
+    </dgm:scene3d>
+    <dgm:sp3d/>
+    <dgm:txPr/>
+    <dgm:style>
+      <a:lnRef idx="2">
+        <a:scrgbClr r="0" g="0" b="0"/>
+      </a:lnRef>
+      <a:fillRef idx="1">
+        <a:scrgbClr r="0" g="0" b="0"/>
+      </a:fillRef>
+      <a:effectRef idx="0">
+        <a:scrgbClr r="0" g="0" b="0"/>
+      </a:effectRef>
+      <a:fontRef idx="minor"/>
+    </dgm:style>
+  </dgm:styleLbl>
+  <dgm:styleLbl name="bgAccFollowNode1">
+    <dgm:scene3d>
+      <a:camera prst="orthographicFront"/>
+      <a:lightRig rig="threePt" dir="t"/>
+    </dgm:scene3d>
+    <dgm:sp3d/>
+    <dgm:txPr/>
+    <dgm:style>
+      <a:lnRef idx="2">
+        <a:scrgbClr r="0" g="0" b="0"/>
+      </a:lnRef>
+      <a:fillRef idx="1">
+        <a:scrgbClr r="0" g="0" b="0"/>
+      </a:fillRef>
+      <a:effectRef idx="0">
+        <a:scrgbClr r="0" g="0" b="0"/>
+      </a:effectRef>
+      <a:fontRef idx="minor"/>
+    </dgm:style>
+  </dgm:styleLbl>
+  <dgm:styleLbl name="fgAcc0">
+    <dgm:scene3d>
+      <a:camera prst="orthographicFront"/>
+      <a:lightRig rig="threePt" dir="t"/>
+    </dgm:scene3d>
+    <dgm:sp3d/>
+    <dgm:txPr/>
+    <dgm:style>
+      <a:lnRef idx="2">
+        <a:scrgbClr r="0" g="0" b="0"/>
+      </a:lnRef>
+      <a:fillRef idx="1">
+        <a:scrgbClr r="0" g="0" b="0"/>
+      </a:fillRef>
+      <a:effectRef idx="0">
+        <a:scrgbClr r="0" g="0" b="0"/>
+      </a:effectRef>
+      <a:fontRef idx="minor"/>
+    </dgm:style>
+  </dgm:styleLbl>
+  <dgm:styleLbl name="fgAcc2">
+    <dgm:scene3d>
+      <a:camera prst="orthographicFront"/>
+      <a:lightRig rig="threePt" dir="t"/>
+    </dgm:scene3d>
+    <dgm:sp3d/>
+    <dgm:txPr/>
+    <dgm:style>
+      <a:lnRef idx="2">
+        <a:scrgbClr r="0" g="0" b="0"/>
+      </a:lnRef>
+      <a:fillRef idx="1">
+        <a:scrgbClr r="0" g="0" b="0"/>
+      </a:fillRef>
+      <a:effectRef idx="0">
+        <a:scrgbClr r="0" g="0" b="0"/>
+      </a:effectRef>
+      <a:fontRef idx="minor"/>
+    </dgm:style>
+  </dgm:styleLbl>
+  <dgm:styleLbl name="fgAcc3">
+    <dgm:scene3d>
+      <a:camera prst="orthographicFront"/>
+      <a:lightRig rig="threePt" dir="t"/>
+    </dgm:scene3d>
+    <dgm:sp3d/>
+    <dgm:txPr/>
+    <dgm:style>
+      <a:lnRef idx="2">
+        <a:scrgbClr r="0" g="0" b="0"/>
+      </a:lnRef>
+      <a:fillRef idx="1">
+        <a:scrgbClr r="0" g="0" b="0"/>
+      </a:fillRef>
+      <a:effectRef idx="0">
+        <a:scrgbClr r="0" g="0" b="0"/>
+      </a:effectRef>
+      <a:fontRef idx="minor"/>
+    </dgm:style>
+  </dgm:styleLbl>
+  <dgm:styleLbl name="fgAcc4">
+    <dgm:scene3d>
+      <a:camera prst="orthographicFront"/>
+      <a:lightRig rig="threePt" dir="t"/>
+    </dgm:scene3d>
+    <dgm:sp3d/>
+    <dgm:txPr/>
+    <dgm:style>
+      <a:lnRef idx="2">
+        <a:scrgbClr r="0" g="0" b="0"/>
+      </a:lnRef>
+      <a:fillRef idx="1">
+        <a:scrgbClr r="0" g="0" b="0"/>
+      </a:fillRef>
+      <a:effectRef idx="0">
+        <a:scrgbClr r="0" g="0" b="0"/>
+      </a:effectRef>
+      <a:fontRef idx="minor"/>
+    </dgm:style>
+  </dgm:styleLbl>
+  <dgm:styleLbl name="bgShp">
+    <dgm:scene3d>
+      <a:camera prst="orthographicFront"/>
+      <a:lightRig rig="threePt" dir="t"/>
+    </dgm:scene3d>
+    <dgm:sp3d/>
+    <dgm:txPr/>
+    <dgm:style>
+      <a:lnRef idx="0">
+        <a:scrgbClr r="0" g="0" b="0"/>
+      </a:lnRef>
+      <a:fillRef idx="1">
+        <a:scrgbClr r="0" g="0" b="0"/>
+      </a:fillRef>
+      <a:effectRef idx="0">
+        <a:scrgbClr r="0" g="0" b="0"/>
+      </a:effectRef>
+      <a:fontRef idx="minor"/>
+    </dgm:style>
+  </dgm:styleLbl>
+  <dgm:styleLbl name="dkBgShp">
+    <dgm:scene3d>
+      <a:camera prst="orthographicFront"/>
+      <a:lightRig rig="threePt" dir="t"/>
+    </dgm:scene3d>
+    <dgm:sp3d/>
+    <dgm:txPr/>
+    <dgm:style>
+      <a:lnRef idx="0">
+        <a:scrgbClr r="0" g="0" b="0"/>
+      </a:lnRef>
+      <a:fillRef idx="1">
+        <a:scrgbClr r="0" g="0" b="0"/>
+      </a:fillRef>
+      <a:effectRef idx="0">
+        <a:scrgbClr r="0" g="0" b="0"/>
+      </a:effectRef>
+      <a:fontRef idx="minor"/>
+    </dgm:style>
+  </dgm:styleLbl>
+  <dgm:styleLbl name="trBgShp">
+    <dgm:scene3d>
+      <a:camera prst="orthographicFront"/>
+      <a:lightRig rig="threePt" dir="t"/>
+    </dgm:scene3d>
+    <dgm:sp3d/>
+    <dgm:txPr/>
+    <dgm:style>
+      <a:lnRef idx="0">
+        <a:scrgbClr r="0" g="0" b="0"/>
+      </a:lnRef>
+      <a:fillRef idx="1">
+        <a:scrgbClr r="0" g="0" b="0"/>
+      </a:fillRef>
+      <a:effectRef idx="0">
+        <a:scrgbClr r="0" g="0" b="0"/>
+      </a:effectRef>
+      <a:fontRef idx="minor"/>
+    </dgm:style>
+  </dgm:styleLbl>
+  <dgm:styleLbl name="fgShp">
+    <dgm:scene3d>
+      <a:camera prst="orthographicFront"/>
+      <a:lightRig rig="threePt" dir="t"/>
+    </dgm:scene3d>
+    <dgm:sp3d/>
+    <dgm:txPr/>
+    <dgm:style>
+      <a:lnRef idx="2">
+        <a:scrgbClr r="0" g="0" b="0"/>
+      </a:lnRef>
+      <a:fillRef idx="1">
+        <a:scrgbClr r="0" g="0" b="0"/>
+      </a:fillRef>
+      <a:effectRef idx="0">
+        <a:scrgbClr r="0" g="0" b="0"/>
+      </a:effectRef>
+      <a:fontRef idx="minor"/>
+    </dgm:style>
+  </dgm:styleLbl>
+  <dgm:styleLbl name="revTx">
+    <dgm:scene3d>
+      <a:camera prst="orthographicFront"/>
+      <a:lightRig rig="threePt" dir="t"/>
+    </dgm:scene3d>
+    <dgm:sp3d/>
+    <dgm:txPr/>
+    <dgm:style>
+      <a:lnRef idx="0">
+        <a:scrgbClr r="0" g="0" b="0"/>
+      </a:lnRef>
+      <a:fillRef idx="0">
+        <a:scrgbClr r="0" g="0" b="0"/>
+      </a:fillRef>
+      <a:effectRef idx="0">
+        <a:scrgbClr r="0" g="0" b="0"/>
+      </a:effectRef>
+      <a:fontRef idx="minor"/>
+    </dgm:style>
+  </dgm:styleLbl>
+</dgm:styleDef>
+</file>
+
+<file path=ppt/diagrams/quickStyle2.xml><?xml version="1.0" encoding="utf-8"?>
+<dgm:styleDef xmlns:dgm="http://schemas.openxmlformats.org/drawingml/2006/diagram" xmlns:a="http://schemas.openxmlformats.org/drawingml/2006/main" uniqueId="urn:microsoft.com/office/officeart/2005/8/quickstyle/simple1">
+  <dgm:title val=""/>
+  <dgm:desc val=""/>
+  <dgm:catLst>
+    <dgm:cat type="simple" pri="10100"/>
+  </dgm:catLst>
+  <dgm:scene3d>
+    <a:camera prst="orthographicFront"/>
+    <a:lightRig rig="threePt" dir="t"/>
+  </dgm:scene3d>
+  <dgm:styleLbl name="node0">
+    <dgm:scene3d>
+      <a:camera prst="orthographicFront"/>
+      <a:lightRig rig="threePt" dir="t"/>
+    </dgm:scene3d>
+    <dgm:sp3d/>
+    <dgm:txPr/>
+    <dgm:style>
+      <a:lnRef idx="2">
+        <a:scrgbClr r="0" g="0" b="0"/>
+      </a:lnRef>
+      <a:fillRef idx="1">
+        <a:scrgbClr r="0" g="0" b="0"/>
+      </a:fillRef>
+      <a:effectRef idx="0">
+        <a:scrgbClr r="0" g="0" b="0"/>
+      </a:effectRef>
+      <a:fontRef idx="minor">
+        <a:schemeClr val="lt1"/>
+      </a:fontRef>
+    </dgm:style>
+  </dgm:styleLbl>
+  <dgm:styleLbl name="lnNode1">
+    <dgm:scene3d>
+      <a:camera prst="orthographicFront"/>
+      <a:lightRig rig="threePt" dir="t"/>
+    </dgm:scene3d>
+    <dgm:sp3d/>
+    <dgm:txPr/>
+    <dgm:style>
+      <a:lnRef idx="2">
+        <a:scrgbClr r="0" g="0" b="0"/>
+      </a:lnRef>
+      <a:fillRef idx="1">
+        <a:scrgbClr r="0" g="0" b="0"/>
+      </a:fillRef>
+      <a:effectRef idx="0">
+        <a:scrgbClr r="0" g="0" b="0"/>
+      </a:effectRef>
+      <a:fontRef idx="minor">
+        <a:schemeClr val="lt1"/>
+      </a:fontRef>
+    </dgm:style>
+  </dgm:styleLbl>
+  <dgm:styleLbl name="vennNode1">
+    <dgm:scene3d>
+      <a:camera prst="orthographicFront"/>
+      <a:lightRig rig="threePt" dir="t"/>
+    </dgm:scene3d>
+    <dgm:sp3d/>
+    <dgm:txPr/>
+    <dgm:style>
+      <a:lnRef idx="2">
+        <a:scrgbClr r="0" g="0" b="0"/>
+      </a:lnRef>
+      <a:fillRef idx="1">
+        <a:scrgbClr r="0" g="0" b="0"/>
+      </a:fillRef>
+      <a:effectRef idx="0">
+        <a:scrgbClr r="0" g="0" b="0"/>
+      </a:effectRef>
+      <a:fontRef idx="minor">
+        <a:schemeClr val="tx1"/>
+      </a:fontRef>
+    </dgm:style>
+  </dgm:styleLbl>
+  <dgm:styleLbl name="alignNode1">
+    <dgm:scene3d>
+      <a:camera prst="orthographicFront"/>
+      <a:lightRig rig="threePt" dir="t"/>
+    </dgm:scene3d>
+    <dgm:sp3d/>
+    <dgm:txPr/>
+    <dgm:style>
+      <a:lnRef idx="2">
+        <a:scrgbClr r="0" g="0" b="0"/>
+      </a:lnRef>
+      <a:fillRef idx="1">
+        <a:scrgbClr r="0" g="0" b="0"/>
+      </a:fillRef>
+      <a:effectRef idx="0">
+        <a:scrgbClr r="0" g="0" b="0"/>
+      </a:effectRef>
+      <a:fontRef idx="minor">
+        <a:schemeClr val="lt1"/>
+      </a:fontRef>
+    </dgm:style>
+  </dgm:styleLbl>
+  <dgm:styleLbl name="node1">
+    <dgm:scene3d>
+      <a:camera prst="orthographicFront"/>
+      <a:lightRig rig="threePt" dir="t"/>
+    </dgm:scene3d>
+    <dgm:sp3d/>
+    <dgm:txPr/>
+    <dgm:style>
+      <a:lnRef idx="2">
+        <a:scrgbClr r="0" g="0" b="0"/>
+      </a:lnRef>
+      <a:fillRef idx="1">
+        <a:scrgbClr r="0" g="0" b="0"/>
+      </a:fillRef>
+      <a:effectRef idx="0">
+        <a:scrgbClr r="0" g="0" b="0"/>
+      </a:effectRef>
+      <a:fontRef idx="minor">
+        <a:schemeClr val="lt1"/>
+      </a:fontRef>
+    </dgm:style>
+  </dgm:styleLbl>
+  <dgm:styleLbl name="node2">
+    <dgm:scene3d>
+      <a:camera prst="orthographicFront"/>
+      <a:lightRig rig="threePt" dir="t"/>
+    </dgm:scene3d>
+    <dgm:sp3d/>
+    <dgm:txPr/>
+    <dgm:style>
+      <a:lnRef idx="2">
+        <a:scrgbClr r="0" g="0" b="0"/>
+      </a:lnRef>
+      <a:fillRef idx="1">
+        <a:scrgbClr r="0" g="0" b="0"/>
+      </a:fillRef>
+      <a:effectRef idx="0">
+        <a:scrgbClr r="0" g="0" b="0"/>
+      </a:effectRef>
+      <a:fontRef idx="minor">
+        <a:schemeClr val="lt1"/>
+      </a:fontRef>
+    </dgm:style>
+  </dgm:styleLbl>
+  <dgm:styleLbl name="node3">
+    <dgm:scene3d>
+      <a:camera prst="orthographicFront"/>
+      <a:lightRig rig="threePt" dir="t"/>
+    </dgm:scene3d>
+    <dgm:sp3d/>
+    <dgm:txPr/>
+    <dgm:style>
+      <a:lnRef idx="2">
+        <a:scrgbClr r="0" g="0" b="0"/>
+      </a:lnRef>
+      <a:fillRef idx="1">
+        <a:scrgbClr r="0" g="0" b="0"/>
+      </a:fillRef>
+      <a:effectRef idx="0">
+        <a:scrgbClr r="0" g="0" b="0"/>
+      </a:effectRef>
+      <a:fontRef idx="minor">
+        <a:schemeClr val="lt1"/>
+      </a:fontRef>
+    </dgm:style>
+  </dgm:styleLbl>
+  <dgm:styleLbl name="node4">
+    <dgm:scene3d>
+      <a:camera prst="orthographicFront"/>
+      <a:lightRig rig="threePt" dir="t"/>
+    </dgm:scene3d>
+    <dgm:sp3d/>
+    <dgm:txPr/>
+    <dgm:style>
+      <a:lnRef idx="2">
+        <a:scrgbClr r="0" g="0" b="0"/>
+      </a:lnRef>
+      <a:fillRef idx="1">
+        <a:scrgbClr r="0" g="0" b="0"/>
+      </a:fillRef>
+      <a:effectRef idx="0">
+        <a:scrgbClr r="0" g="0" b="0"/>
+      </a:effectRef>
+      <a:fontRef idx="minor">
+        <a:schemeClr val="lt1"/>
+      </a:fontRef>
+    </dgm:style>
+  </dgm:styleLbl>
+  <dgm:styleLbl name="fgImgPlace1">
+    <dgm:scene3d>
+      <a:camera prst="orthographicFront"/>
+      <a:lightRig rig="threePt" dir="t"/>
+    </dgm:scene3d>
+    <dgm:sp3d/>
+    <dgm:txPr/>
+    <dgm:style>
+      <a:lnRef idx="2">
+        <a:scrgbClr r="0" g="0" b="0"/>
+      </a:lnRef>
+      <a:fillRef idx="1">
+        <a:scrgbClr r="0" g="0" b="0"/>
+      </a:fillRef>
+      <a:effectRef idx="0">
+        <a:scrgbClr r="0" g="0" b="0"/>
+      </a:effectRef>
+      <a:fontRef idx="minor"/>
+    </dgm:style>
+  </dgm:styleLbl>
+  <dgm:styleLbl name="alignImgPlace1">
+    <dgm:scene3d>
+      <a:camera prst="orthographicFront"/>
+      <a:lightRig rig="threePt" dir="t"/>
+    </dgm:scene3d>
+    <dgm:sp3d/>
+    <dgm:txPr/>
+    <dgm:style>
+      <a:lnRef idx="2">
+        <a:scrgbClr r="0" g="0" b="0"/>
+      </a:lnRef>
+      <a:fillRef idx="1">
+        <a:scrgbClr r="0" g="0" b="0"/>
+      </a:fillRef>
+      <a:effectRef idx="0">
+        <a:scrgbClr r="0" g="0" b="0"/>
+      </a:effectRef>
+      <a:fontRef idx="minor"/>
+    </dgm:style>
+  </dgm:styleLbl>
+  <dgm:styleLbl name="bgImgPlace1">
+    <dgm:scene3d>
+      <a:camera prst="orthographicFront"/>
+      <a:lightRig rig="threePt" dir="t"/>
+    </dgm:scene3d>
+    <dgm:sp3d/>
+    <dgm:txPr/>
+    <dgm:style>
+      <a:lnRef idx="2">
+        <a:scrgbClr r="0" g="0" b="0"/>
+      </a:lnRef>
+      <a:fillRef idx="1">
+        <a:scrgbClr r="0" g="0" b="0"/>
+      </a:fillRef>
+      <a:effectRef idx="0">
+        <a:scrgbClr r="0" g="0" b="0"/>
+      </a:effectRef>
+      <a:fontRef idx="minor"/>
+    </dgm:style>
+  </dgm:styleLbl>
+  <dgm:styleLbl name="sibTrans2D1">
+    <dgm:scene3d>
+      <a:camera prst="orthographicFront"/>
+      <a:lightRig rig="threePt" dir="t"/>
+    </dgm:scene3d>
+    <dgm:sp3d/>
+    <dgm:txPr/>
+    <dgm:style>
+      <a:lnRef idx="0">
+        <a:scrgbClr r="0" g="0" b="0"/>
+      </a:lnRef>
+      <a:fillRef idx="1">
+        <a:scrgbClr r="0" g="0" b="0"/>
+      </a:fillRef>
+      <a:effectRef idx="0">
+        <a:scrgbClr r="0" g="0" b="0"/>
+      </a:effectRef>
+      <a:fontRef idx="minor">
+        <a:schemeClr val="lt1"/>
+      </a:fontRef>
+    </dgm:style>
+  </dgm:styleLbl>
+  <dgm:styleLbl name="fgSibTrans2D1">
+    <dgm:scene3d>
+      <a:camera prst="orthographicFront"/>
+      <a:lightRig rig="threePt" dir="t"/>
+    </dgm:scene3d>
+    <dgm:sp3d/>
+    <dgm:txPr/>
+    <dgm:style>
+      <a:lnRef idx="0">
+        <a:scrgbClr r="0" g="0" b="0"/>
+      </a:lnRef>
+      <a:fillRef idx="1">
+        <a:scrgbClr r="0" g="0" b="0"/>
+      </a:fillRef>
+      <a:effectRef idx="0">
+        <a:scrgbClr r="0" g="0" b="0"/>
+      </a:effectRef>
+      <a:fontRef idx="minor">
+        <a:schemeClr val="lt1"/>
+      </a:fontRef>
+    </dgm:style>
+  </dgm:styleLbl>
+  <dgm:styleLbl name="bgSibTrans2D1">
+    <dgm:scene3d>
+      <a:camera prst="orthographicFront"/>
+      <a:lightRig rig="threePt" dir="t"/>
+    </dgm:scene3d>
+    <dgm:sp3d/>
+    <dgm:txPr/>
+    <dgm:style>
+      <a:lnRef idx="0">
+        <a:scrgbClr r="0" g="0" b="0"/>
+      </a:lnRef>
+      <a:fillRef idx="1">
+        <a:scrgbClr r="0" g="0" b="0"/>
+      </a:fillRef>
+      <a:effectRef idx="0">
+        <a:scrgbClr r="0" g="0" b="0"/>
+      </a:effectRef>
+      <a:fontRef idx="minor">
+        <a:schemeClr val="lt1"/>
+      </a:fontRef>
+    </dgm:style>
+  </dgm:styleLbl>
+  <dgm:styleLbl name="sibTrans1D1">
+    <dgm:scene3d>
+      <a:camera prst="orthographicFront"/>
+      <a:lightRig rig="threePt" dir="t"/>
+    </dgm:scene3d>
+    <dgm:sp3d/>
+    <dgm:txPr/>
+    <dgm:style>
+      <a:lnRef idx="1">
+        <a:scrgbClr r="0" g="0" b="0"/>
+      </a:lnRef>
+      <a:fillRef idx="0">
+        <a:scrgbClr r="0" g="0" b="0"/>
+      </a:fillRef>
+      <a:effectRef idx="0">
+        <a:scrgbClr r="0" g="0" b="0"/>
+      </a:effectRef>
+      <a:fontRef idx="minor"/>
+    </dgm:style>
+  </dgm:styleLbl>
+  <dgm:styleLbl name="callout">
+    <dgm:scene3d>
+      <a:camera prst="orthographicFront"/>
+      <a:lightRig rig="threePt" dir="t"/>
+    </dgm:scene3d>
+    <dgm:sp3d/>
+    <dgm:txPr/>
+    <dgm:style>
+      <a:lnRef idx="2">
+        <a:scrgbClr r="0" g="0" b="0"/>
+      </a:lnRef>
+      <a:fillRef idx="1">
+        <a:scrgbClr r="0" g="0" b="0"/>
+      </a:fillRef>
+      <a:effectRef idx="0">
+        <a:scrgbClr r="0" g="0" b="0"/>
+      </a:effectRef>
+      <a:fontRef idx="minor"/>
+    </dgm:style>
+  </dgm:styleLbl>
+  <dgm:styleLbl name="asst0">
+    <dgm:scene3d>
+      <a:camera prst="orthographicFront"/>
+      <a:lightRig rig="threePt" dir="t"/>
+    </dgm:scene3d>
+    <dgm:sp3d/>
+    <dgm:txPr/>
+    <dgm:style>
+      <a:lnRef idx="2">
+        <a:scrgbClr r="0" g="0" b="0"/>
+      </a:lnRef>
+      <a:fillRef idx="1">
+        <a:scrgbClr r="0" g="0" b="0"/>
+      </a:fillRef>
+      <a:effectRef idx="0">
+        <a:scrgbClr r="0" g="0" b="0"/>
+      </a:effectRef>
+      <a:fontRef idx="minor">
+        <a:schemeClr val="lt1"/>
+      </a:fontRef>
+    </dgm:style>
+  </dgm:styleLbl>
+  <dgm:styleLbl name="asst1">
+    <dgm:scene3d>
+      <a:camera prst="orthographicFront"/>
+      <a:lightRig rig="threePt" dir="t"/>
+    </dgm:scene3d>
+    <dgm:sp3d/>
+    <dgm:txPr/>
+    <dgm:style>
+      <a:lnRef idx="2">
+        <a:scrgbClr r="0" g="0" b="0"/>
+      </a:lnRef>
+      <a:fillRef idx="1">
+        <a:scrgbClr r="0" g="0" b="0"/>
+      </a:fillRef>
+      <a:effectRef idx="0">
+        <a:scrgbClr r="0" g="0" b="0"/>
+      </a:effectRef>
+      <a:fontRef idx="minor">
+        <a:schemeClr val="lt1"/>
+      </a:fontRef>
+    </dgm:style>
+  </dgm:styleLbl>
+  <dgm:styleLbl name="asst2">
+    <dgm:scene3d>
+      <a:camera prst="orthographicFront"/>
+      <a:lightRig rig="threePt" dir="t"/>
+    </dgm:scene3d>
+    <dgm:sp3d/>
+    <dgm:txPr/>
+    <dgm:style>
+      <a:lnRef idx="2">
+        <a:scrgbClr r="0" g="0" b="0"/>
+      </a:lnRef>
+      <a:fillRef idx="1">
+        <a:scrgbClr r="0" g="0" b="0"/>
+      </a:fillRef>
+      <a:effectRef idx="0">
+        <a:scrgbClr r="0" g="0" b="0"/>
+      </a:effectRef>
+      <a:fontRef idx="minor">
+        <a:schemeClr val="lt1"/>
+      </a:fontRef>
+    </dgm:style>
+  </dgm:styleLbl>
+  <dgm:styleLbl name="asst3">
+    <dgm:scene3d>
+      <a:camera prst="orthographicFront"/>
+      <a:lightRig rig="threePt" dir="t"/>
+    </dgm:scene3d>
+    <dgm:sp3d/>
+    <dgm:txPr/>
+    <dgm:style>
+      <a:lnRef idx="2">
+        <a:scrgbClr r="0" g="0" b="0"/>
+      </a:lnRef>
+      <a:fillRef idx="1">
+        <a:scrgbClr r="0" g="0" b="0"/>
+      </a:fillRef>
+      <a:effectRef idx="0">
+        <a:scrgbClr r="0" g="0" b="0"/>
+      </a:effectRef>
+      <a:fontRef idx="minor">
+        <a:schemeClr val="lt1"/>
+      </a:fontRef>
+    </dgm:style>
+  </dgm:styleLbl>
+  <dgm:styleLbl name="asst4">
+    <dgm:scene3d>
+      <a:camera prst="orthographicFront"/>
+      <a:lightRig rig="threePt" dir="t"/>
+    </dgm:scene3d>
+    <dgm:sp3d/>
+    <dgm:txPr/>
+    <dgm:style>
+      <a:lnRef idx="2">
+        <a:scrgbClr r="0" g="0" b="0"/>
+      </a:lnRef>
+      <a:fillRef idx="1">
+        <a:scrgbClr r="0" g="0" b="0"/>
+      </a:fillRef>
+      <a:effectRef idx="0">
+        <a:scrgbClr r="0" g="0" b="0"/>
+      </a:effectRef>
+      <a:fontRef idx="minor">
+        <a:schemeClr val="lt1"/>
+      </a:fontRef>
+    </dgm:style>
+  </dgm:styleLbl>
+  <dgm:styleLbl name="parChTrans2D1">
+    <dgm:scene3d>
+      <a:camera prst="orthographicFront"/>
+      <a:lightRig rig="threePt" dir="t"/>
+    </dgm:scene3d>
+    <dgm:sp3d/>
+    <dgm:txPr/>
+    <dgm:style>
+      <a:lnRef idx="2">
+        <a:scrgbClr r="0" g="0" b="0"/>
+      </a:lnRef>
+      <a:fillRef idx="1">
+        <a:scrgbClr r="0" g="0" b="0"/>
+      </a:fillRef>
+      <a:effectRef idx="0">
+        <a:scrgbClr r="0" g="0" b="0"/>
+      </a:effectRef>
+      <a:fontRef idx="minor">
+        <a:schemeClr val="lt1"/>
+      </a:fontRef>
+    </dgm:style>
+  </dgm:styleLbl>
+  <dgm:styleLbl name="parChTrans2D2">
+    <dgm:scene3d>
+      <a:camera prst="orthographicFront"/>
+      <a:lightRig rig="threePt" dir="t"/>
+    </dgm:scene3d>
+    <dgm:sp3d/>
+    <dgm:txPr/>
+    <dgm:style>
+      <a:lnRef idx="2">
+        <a:scrgbClr r="0" g="0" b="0"/>
+      </a:lnRef>
+      <a:fillRef idx="1">
+        <a:scrgbClr r="0" g="0" b="0"/>
+      </a:fillRef>
+      <a:effectRef idx="0">
+        <a:scrgbClr r="0" g="0" b="0"/>
+      </a:effectRef>
+      <a:fontRef idx="minor">
+        <a:schemeClr val="lt1"/>
+      </a:fontRef>
+    </dgm:style>
+  </dgm:styleLbl>
+  <dgm:styleLbl name="parChTrans2D3">
+    <dgm:scene3d>
+      <a:camera prst="orthographicFront"/>
+      <a:lightRig rig="threePt" dir="t"/>
+    </dgm:scene3d>
+    <dgm:sp3d/>
+    <dgm:txPr/>
+    <dgm:style>
+      <a:lnRef idx="2">
+        <a:scrgbClr r="0" g="0" b="0"/>
+      </a:lnRef>
+      <a:fillRef idx="1">
+        <a:scrgbClr r="0" g="0" b="0"/>
+      </a:fillRef>
+      <a:effectRef idx="0">
+        <a:scrgbClr r="0" g="0" b="0"/>
+      </a:effectRef>
+      <a:fontRef idx="minor">
+        <a:schemeClr val="lt1"/>
+      </a:fontRef>
+    </dgm:style>
+  </dgm:styleLbl>
+  <dgm:styleLbl name="parChTrans2D4">
+    <dgm:scene3d>
+      <a:camera prst="orthographicFront"/>
+      <a:lightRig rig="threePt" dir="t"/>
+    </dgm:scene3d>
+    <dgm:sp3d/>
+    <dgm:txPr/>
+    <dgm:style>
+      <a:lnRef idx="2">
+        <a:scrgbClr r="0" g="0" b="0"/>
+      </a:lnRef>
+      <a:fillRef idx="1">
+        <a:scrgbClr r="0" g="0" b="0"/>
+      </a:fillRef>
+      <a:effectRef idx="0">
+        <a:scrgbClr r="0" g="0" b="0"/>
+      </a:effectRef>
+      <a:fontRef idx="minor">
+        <a:schemeClr val="lt1"/>
+      </a:fontRef>
+    </dgm:style>
+  </dgm:styleLbl>
+  <dgm:styleLbl name="parChTrans1D1">
+    <dgm:scene3d>
+      <a:camera prst="orthographicFront"/>
+      <a:lightRig rig="threePt" dir="t"/>
+    </dgm:scene3d>
+    <dgm:sp3d/>
+    <dgm:txPr/>
+    <dgm:style>
+      <a:lnRef idx="2">
+        <a:scrgbClr r="0" g="0" b="0"/>
+      </a:lnRef>
+      <a:fillRef idx="0">
+        <a:scrgbClr r="0" g="0" b="0"/>
+      </a:fillRef>
+      <a:effectRef idx="0">
+        <a:scrgbClr r="0" g="0" b="0"/>
+      </a:effectRef>
+      <a:fontRef idx="minor"/>
+    </dgm:style>
+  </dgm:styleLbl>
+  <dgm:styleLbl name="parChTrans1D2">
+    <dgm:scene3d>
+      <a:camera prst="orthographicFront"/>
+      <a:lightRig rig="threePt" dir="t"/>
+    </dgm:scene3d>
+    <dgm:sp3d/>
+    <dgm:txPr/>
+    <dgm:style>
+      <a:lnRef idx="2">
+        <a:scrgbClr r="0" g="0" b="0"/>
+      </a:lnRef>
+      <a:fillRef idx="0">
+        <a:scrgbClr r="0" g="0" b="0"/>
+      </a:fillRef>
+      <a:effectRef idx="0">
+        <a:scrgbClr r="0" g="0" b="0"/>
+      </a:effectRef>
+      <a:fontRef idx="minor"/>
+    </dgm:style>
+  </dgm:styleLbl>
+  <dgm:styleLbl name="parChTrans1D3">
+    <dgm:scene3d>
+      <a:camera prst="orthographicFront"/>
+      <a:lightRig rig="threePt" dir="t"/>
+    </dgm:scene3d>
+    <dgm:sp3d/>
+    <dgm:txPr/>
+    <dgm:style>
+      <a:lnRef idx="2">
+        <a:scrgbClr r="0" g="0" b="0"/>
+      </a:lnRef>
+      <a:fillRef idx="0">
+        <a:scrgbClr r="0" g="0" b="0"/>
+      </a:fillRef>
+      <a:effectRef idx="0">
+        <a:scrgbClr r="0" g="0" b="0"/>
+      </a:effectRef>
+      <a:fontRef idx="minor"/>
+    </dgm:style>
+  </dgm:styleLbl>
+  <dgm:styleLbl name="parChTrans1D4">
+    <dgm:scene3d>
+      <a:camera prst="orthographicFront"/>
+      <a:lightRig rig="threePt" dir="t"/>
+    </dgm:scene3d>
+    <dgm:sp3d/>
+    <dgm:txPr/>
+    <dgm:style>
+      <a:lnRef idx="2">
+        <a:scrgbClr r="0" g="0" b="0"/>
+      </a:lnRef>
+      <a:fillRef idx="0">
+        <a:scrgbClr r="0" g="0" b="0"/>
+      </a:fillRef>
+      <a:effectRef idx="0">
+        <a:scrgbClr r="0" g="0" b="0"/>
+      </a:effectRef>
+      <a:fontRef idx="minor"/>
+    </dgm:style>
+  </dgm:styleLbl>
+  <dgm:styleLbl name="fgAcc1">
+    <dgm:scene3d>
+      <a:camera prst="orthographicFront"/>
+      <a:lightRig rig="threePt" dir="t"/>
+    </dgm:scene3d>
+    <dgm:sp3d/>
+    <dgm:txPr/>
+    <dgm:style>
+      <a:lnRef idx="2">
+        <a:scrgbClr r="0" g="0" b="0"/>
+      </a:lnRef>
+      <a:fillRef idx="1">
+        <a:scrgbClr r="0" g="0" b="0"/>
+      </a:fillRef>
+      <a:effectRef idx="0">
+        <a:scrgbClr r="0" g="0" b="0"/>
+      </a:effectRef>
+      <a:fontRef idx="minor"/>
+    </dgm:style>
+  </dgm:styleLbl>
+  <dgm:styleLbl name="conFgAcc1">
+    <dgm:scene3d>
+      <a:camera prst="orthographicFront"/>
+      <a:lightRig rig="threePt" dir="t"/>
+    </dgm:scene3d>
+    <dgm:sp3d/>
+    <dgm:txPr/>
+    <dgm:style>
+      <a:lnRef idx="2">
+        <a:scrgbClr r="0" g="0" b="0"/>
+      </a:lnRef>
+      <a:fillRef idx="1">
+        <a:scrgbClr r="0" g="0" b="0"/>
+      </a:fillRef>
+      <a:effectRef idx="0">
+        <a:scrgbClr r="0" g="0" b="0"/>
+      </a:effectRef>
+      <a:fontRef idx="minor"/>
+    </dgm:style>
+  </dgm:styleLbl>
+  <dgm:styleLbl name="alignAcc1">
+    <dgm:scene3d>
+      <a:camera prst="orthographicFront"/>
+      <a:lightRig rig="threePt" dir="t"/>
+    </dgm:scene3d>
+    <dgm:sp3d/>
+    <dgm:txPr/>
+    <dgm:style>
+      <a:lnRef idx="2">
+        <a:scrgbClr r="0" g="0" b="0"/>
+      </a:lnRef>
+      <a:fillRef idx="1">
+        <a:scrgbClr r="0" g="0" b="0"/>
+      </a:fillRef>
+      <a:effectRef idx="0">
+        <a:scrgbClr r="0" g="0" b="0"/>
+      </a:effectRef>
+      <a:fontRef idx="minor"/>
+    </dgm:style>
+  </dgm:styleLbl>
+  <dgm:styleLbl name="trAlignAcc1">
+    <dgm:scene3d>
+      <a:camera prst="orthographicFront"/>
+      <a:lightRig rig="threePt" dir="t"/>
+    </dgm:scene3d>
+    <dgm:sp3d/>
+    <dgm:txPr/>
+    <dgm:style>
+      <a:lnRef idx="1">
+        <a:scrgbClr r="0" g="0" b="0"/>
+      </a:lnRef>
+      <a:fillRef idx="1">
+        <a:scrgbClr r="0" g="0" b="0"/>
+      </a:fillRef>
+      <a:effectRef idx="0">
+        <a:scrgbClr r="0" g="0" b="0"/>
+      </a:effectRef>
+      <a:fontRef idx="minor"/>
+    </dgm:style>
+  </dgm:styleLbl>
+  <dgm:styleLbl name="bgAcc1">
+    <dgm:scene3d>
+      <a:camera prst="orthographicFront"/>
+      <a:lightRig rig="threePt" dir="t"/>
+    </dgm:scene3d>
+    <dgm:sp3d/>
+    <dgm:txPr/>
+    <dgm:style>
+      <a:lnRef idx="2">
+        <a:scrgbClr r="0" g="0" b="0"/>
+      </a:lnRef>
+      <a:fillRef idx="1">
+        <a:scrgbClr r="0" g="0" b="0"/>
+      </a:fillRef>
+      <a:effectRef idx="0">
+        <a:scrgbClr r="0" g="0" b="0"/>
+      </a:effectRef>
+      <a:fontRef idx="minor"/>
+    </dgm:style>
+  </dgm:styleLbl>
+  <dgm:styleLbl name="solidFgAcc1">
+    <dgm:scene3d>
+      <a:camera prst="orthographicFront"/>
+      <a:lightRig rig="threePt" dir="t"/>
+    </dgm:scene3d>
+    <dgm:sp3d/>
+    <dgm:txPr/>
+    <dgm:style>
+      <a:lnRef idx="2">
+        <a:scrgbClr r="0" g="0" b="0"/>
+      </a:lnRef>
+      <a:fillRef idx="1">
+        <a:scrgbClr r="0" g="0" b="0"/>
+      </a:fillRef>
+      <a:effectRef idx="0">
+        <a:scrgbClr r="0" g="0" b="0"/>
+      </a:effectRef>
+      <a:fontRef idx="minor"/>
+    </dgm:style>
+  </dgm:styleLbl>
+  <dgm:styleLbl name="solidAlignAcc1">
+    <dgm:scene3d>
+      <a:camera prst="orthographicFront"/>
+      <a:lightRig rig="threePt" dir="t"/>
+    </dgm:scene3d>
+    <dgm:sp3d/>
+    <dgm:txPr/>
+    <dgm:style>
+      <a:lnRef idx="2">
+        <a:scrgbClr r="0" g="0" b="0"/>
+      </a:lnRef>
+      <a:fillRef idx="1">
+        <a:scrgbClr r="0" g="0" b="0"/>
+      </a:fillRef>
+      <a:effectRef idx="0">
+        <a:scrgbClr r="0" g="0" b="0"/>
+      </a:effectRef>
+      <a:fontRef idx="minor"/>
+    </dgm:style>
+  </dgm:styleLbl>
+  <dgm:styleLbl name="solidBgAcc1">
+    <dgm:scene3d>
+      <a:camera prst="orthographicFront"/>
+      <a:lightRig rig="threePt" dir="t"/>
+    </dgm:scene3d>
+    <dgm:sp3d/>
+    <dgm:txPr/>
+    <dgm:style>
+      <a:lnRef idx="2">
+        <a:scrgbClr r="0" g="0" b="0"/>
+      </a:lnRef>
+      <a:fillRef idx="1">
+        <a:scrgbClr r="0" g="0" b="0"/>
+      </a:fillRef>
+      <a:effectRef idx="0">
+        <a:scrgbClr r="0" g="0" b="0"/>
+      </a:effectRef>
+      <a:fontRef idx="minor"/>
+    </dgm:style>
+  </dgm:styleLbl>
+  <dgm:styleLbl name="fgAccFollowNode1">
+    <dgm:scene3d>
+      <a:camera prst="orthographicFront"/>
+      <a:lightRig rig="threePt" dir="t"/>
+    </dgm:scene3d>
+    <dgm:sp3d/>
+    <dgm:txPr/>
+    <dgm:style>
+      <a:lnRef idx="2">
+        <a:scrgbClr r="0" g="0" b="0"/>
+      </a:lnRef>
+      <a:fillRef idx="1">
+        <a:scrgbClr r="0" g="0" b="0"/>
+      </a:fillRef>
+      <a:effectRef idx="0">
+        <a:scrgbClr r="0" g="0" b="0"/>
+      </a:effectRef>
+      <a:fontRef idx="minor"/>
+    </dgm:style>
+  </dgm:styleLbl>
+  <dgm:styleLbl name="alignAccFollowNode1">
+    <dgm:scene3d>
+      <a:camera prst="orthographicFront"/>
+      <a:lightRig rig="threePt" dir="t"/>
+    </dgm:scene3d>
+    <dgm:sp3d/>
+    <dgm:txPr/>
+    <dgm:style>
+      <a:lnRef idx="2">
+        <a:scrgbClr r="0" g="0" b="0"/>
+      </a:lnRef>
+      <a:fillRef idx="1">
+        <a:scrgbClr r="0" g="0" b="0"/>
+      </a:fillRef>
+      <a:effectRef idx="0">
+        <a:scrgbClr r="0" g="0" b="0"/>
+      </a:effectRef>
+      <a:fontRef idx="minor"/>
+    </dgm:style>
+  </dgm:styleLbl>
+  <dgm:styleLbl name="bgAccFollowNode1">
+    <dgm:scene3d>
+      <a:camera prst="orthographicFront"/>
+      <a:lightRig rig="threePt" dir="t"/>
+    </dgm:scene3d>
+    <dgm:sp3d/>
+    <dgm:txPr/>
+    <dgm:style>
+      <a:lnRef idx="2">
+        <a:scrgbClr r="0" g="0" b="0"/>
+      </a:lnRef>
+      <a:fillRef idx="1">
+        <a:scrgbClr r="0" g="0" b="0"/>
+      </a:fillRef>
+      <a:effectRef idx="0">
+        <a:scrgbClr r="0" g="0" b="0"/>
+      </a:effectRef>
+      <a:fontRef idx="minor"/>
+    </dgm:style>
+  </dgm:styleLbl>
+  <dgm:styleLbl name="fgAcc0">
+    <dgm:scene3d>
+      <a:camera prst="orthographicFront"/>
+      <a:lightRig rig="threePt" dir="t"/>
+    </dgm:scene3d>
+    <dgm:sp3d/>
+    <dgm:txPr/>
+    <dgm:style>
+      <a:lnRef idx="2">
+        <a:scrgbClr r="0" g="0" b="0"/>
+      </a:lnRef>
+      <a:fillRef idx="1">
+        <a:scrgbClr r="0" g="0" b="0"/>
+      </a:fillRef>
+      <a:effectRef idx="0">
+        <a:scrgbClr r="0" g="0" b="0"/>
+      </a:effectRef>
+      <a:fontRef idx="minor"/>
+    </dgm:style>
+  </dgm:styleLbl>
+  <dgm:styleLbl name="fgAcc2">
+    <dgm:scene3d>
+      <a:camera prst="orthographicFront"/>
+      <a:lightRig rig="threePt" dir="t"/>
+    </dgm:scene3d>
+    <dgm:sp3d/>
+    <dgm:txPr/>
+    <dgm:style>
+      <a:lnRef idx="2">
+        <a:scrgbClr r="0" g="0" b="0"/>
+      </a:lnRef>
+      <a:fillRef idx="1">
+        <a:scrgbClr r="0" g="0" b="0"/>
+      </a:fillRef>
+      <a:effectRef idx="0">
+        <a:scrgbClr r="0" g="0" b="0"/>
+      </a:effectRef>
+      <a:fontRef idx="minor"/>
+    </dgm:style>
+  </dgm:styleLbl>
+  <dgm:styleLbl name="fgAcc3">
+    <dgm:scene3d>
+      <a:camera prst="orthographicFront"/>
+      <a:lightRig rig="threePt" dir="t"/>
+    </dgm:scene3d>
+    <dgm:sp3d/>
+    <dgm:txPr/>
+    <dgm:style>
+      <a:lnRef idx="2">
+        <a:scrgbClr r="0" g="0" b="0"/>
+      </a:lnRef>
+      <a:fillRef idx="1">
+        <a:scrgbClr r="0" g="0" b="0"/>
+      </a:fillRef>
+      <a:effectRef idx="0">
+        <a:scrgbClr r="0" g="0" b="0"/>
+      </a:effectRef>
+      <a:fontRef idx="minor"/>
+    </dgm:style>
+  </dgm:styleLbl>
+  <dgm:styleLbl name="fgAcc4">
+    <dgm:scene3d>
+      <a:camera prst="orthographicFront"/>
+      <a:lightRig rig="threePt" dir="t"/>
+    </dgm:scene3d>
+    <dgm:sp3d/>
+    <dgm:txPr/>
+    <dgm:style>
+      <a:lnRef idx="2">
+        <a:scrgbClr r="0" g="0" b="0"/>
+      </a:lnRef>
+      <a:fillRef idx="1">
+        <a:scrgbClr r="0" g="0" b="0"/>
+      </a:fillRef>
+      <a:effectRef idx="0">
+        <a:scrgbClr r="0" g="0" b="0"/>
+      </a:effectRef>
+      <a:fontRef idx="minor"/>
+    </dgm:style>
+  </dgm:styleLbl>
+  <dgm:styleLbl name="bgShp">
+    <dgm:scene3d>
+      <a:camera prst="orthographicFront"/>
+      <a:lightRig rig="threePt" dir="t"/>
+    </dgm:scene3d>
+    <dgm:sp3d/>
+    <dgm:txPr/>
+    <dgm:style>
+      <a:lnRef idx="0">
+        <a:scrgbClr r="0" g="0" b="0"/>
+      </a:lnRef>
+      <a:fillRef idx="1">
+        <a:scrgbClr r="0" g="0" b="0"/>
+      </a:fillRef>
+      <a:effectRef idx="0">
+        <a:scrgbClr r="0" g="0" b="0"/>
+      </a:effectRef>
+      <a:fontRef idx="minor"/>
+    </dgm:style>
+  </dgm:styleLbl>
+  <dgm:styleLbl name="dkBgShp">
+    <dgm:scene3d>
+      <a:camera prst="orthographicFront"/>
+      <a:lightRig rig="threePt" dir="t"/>
+    </dgm:scene3d>
+    <dgm:sp3d/>
+    <dgm:txPr/>
+    <dgm:style>
+      <a:lnRef idx="0">
+        <a:scrgbClr r="0" g="0" b="0"/>
+      </a:lnRef>
+      <a:fillRef idx="1">
+        <a:scrgbClr r="0" g="0" b="0"/>
+      </a:fillRef>
+      <a:effectRef idx="0">
+        <a:scrgbClr r="0" g="0" b="0"/>
+      </a:effectRef>
+      <a:fontRef idx="minor"/>
+    </dgm:style>
+  </dgm:styleLbl>
+  <dgm:styleLbl name="trBgShp">
+    <dgm:scene3d>
+      <a:camera prst="orthographicFront"/>
+      <a:lightRig rig="threePt" dir="t"/>
+    </dgm:scene3d>
+    <dgm:sp3d/>
+    <dgm:txPr/>
+    <dgm:style>
+      <a:lnRef idx="0">
+        <a:scrgbClr r="0" g="0" b="0"/>
+      </a:lnRef>
+      <a:fillRef idx="1">
+        <a:scrgbClr r="0" g="0" b="0"/>
+      </a:fillRef>
+      <a:effectRef idx="0">
+        <a:scrgbClr r="0" g="0" b="0"/>
+      </a:effectRef>
+      <a:fontRef idx="minor"/>
+    </dgm:style>
+  </dgm:styleLbl>
+  <dgm:styleLbl name="fgShp">
+    <dgm:scene3d>
+      <a:camera prst="orthographicFront"/>
+      <a:lightRig rig="threePt" dir="t"/>
+    </dgm:scene3d>
+    <dgm:sp3d/>
+    <dgm:txPr/>
+    <dgm:style>
+      <a:lnRef idx="2">
+        <a:scrgbClr r="0" g="0" b="0"/>
+      </a:lnRef>
+      <a:fillRef idx="1">
+        <a:scrgbClr r="0" g="0" b="0"/>
+      </a:fillRef>
+      <a:effectRef idx="0">
+        <a:scrgbClr r="0" g="0" b="0"/>
+      </a:effectRef>
+      <a:fontRef idx="minor"/>
+    </dgm:style>
+  </dgm:styleLbl>
+  <dgm:styleLbl name="revTx">
+    <dgm:scene3d>
+      <a:camera prst="orthographicFront"/>
+      <a:lightRig rig="threePt" dir="t"/>
+    </dgm:scene3d>
+    <dgm:sp3d/>
+    <dgm:txPr/>
+    <dgm:style>
+      <a:lnRef idx="0">
+        <a:scrgbClr r="0" g="0" b="0"/>
+      </a:lnRef>
+      <a:fillRef idx="0">
+        <a:scrgbClr r="0" g="0" b="0"/>
+      </a:fillRef>
+      <a:effectRef idx="0">
+        <a:scrgbClr r="0" g="0" b="0"/>
+      </a:effectRef>
+      <a:fontRef idx="minor"/>
+    </dgm:style>
+  </dgm:styleLbl>
+</dgm:styleDef>
+</file>
+
+<file path=ppt/diagrams/quickStyle3.xml><?xml version="1.0" encoding="utf-8"?>
 <dgm:styleDef xmlns:dgm="http://schemas.openxmlformats.org/drawingml/2006/diagram" xmlns:a="http://schemas.openxmlformats.org/drawingml/2006/main" uniqueId="urn:microsoft.com/office/officeart/2005/8/quickstyle/simple1">
   <dgm:title val=""/>
   <dgm:desc val=""/>
@@ -7307,7 +13137,7 @@
         </p:spPr>
         <p:txBody>
           <a:bodyPr>
-            <a:normAutofit/>
+            <a:normAutofit fontScale="77500" lnSpcReduction="20000"/>
           </a:bodyPr>
           <a:lstStyle/>
           <a:p>
@@ -7318,7 +13148,7 @@
                   <a:srgbClr val="FFFFFF"/>
                 </a:solidFill>
               </a:rPr>
-              <a:t> </a:t>
+              <a:t> - </a:t>
             </a:r>
             <a:r>
               <a:rPr lang="en-US" dirty="0" err="1">
@@ -7335,6 +13165,33 @@
                 </a:solidFill>
               </a:rPr>
               <a:t> Nikunj</a:t>
+            </a:r>
+          </a:p>
+          <a:p>
+            <a:pPr algn="r"/>
+            <a:r>
+              <a:rPr lang="en-US" dirty="0">
+                <a:solidFill>
+                  <a:srgbClr val="FFFFFF"/>
+                </a:solidFill>
+              </a:rPr>
+              <a:t>Sr. Member Tech Staff at </a:t>
+            </a:r>
+            <a:r>
+              <a:rPr lang="en-US" dirty="0" err="1">
+                <a:solidFill>
+                  <a:srgbClr val="FFFFFF"/>
+                </a:solidFill>
+              </a:rPr>
+              <a:t>Vmware</a:t>
+            </a:r>
+            <a:r>
+              <a:rPr lang="en-US" dirty="0">
+                <a:solidFill>
+                  <a:srgbClr val="FFFFFF"/>
+                </a:solidFill>
+              </a:rPr>
+              <a:t> Cloud Services BU(R&amp;D) </a:t>
             </a:r>
           </a:p>
         </p:txBody>
@@ -7355,6 +13212,14 @@
 <file path=ppt/slides/slide2.xml><?xml version="1.0" encoding="utf-8"?>
 <p:sld xmlns:a="http://schemas.openxmlformats.org/drawingml/2006/main" xmlns:r="http://schemas.openxmlformats.org/officeDocument/2006/relationships" xmlns:p="http://schemas.openxmlformats.org/presentationml/2006/main">
   <p:cSld>
+    <p:bg>
+      <p:bgPr>
+        <a:solidFill>
+          <a:schemeClr val="bg1"/>
+        </a:solidFill>
+        <a:effectLst/>
+      </p:bgPr>
+    </p:bg>
     <p:spTree>
       <p:nvGrpSpPr>
         <p:cNvPr id="1" name=""/>
@@ -7371,6 +13236,136 @@
       </p:grpSpPr>
       <p:sp>
         <p:nvSpPr>
+          <p:cNvPr id="11" name="Rectangle 10">
+            <a:extLst>
+              <a:ext uri="{FF2B5EF4-FFF2-40B4-BE49-F238E27FC236}">
+                <a16:creationId xmlns:a16="http://schemas.microsoft.com/office/drawing/2014/main" id="{4351DFE5-F63D-4BE0-BDA9-E3EB88F01AA5}"/>
+              </a:ext>
+              <a:ext uri="{C183D7F6-B498-43B3-948B-1728B52AA6E4}">
+                <adec:decorative xmlns:adec="http://schemas.microsoft.com/office/drawing/2017/decorative" val="1"/>
+              </a:ext>
+            </a:extLst>
+          </p:cNvPr>
+          <p:cNvSpPr>
+            <a:spLocks noGrp="1" noRot="1" noChangeAspect="1" noMove="1" noResize="1" noEditPoints="1" noAdjustHandles="1" noChangeArrowheads="1" noChangeShapeType="1" noTextEdit="1"/>
+          </p:cNvSpPr>
+          <p:nvPr>
+            <p:extLst>
+              <p:ext uri="{386F3935-93C4-4BCD-93E2-E3B085C9AB24}">
+                <p16:designElem xmlns:p16="http://schemas.microsoft.com/office/powerpoint/2015/main" val="1"/>
+              </p:ext>
+            </p:extLst>
+          </p:nvPr>
+        </p:nvSpPr>
+        <p:spPr>
+          <a:xfrm>
+            <a:off x="355601" y="0"/>
+            <a:ext cx="11480494" cy="2753936"/>
+          </a:xfrm>
+          <a:prstGeom prst="rect">
+            <a:avLst/>
+          </a:prstGeom>
+          <a:gradFill>
+            <a:gsLst>
+              <a:gs pos="0">
+                <a:schemeClr val="accent1">
+                  <a:lumMod val="90000"/>
+                </a:schemeClr>
+              </a:gs>
+              <a:gs pos="25000">
+                <a:schemeClr val="accent1">
+                  <a:lumMod val="90000"/>
+                </a:schemeClr>
+              </a:gs>
+              <a:gs pos="94000">
+                <a:schemeClr val="bg2">
+                  <a:lumMod val="25000"/>
+                </a:schemeClr>
+              </a:gs>
+              <a:gs pos="100000">
+                <a:schemeClr val="bg2">
+                  <a:lumMod val="25000"/>
+                </a:schemeClr>
+              </a:gs>
+            </a:gsLst>
+            <a:lin ang="4200000" scaled="0"/>
+          </a:gradFill>
+          <a:ln>
+            <a:noFill/>
+          </a:ln>
+        </p:spPr>
+        <p:style>
+          <a:lnRef idx="2">
+            <a:schemeClr val="accent1">
+              <a:shade val="50000"/>
+            </a:schemeClr>
+          </a:lnRef>
+          <a:fillRef idx="1">
+            <a:schemeClr val="accent1"/>
+          </a:fillRef>
+          <a:effectRef idx="0">
+            <a:schemeClr val="accent1"/>
+          </a:effectRef>
+          <a:fontRef idx="minor">
+            <a:schemeClr val="lt1"/>
+          </a:fontRef>
+        </p:style>
+        <p:txBody>
+          <a:bodyPr rtlCol="0" anchor="ctr"/>
+          <a:lstStyle/>
+          <a:p>
+            <a:pPr algn="ctr"/>
+            <a:endParaRPr lang="en-US"/>
+          </a:p>
+        </p:txBody>
+      </p:sp>
+      <p:pic>
+        <p:nvPicPr>
+          <p:cNvPr id="13" name="Picture 12">
+            <a:extLst>
+              <a:ext uri="{FF2B5EF4-FFF2-40B4-BE49-F238E27FC236}">
+                <a16:creationId xmlns:a16="http://schemas.microsoft.com/office/drawing/2014/main" id="{3AA16612-ACD2-4A16-8F2B-4514FD6BF28F}"/>
+              </a:ext>
+              <a:ext uri="{C183D7F6-B498-43B3-948B-1728B52AA6E4}">
+                <adec:decorative xmlns:adec="http://schemas.microsoft.com/office/drawing/2017/decorative" val="1"/>
+              </a:ext>
+            </a:extLst>
+          </p:cNvPr>
+          <p:cNvPicPr>
+            <a:picLocks noGrp="1" noRot="1" noChangeAspect="1" noMove="1" noResize="1" noEditPoints="1" noAdjustHandles="1" noChangeArrowheads="1" noChangeShapeType="1" noCrop="1"/>
+          </p:cNvPicPr>
+          <p:nvPr>
+            <p:extLst>
+              <p:ext uri="{386F3935-93C4-4BCD-93E2-E3B085C9AB24}">
+                <p16:designElem xmlns:p16="http://schemas.microsoft.com/office/powerpoint/2015/main" val="1"/>
+              </p:ext>
+            </p:extLst>
+          </p:nvPr>
+        </p:nvPicPr>
+        <p:blipFill>
+          <a:blip r:embed="rId2">
+            <a:extLst>
+              <a:ext uri="{28A0092B-C50C-407E-A947-70E740481C1C}">
+                <a14:useLocalDpi xmlns:a14="http://schemas.microsoft.com/office/drawing/2010/main" val="0"/>
+              </a:ext>
+            </a:extLst>
+          </a:blip>
+          <a:stretch>
+            <a:fillRect/>
+          </a:stretch>
+        </p:blipFill>
+        <p:spPr>
+          <a:xfrm>
+            <a:off x="0" y="0"/>
+            <a:ext cx="12192000" cy="6858000"/>
+          </a:xfrm>
+          <a:prstGeom prst="rect">
+            <a:avLst/>
+          </a:prstGeom>
+        </p:spPr>
+      </p:pic>
+      <p:sp>
+        <p:nvSpPr>
           <p:cNvPr id="2" name="Title 1">
             <a:extLst>
               <a:ext uri="{FF2B5EF4-FFF2-40B4-BE49-F238E27FC236}">
@@ -7385,13 +13380,25 @@
             <p:ph type="title"/>
           </p:nvPr>
         </p:nvSpPr>
-        <p:spPr/>
+        <p:spPr>
+          <a:xfrm>
+            <a:off x="1179226" y="826680"/>
+            <a:ext cx="9833548" cy="1325563"/>
+          </a:xfrm>
+        </p:spPr>
         <p:txBody>
-          <a:bodyPr/>
+          <a:bodyPr>
+            <a:normAutofit/>
+          </a:bodyPr>
           <a:lstStyle/>
           <a:p>
+            <a:pPr algn="ctr"/>
             <a:r>
-              <a:rPr lang="en-US" dirty="0"/>
+              <a:rPr lang="en-US" sz="4000">
+                <a:solidFill>
+                  <a:srgbClr val="FFFFFF"/>
+                </a:solidFill>
+              </a:rPr>
               <a:t>Agenda</a:t>
             </a:r>
           </a:p>
@@ -7413,43 +13420,84 @@
             <p:ph idx="1"/>
           </p:nvPr>
         </p:nvSpPr>
-        <p:spPr/>
+        <p:spPr>
+          <a:xfrm>
+            <a:off x="1179226" y="3092970"/>
+            <a:ext cx="9833548" cy="2693976"/>
+          </a:xfrm>
+        </p:spPr>
         <p:txBody>
-          <a:bodyPr/>
+          <a:bodyPr>
+            <a:normAutofit/>
+          </a:bodyPr>
           <a:lstStyle/>
           <a:p>
             <a:r>
-              <a:rPr lang="en-US" dirty="0"/>
+              <a:rPr lang="en-US" sz="1900" dirty="0">
+                <a:solidFill>
+                  <a:srgbClr val="000000"/>
+                </a:solidFill>
+              </a:rPr>
               <a:t>What is Cloud native APP</a:t>
             </a:r>
           </a:p>
           <a:p>
             <a:r>
-              <a:rPr lang="en-US" dirty="0"/>
+              <a:rPr lang="en-US" sz="1900" dirty="0">
+                <a:solidFill>
+                  <a:srgbClr val="000000"/>
+                </a:solidFill>
+              </a:rPr>
               <a:t>Does cloud native app works only in public cloud eco system</a:t>
             </a:r>
           </a:p>
           <a:p>
             <a:r>
-              <a:rPr lang="en-US" dirty="0"/>
+              <a:rPr lang="en-US" sz="1900" dirty="0">
+                <a:solidFill>
+                  <a:srgbClr val="000000"/>
+                </a:solidFill>
+              </a:rPr>
               <a:t>Brief glimpse of 12 factor app </a:t>
             </a:r>
           </a:p>
           <a:p>
             <a:r>
-              <a:rPr lang="en-US" dirty="0"/>
+              <a:rPr lang="en-US" sz="1900" dirty="0">
+                <a:solidFill>
+                  <a:srgbClr val="000000"/>
+                </a:solidFill>
+              </a:rPr>
               <a:t>scratching the containers </a:t>
             </a:r>
           </a:p>
           <a:p>
             <a:r>
-              <a:rPr lang="en-US" dirty="0"/>
+              <a:rPr lang="en-US" sz="1900" dirty="0">
+                <a:solidFill>
+                  <a:srgbClr val="000000"/>
+                </a:solidFill>
+              </a:rPr>
               <a:t>Containers deep dive with Docker </a:t>
             </a:r>
           </a:p>
           <a:p>
             <a:r>
-              <a:rPr lang="en-US" dirty="0"/>
+              <a:rPr lang="en-US" sz="1900" dirty="0">
+                <a:solidFill>
+                  <a:srgbClr val="000000"/>
+                </a:solidFill>
+              </a:rPr>
+              <a:t>Disadvantages</a:t>
+            </a:r>
+          </a:p>
+          <a:p>
+            <a:r>
+              <a:rPr lang="en-US" sz="1900" dirty="0">
+                <a:solidFill>
+                  <a:srgbClr val="000000"/>
+                </a:solidFill>
+              </a:rPr>
               <a:t>Questions</a:t>
             </a:r>
           </a:p>
@@ -7471,6 +13519,14 @@
 <file path=ppt/slides/slide3.xml><?xml version="1.0" encoding="utf-8"?>
 <p:sld xmlns:a="http://schemas.openxmlformats.org/drawingml/2006/main" xmlns:r="http://schemas.openxmlformats.org/officeDocument/2006/relationships" xmlns:p="http://schemas.openxmlformats.org/presentationml/2006/main">
   <p:cSld>
+    <p:bg>
+      <p:bgPr>
+        <a:solidFill>
+          <a:srgbClr val="FFFFFF"/>
+        </a:solidFill>
+        <a:effectLst/>
+      </p:bgPr>
+    </p:bg>
     <p:spTree>
       <p:nvGrpSpPr>
         <p:cNvPr id="1" name=""/>
@@ -7487,6 +13543,132 @@
       </p:grpSpPr>
       <p:sp>
         <p:nvSpPr>
+          <p:cNvPr id="9" name="Rectangle 8">
+            <a:extLst>
+              <a:ext uri="{FF2B5EF4-FFF2-40B4-BE49-F238E27FC236}">
+                <a16:creationId xmlns:a16="http://schemas.microsoft.com/office/drawing/2014/main" id="{4351DFE5-F63D-4BE0-BDA9-E3EB88F01AA5}"/>
+              </a:ext>
+              <a:ext uri="{C183D7F6-B498-43B3-948B-1728B52AA6E4}">
+                <adec:decorative xmlns:adec="http://schemas.microsoft.com/office/drawing/2017/decorative" val="1"/>
+              </a:ext>
+            </a:extLst>
+          </p:cNvPr>
+          <p:cNvSpPr>
+            <a:spLocks noGrp="1" noRot="1" noChangeAspect="1" noMove="1" noResize="1" noEditPoints="1" noAdjustHandles="1" noChangeArrowheads="1" noChangeShapeType="1" noTextEdit="1"/>
+          </p:cNvSpPr>
+          <p:nvPr>
+            <p:extLst>
+              <p:ext uri="{386F3935-93C4-4BCD-93E2-E3B085C9AB24}">
+                <p16:designElem xmlns:p16="http://schemas.microsoft.com/office/powerpoint/2015/main" val="1"/>
+              </p:ext>
+            </p:extLst>
+          </p:nvPr>
+        </p:nvSpPr>
+        <p:spPr>
+          <a:xfrm>
+            <a:off x="355601" y="0"/>
+            <a:ext cx="11480494" cy="2753936"/>
+          </a:xfrm>
+          <a:prstGeom prst="rect">
+            <a:avLst/>
+          </a:prstGeom>
+          <a:gradFill>
+            <a:gsLst>
+              <a:gs pos="0">
+                <a:schemeClr val="accent5"/>
+              </a:gs>
+              <a:gs pos="25000">
+                <a:schemeClr val="accent5"/>
+              </a:gs>
+              <a:gs pos="94000">
+                <a:schemeClr val="bg2">
+                  <a:lumMod val="25000"/>
+                </a:schemeClr>
+              </a:gs>
+              <a:gs pos="100000">
+                <a:schemeClr val="bg2">
+                  <a:lumMod val="25000"/>
+                </a:schemeClr>
+              </a:gs>
+            </a:gsLst>
+            <a:lin ang="4200000" scaled="0"/>
+          </a:gradFill>
+          <a:ln>
+            <a:noFill/>
+          </a:ln>
+        </p:spPr>
+        <p:style>
+          <a:lnRef idx="2">
+            <a:schemeClr val="accent1">
+              <a:shade val="50000"/>
+            </a:schemeClr>
+          </a:lnRef>
+          <a:fillRef idx="1">
+            <a:schemeClr val="accent1"/>
+          </a:fillRef>
+          <a:effectRef idx="0">
+            <a:schemeClr val="accent1"/>
+          </a:effectRef>
+          <a:fontRef idx="minor">
+            <a:schemeClr val="lt1"/>
+          </a:fontRef>
+        </p:style>
+        <p:txBody>
+          <a:bodyPr rtlCol="0" anchor="ctr"/>
+          <a:lstStyle/>
+          <a:p>
+            <a:pPr algn="ctr"/>
+            <a:endParaRPr lang="en-US"/>
+          </a:p>
+        </p:txBody>
+      </p:sp>
+      <p:pic>
+        <p:nvPicPr>
+          <p:cNvPr id="11" name="Picture 10">
+            <a:extLst>
+              <a:ext uri="{FF2B5EF4-FFF2-40B4-BE49-F238E27FC236}">
+                <a16:creationId xmlns:a16="http://schemas.microsoft.com/office/drawing/2014/main" id="{02DD2BC0-6F29-4B4F-8D61-2DCF6D2E8E73}"/>
+              </a:ext>
+              <a:ext uri="{C183D7F6-B498-43B3-948B-1728B52AA6E4}">
+                <adec:decorative xmlns:adec="http://schemas.microsoft.com/office/drawing/2017/decorative" val="1"/>
+              </a:ext>
+            </a:extLst>
+          </p:cNvPr>
+          <p:cNvPicPr>
+            <a:picLocks noGrp="1" noRot="1" noChangeAspect="1" noMove="1" noResize="1" noEditPoints="1" noAdjustHandles="1" noChangeArrowheads="1" noChangeShapeType="1" noCrop="1"/>
+          </p:cNvPicPr>
+          <p:nvPr>
+            <p:extLst>
+              <p:ext uri="{386F3935-93C4-4BCD-93E2-E3B085C9AB24}">
+                <p16:designElem xmlns:p16="http://schemas.microsoft.com/office/powerpoint/2015/main" val="1"/>
+              </p:ext>
+            </p:extLst>
+          </p:nvPr>
+        </p:nvPicPr>
+        <p:blipFill>
+          <a:blip r:embed="rId2">
+            <a:extLst>
+              <a:ext uri="{28A0092B-C50C-407E-A947-70E740481C1C}">
+                <a14:useLocalDpi xmlns:a14="http://schemas.microsoft.com/office/drawing/2010/main" val="0"/>
+              </a:ext>
+            </a:extLst>
+          </a:blip>
+          <a:stretch>
+            <a:fillRect/>
+          </a:stretch>
+        </p:blipFill>
+        <p:spPr>
+          <a:xfrm>
+            <a:off x="0" y="0"/>
+            <a:ext cx="12192000" cy="6858000"/>
+          </a:xfrm>
+          <a:prstGeom prst="rect">
+            <a:avLst/>
+          </a:prstGeom>
+        </p:spPr>
+      </p:pic>
+      <p:sp>
+        <p:nvSpPr>
           <p:cNvPr id="2" name="Title 1">
             <a:extLst>
               <a:ext uri="{FF2B5EF4-FFF2-40B4-BE49-F238E27FC236}">
@@ -7501,107 +13683,61 @@
             <p:ph type="title"/>
           </p:nvPr>
         </p:nvSpPr>
-        <p:spPr/>
+        <p:spPr>
+          <a:xfrm>
+            <a:off x="1179226" y="826680"/>
+            <a:ext cx="9833548" cy="1325563"/>
+          </a:xfrm>
+        </p:spPr>
         <p:txBody>
-          <a:bodyPr/>
+          <a:bodyPr>
+            <a:normAutofit/>
+          </a:bodyPr>
           <a:lstStyle/>
           <a:p>
+            <a:pPr algn="ctr"/>
             <a:r>
-              <a:rPr lang="en-US" dirty="0"/>
+              <a:rPr lang="en-US" sz="4000">
+                <a:solidFill>
+                  <a:srgbClr val="FFFFFF"/>
+                </a:solidFill>
+              </a:rPr>
               <a:t>Cloud Native App</a:t>
             </a:r>
           </a:p>
         </p:txBody>
       </p:sp>
-      <p:sp>
-        <p:nvSpPr>
-          <p:cNvPr id="3" name="Content Placeholder 2">
+      <p:graphicFrame>
+        <p:nvGraphicFramePr>
+          <p:cNvPr id="5" name="Content Placeholder 2">
             <a:extLst>
               <a:ext uri="{FF2B5EF4-FFF2-40B4-BE49-F238E27FC236}">
-                <a16:creationId xmlns:a16="http://schemas.microsoft.com/office/drawing/2014/main" id="{0080FEA9-23C3-DC44-B23A-53ED29198E85}"/>
+                <a16:creationId xmlns:a16="http://schemas.microsoft.com/office/drawing/2014/main" id="{6A068AF0-C613-45E2-9F0C-1D388D1054F6}"/>
               </a:ext>
             </a:extLst>
           </p:cNvPr>
-          <p:cNvSpPr>
-            <a:spLocks noGrp="1"/>
-          </p:cNvSpPr>
+          <p:cNvGraphicFramePr>
+            <a:graphicFrameLocks noGrp="1"/>
+          </p:cNvGraphicFramePr>
           <p:nvPr>
             <p:ph idx="1"/>
+            <p:extLst>
+              <p:ext uri="{D42A27DB-BD31-4B8C-83A1-F6EECF244321}">
+                <p14:modId xmlns:p14="http://schemas.microsoft.com/office/powerpoint/2010/main" val="2039319389"/>
+              </p:ext>
+            </p:extLst>
           </p:nvPr>
-        </p:nvSpPr>
-        <p:spPr>
-          <a:xfrm>
-            <a:off x="838200" y="1825625"/>
-            <a:ext cx="10515600" cy="4921164"/>
-          </a:xfrm>
-        </p:spPr>
-        <p:txBody>
-          <a:bodyPr/>
-          <a:lstStyle/>
-          <a:p>
-            <a:pPr marL="0" indent="0">
-              <a:buNone/>
-            </a:pPr>
-            <a:r>
-              <a:rPr lang="en-US" dirty="0"/>
-              <a:t>Modern apps which are designed for scalability in mind.</a:t>
-            </a:r>
-          </a:p>
-          <a:p>
-            <a:r>
-              <a:rPr lang="en-IN" dirty="0"/>
-              <a:t>Packaged as lightweight containers</a:t>
-            </a:r>
-          </a:p>
-          <a:p>
-            <a:r>
-              <a:rPr lang="en-IN" dirty="0"/>
-              <a:t>Designed as loosely coupled microservices</a:t>
-            </a:r>
-          </a:p>
-          <a:p>
-            <a:r>
-              <a:rPr lang="en-IN" dirty="0" err="1"/>
-              <a:t>Centered</a:t>
-            </a:r>
-            <a:r>
-              <a:rPr lang="en-IN" dirty="0"/>
-              <a:t> around APIs for interaction and collaboration</a:t>
-            </a:r>
-          </a:p>
-          <a:p>
-            <a:r>
-              <a:rPr lang="en-IN" dirty="0"/>
-              <a:t>Architected with a clean separation of stateless and stateful services</a:t>
-            </a:r>
-          </a:p>
-          <a:p>
-            <a:r>
-              <a:rPr lang="en-IN" dirty="0"/>
-              <a:t>Isolated from server and operating system dependencies</a:t>
-            </a:r>
-          </a:p>
-          <a:p>
-            <a:r>
-              <a:rPr lang="en-IN" dirty="0"/>
-              <a:t>Deployed on self-service, elastic, cloud infrastructure</a:t>
-            </a:r>
-          </a:p>
-          <a:p>
-            <a:r>
-              <a:rPr lang="en-IN" dirty="0"/>
-              <a:t>Managed through agile DevOps processes(CI/CD) </a:t>
-            </a:r>
-          </a:p>
-          <a:p>
-            <a:r>
-              <a:rPr lang="en-IN" dirty="0"/>
-              <a:t>Defined, policy-driven resource allocation</a:t>
-            </a:r>
-            <a:endParaRPr lang="en-US" dirty="0"/>
-          </a:p>
-        </p:txBody>
-      </p:sp>
+        </p:nvGraphicFramePr>
+        <p:xfrm>
+          <a:off x="1036320" y="2899956"/>
+          <a:ext cx="10119360" cy="3131364"/>
+        </p:xfrm>
+        <a:graphic>
+          <a:graphicData uri="http://schemas.openxmlformats.org/drawingml/2006/diagram">
+            <dgm:relIds xmlns:dgm="http://schemas.openxmlformats.org/drawingml/2006/diagram" xmlns:r="http://schemas.openxmlformats.org/officeDocument/2006/relationships" r:dm="rId3" r:lo="rId4" r:qs="rId5" r:cs="rId6"/>
+          </a:graphicData>
+        </a:graphic>
+      </p:graphicFrame>
     </p:spTree>
     <p:extLst>
       <p:ext uri="{BB962C8B-B14F-4D97-AF65-F5344CB8AC3E}">
@@ -7707,6 +13843,14 @@
 <file path=ppt/slides/slide5.xml><?xml version="1.0" encoding="utf-8"?>
 <p:sld xmlns:a="http://schemas.openxmlformats.org/drawingml/2006/main" xmlns:r="http://schemas.openxmlformats.org/officeDocument/2006/relationships" xmlns:p="http://schemas.openxmlformats.org/presentationml/2006/main">
   <p:cSld>
+    <p:bg>
+      <p:bgPr>
+        <a:solidFill>
+          <a:srgbClr val="FFFFFF"/>
+        </a:solidFill>
+        <a:effectLst/>
+      </p:bgPr>
+    </p:bg>
     <p:spTree>
       <p:nvGrpSpPr>
         <p:cNvPr id="1" name=""/>
@@ -7723,6 +13867,132 @@
       </p:grpSpPr>
       <p:sp>
         <p:nvSpPr>
+          <p:cNvPr id="9" name="Rectangle 8">
+            <a:extLst>
+              <a:ext uri="{FF2B5EF4-FFF2-40B4-BE49-F238E27FC236}">
+                <a16:creationId xmlns:a16="http://schemas.microsoft.com/office/drawing/2014/main" id="{4351DFE5-F63D-4BE0-BDA9-E3EB88F01AA5}"/>
+              </a:ext>
+              <a:ext uri="{C183D7F6-B498-43B3-948B-1728B52AA6E4}">
+                <adec:decorative xmlns:adec="http://schemas.microsoft.com/office/drawing/2017/decorative" val="1"/>
+              </a:ext>
+            </a:extLst>
+          </p:cNvPr>
+          <p:cNvSpPr>
+            <a:spLocks noGrp="1" noRot="1" noChangeAspect="1" noMove="1" noResize="1" noEditPoints="1" noAdjustHandles="1" noChangeArrowheads="1" noChangeShapeType="1" noTextEdit="1"/>
+          </p:cNvSpPr>
+          <p:nvPr>
+            <p:extLst>
+              <p:ext uri="{386F3935-93C4-4BCD-93E2-E3B085C9AB24}">
+                <p16:designElem xmlns:p16="http://schemas.microsoft.com/office/powerpoint/2015/main" val="1"/>
+              </p:ext>
+            </p:extLst>
+          </p:nvPr>
+        </p:nvSpPr>
+        <p:spPr>
+          <a:xfrm>
+            <a:off x="355601" y="0"/>
+            <a:ext cx="11480494" cy="2753936"/>
+          </a:xfrm>
+          <a:prstGeom prst="rect">
+            <a:avLst/>
+          </a:prstGeom>
+          <a:gradFill>
+            <a:gsLst>
+              <a:gs pos="0">
+                <a:schemeClr val="accent5"/>
+              </a:gs>
+              <a:gs pos="25000">
+                <a:schemeClr val="accent5"/>
+              </a:gs>
+              <a:gs pos="94000">
+                <a:schemeClr val="bg2">
+                  <a:lumMod val="25000"/>
+                </a:schemeClr>
+              </a:gs>
+              <a:gs pos="100000">
+                <a:schemeClr val="bg2">
+                  <a:lumMod val="25000"/>
+                </a:schemeClr>
+              </a:gs>
+            </a:gsLst>
+            <a:lin ang="4200000" scaled="0"/>
+          </a:gradFill>
+          <a:ln>
+            <a:noFill/>
+          </a:ln>
+        </p:spPr>
+        <p:style>
+          <a:lnRef idx="2">
+            <a:schemeClr val="accent1">
+              <a:shade val="50000"/>
+            </a:schemeClr>
+          </a:lnRef>
+          <a:fillRef idx="1">
+            <a:schemeClr val="accent1"/>
+          </a:fillRef>
+          <a:effectRef idx="0">
+            <a:schemeClr val="accent1"/>
+          </a:effectRef>
+          <a:fontRef idx="minor">
+            <a:schemeClr val="lt1"/>
+          </a:fontRef>
+        </p:style>
+        <p:txBody>
+          <a:bodyPr rtlCol="0" anchor="ctr"/>
+          <a:lstStyle/>
+          <a:p>
+            <a:pPr algn="ctr"/>
+            <a:endParaRPr lang="en-US"/>
+          </a:p>
+        </p:txBody>
+      </p:sp>
+      <p:pic>
+        <p:nvPicPr>
+          <p:cNvPr id="11" name="Picture 10">
+            <a:extLst>
+              <a:ext uri="{FF2B5EF4-FFF2-40B4-BE49-F238E27FC236}">
+                <a16:creationId xmlns:a16="http://schemas.microsoft.com/office/drawing/2014/main" id="{02DD2BC0-6F29-4B4F-8D61-2DCF6D2E8E73}"/>
+              </a:ext>
+              <a:ext uri="{C183D7F6-B498-43B3-948B-1728B52AA6E4}">
+                <adec:decorative xmlns:adec="http://schemas.microsoft.com/office/drawing/2017/decorative" val="1"/>
+              </a:ext>
+            </a:extLst>
+          </p:cNvPr>
+          <p:cNvPicPr>
+            <a:picLocks noGrp="1" noRot="1" noChangeAspect="1" noMove="1" noResize="1" noEditPoints="1" noAdjustHandles="1" noChangeArrowheads="1" noChangeShapeType="1" noCrop="1"/>
+          </p:cNvPicPr>
+          <p:nvPr>
+            <p:extLst>
+              <p:ext uri="{386F3935-93C4-4BCD-93E2-E3B085C9AB24}">
+                <p16:designElem xmlns:p16="http://schemas.microsoft.com/office/powerpoint/2015/main" val="1"/>
+              </p:ext>
+            </p:extLst>
+          </p:nvPr>
+        </p:nvPicPr>
+        <p:blipFill>
+          <a:blip r:embed="rId2">
+            <a:extLst>
+              <a:ext uri="{28A0092B-C50C-407E-A947-70E740481C1C}">
+                <a14:useLocalDpi xmlns:a14="http://schemas.microsoft.com/office/drawing/2010/main" val="0"/>
+              </a:ext>
+            </a:extLst>
+          </a:blip>
+          <a:stretch>
+            <a:fillRect/>
+          </a:stretch>
+        </p:blipFill>
+        <p:spPr>
+          <a:xfrm>
+            <a:off x="0" y="0"/>
+            <a:ext cx="12192000" cy="6858000"/>
+          </a:xfrm>
+          <a:prstGeom prst="rect">
+            <a:avLst/>
+          </a:prstGeom>
+        </p:spPr>
+      </p:pic>
+      <p:sp>
+        <p:nvSpPr>
           <p:cNvPr id="2" name="Title 1">
             <a:extLst>
               <a:ext uri="{FF2B5EF4-FFF2-40B4-BE49-F238E27FC236}">
@@ -7737,120 +14007,61 @@
             <p:ph type="title"/>
           </p:nvPr>
         </p:nvSpPr>
-        <p:spPr/>
-        <p:txBody>
-          <a:bodyPr/>
-          <a:lstStyle/>
-          <a:p>
-            <a:r>
-              <a:rPr lang="en-US" dirty="0"/>
-              <a:t>Brief glimpse of 12 factor app </a:t>
-            </a:r>
-          </a:p>
-        </p:txBody>
-      </p:sp>
-      <p:sp>
-        <p:nvSpPr>
-          <p:cNvPr id="3" name="Content Placeholder 2">
-            <a:extLst>
-              <a:ext uri="{FF2B5EF4-FFF2-40B4-BE49-F238E27FC236}">
-                <a16:creationId xmlns:a16="http://schemas.microsoft.com/office/drawing/2014/main" id="{20D7EA11-9D5A-1E4A-B5C3-F02613A222E4}"/>
-              </a:ext>
-            </a:extLst>
-          </p:cNvPr>
-          <p:cNvSpPr>
-            <a:spLocks noGrp="1"/>
-          </p:cNvSpPr>
-          <p:nvPr>
-            <p:ph idx="1"/>
-          </p:nvPr>
-        </p:nvSpPr>
-        <p:spPr/>
+        <p:spPr>
+          <a:xfrm>
+            <a:off x="1179226" y="826680"/>
+            <a:ext cx="9833548" cy="1325563"/>
+          </a:xfrm>
+        </p:spPr>
         <p:txBody>
           <a:bodyPr>
             <a:normAutofit/>
           </a:bodyPr>
           <a:lstStyle/>
           <a:p>
-            <a:pPr marL="0" indent="0">
-              <a:buNone/>
-            </a:pPr>
+            <a:pPr algn="ctr"/>
             <a:r>
-              <a:rPr lang="en-US" dirty="0"/>
-              <a:t>1.Code base                                                     9. Disposability </a:t>
+              <a:rPr lang="en-US" sz="4000">
+                <a:solidFill>
+                  <a:srgbClr val="FFFFFF"/>
+                </a:solidFill>
+              </a:rPr>
+              <a:t>Brief glimpse of 12 factor app </a:t>
             </a:r>
-          </a:p>
-          <a:p>
-            <a:pPr marL="0" indent="0">
-              <a:buNone/>
-            </a:pPr>
-            <a:r>
-              <a:rPr lang="en-US" dirty="0"/>
-              <a:t>2.Dependencies                                             10. Development/Production </a:t>
-            </a:r>
-          </a:p>
-          <a:p>
-            <a:pPr marL="0" indent="0">
-              <a:buNone/>
-            </a:pPr>
-            <a:r>
-              <a:rPr lang="en-US" dirty="0"/>
-              <a:t>3.Config                                                                  Parity</a:t>
-            </a:r>
-          </a:p>
-          <a:p>
-            <a:pPr marL="0" indent="0">
-              <a:buNone/>
-            </a:pPr>
-            <a:r>
-              <a:rPr lang="en-US" dirty="0"/>
-              <a:t>4.Backing services                                          11. Logs</a:t>
-            </a:r>
-          </a:p>
-          <a:p>
-            <a:pPr marL="0" indent="0">
-              <a:buNone/>
-            </a:pPr>
-            <a:r>
-              <a:rPr lang="en-US" dirty="0"/>
-              <a:t>5.Build, release, run                                       12. Admin Processes</a:t>
-            </a:r>
-          </a:p>
-          <a:p>
-            <a:pPr marL="0" indent="0">
-              <a:buNone/>
-            </a:pPr>
-            <a:r>
-              <a:rPr lang="en-US" dirty="0"/>
-              <a:t>6.Processes</a:t>
-            </a:r>
-          </a:p>
-          <a:p>
-            <a:pPr marL="0" indent="0">
-              <a:buNone/>
-            </a:pPr>
-            <a:r>
-              <a:rPr lang="en-US" dirty="0"/>
-              <a:t>7. Port binding</a:t>
-            </a:r>
-          </a:p>
-          <a:p>
-            <a:pPr marL="0" indent="0">
-              <a:buNone/>
-            </a:pPr>
-            <a:r>
-              <a:rPr lang="en-US" dirty="0"/>
-              <a:t>8. Concurrency</a:t>
-            </a:r>
-          </a:p>
-          <a:p>
-            <a:pPr marL="0" indent="0">
-              <a:buNone/>
-            </a:pPr>
-            <a:endParaRPr lang="en-US" dirty="0"/>
           </a:p>
         </p:txBody>
       </p:sp>
+      <p:graphicFrame>
+        <p:nvGraphicFramePr>
+          <p:cNvPr id="5" name="Content Placeholder 2">
+            <a:extLst>
+              <a:ext uri="{FF2B5EF4-FFF2-40B4-BE49-F238E27FC236}">
+                <a16:creationId xmlns:a16="http://schemas.microsoft.com/office/drawing/2014/main" id="{7BF9A4B3-0244-4C9E-BF6C-2BDD91BB3563}"/>
+              </a:ext>
+            </a:extLst>
+          </p:cNvPr>
+          <p:cNvGraphicFramePr>
+            <a:graphicFrameLocks noGrp="1"/>
+          </p:cNvGraphicFramePr>
+          <p:nvPr>
+            <p:ph idx="1"/>
+            <p:extLst>
+              <p:ext uri="{D42A27DB-BD31-4B8C-83A1-F6EECF244321}">
+                <p14:modId xmlns:p14="http://schemas.microsoft.com/office/powerpoint/2010/main" val="4228575579"/>
+              </p:ext>
+            </p:extLst>
+          </p:nvPr>
+        </p:nvGraphicFramePr>
+        <p:xfrm>
+          <a:off x="1036320" y="2899956"/>
+          <a:ext cx="10119360" cy="3131364"/>
+        </p:xfrm>
+        <a:graphic>
+          <a:graphicData uri="http://schemas.openxmlformats.org/drawingml/2006/diagram">
+            <dgm:relIds xmlns:dgm="http://schemas.openxmlformats.org/drawingml/2006/diagram" xmlns:r="http://schemas.openxmlformats.org/officeDocument/2006/relationships" r:dm="rId3" r:lo="rId4" r:qs="rId5" r:cs="rId6"/>
+          </a:graphicData>
+        </a:graphic>
+      </p:graphicFrame>
     </p:spTree>
     <p:extLst>
       <p:ext uri="{BB962C8B-B14F-4D97-AF65-F5344CB8AC3E}">
@@ -8399,7 +14610,7 @@
               <a:t>fdp</a:t>
             </a:r>
             <a:r>
-              <a:rPr lang="en-IN"/>
+              <a:rPr lang="en-IN" dirty="0"/>
               <a:t>/logs/ fdp-app:1.0.0</a:t>
             </a:r>
           </a:p>
@@ -8422,6 +14633,347 @@
 </file>
 
 <file path=ppt/slides/slide8.xml><?xml version="1.0" encoding="utf-8"?>
+<p:sld xmlns:a="http://schemas.openxmlformats.org/drawingml/2006/main" xmlns:r="http://schemas.openxmlformats.org/officeDocument/2006/relationships" xmlns:p="http://schemas.openxmlformats.org/presentationml/2006/main">
+  <p:cSld>
+    <p:bg>
+      <p:bgPr>
+        <a:solidFill>
+          <a:schemeClr val="bg1"/>
+        </a:solidFill>
+        <a:effectLst/>
+      </p:bgPr>
+    </p:bg>
+    <p:spTree>
+      <p:nvGrpSpPr>
+        <p:cNvPr id="1" name=""/>
+        <p:cNvGrpSpPr/>
+        <p:nvPr/>
+      </p:nvGrpSpPr>
+      <p:grpSpPr>
+        <a:xfrm>
+          <a:off x="0" y="0"/>
+          <a:ext cx="0" cy="0"/>
+          <a:chOff x="0" y="0"/>
+          <a:chExt cx="0" cy="0"/>
+        </a:xfrm>
+      </p:grpSpPr>
+      <p:sp useBgFill="1">
+        <p:nvSpPr>
+          <p:cNvPr id="8" name="Rectangle 7">
+            <a:extLst>
+              <a:ext uri="{FF2B5EF4-FFF2-40B4-BE49-F238E27FC236}">
+                <a16:creationId xmlns:a16="http://schemas.microsoft.com/office/drawing/2014/main" id="{3B854194-185D-494D-905C-7C7CB2E30F6E}"/>
+              </a:ext>
+              <a:ext uri="{C183D7F6-B498-43B3-948B-1728B52AA6E4}">
+                <adec:decorative xmlns:adec="http://schemas.microsoft.com/office/drawing/2017/decorative" val="1"/>
+              </a:ext>
+            </a:extLst>
+          </p:cNvPr>
+          <p:cNvSpPr>
+            <a:spLocks noGrp="1" noRot="1" noChangeAspect="1" noMove="1" noResize="1" noEditPoints="1" noAdjustHandles="1" noChangeArrowheads="1" noChangeShapeType="1" noTextEdit="1"/>
+          </p:cNvSpPr>
+          <p:nvPr>
+            <p:extLst>
+              <p:ext uri="{386F3935-93C4-4BCD-93E2-E3B085C9AB24}">
+                <p16:designElem xmlns:p16="http://schemas.microsoft.com/office/powerpoint/2015/main" val="1"/>
+              </p:ext>
+            </p:extLst>
+          </p:nvPr>
+        </p:nvSpPr>
+        <p:spPr>
+          <a:xfrm>
+            <a:off x="1" y="0"/>
+            <a:ext cx="6082110" cy="6858000"/>
+          </a:xfrm>
+          <a:prstGeom prst="rect">
+            <a:avLst/>
+          </a:prstGeom>
+          <a:ln>
+            <a:noFill/>
+          </a:ln>
+        </p:spPr>
+        <p:style>
+          <a:lnRef idx="2">
+            <a:schemeClr val="accent1">
+              <a:shade val="50000"/>
+            </a:schemeClr>
+          </a:lnRef>
+          <a:fillRef idx="1">
+            <a:schemeClr val="accent1"/>
+          </a:fillRef>
+          <a:effectRef idx="0">
+            <a:schemeClr val="accent1"/>
+          </a:effectRef>
+          <a:fontRef idx="minor">
+            <a:schemeClr val="lt1"/>
+          </a:fontRef>
+        </p:style>
+        <p:txBody>
+          <a:bodyPr rtlCol="0" anchor="ctr"/>
+          <a:lstStyle/>
+          <a:p>
+            <a:pPr algn="ctr"/>
+            <a:endParaRPr lang="en-US"/>
+          </a:p>
+        </p:txBody>
+      </p:sp>
+      <p:sp>
+        <p:nvSpPr>
+          <p:cNvPr id="10" name="Rectangle 9">
+            <a:extLst>
+              <a:ext uri="{FF2B5EF4-FFF2-40B4-BE49-F238E27FC236}">
+                <a16:creationId xmlns:a16="http://schemas.microsoft.com/office/drawing/2014/main" id="{B4F5FA0D-0104-4987-8241-EFF7C85B88DE}"/>
+              </a:ext>
+              <a:ext uri="{C183D7F6-B498-43B3-948B-1728B52AA6E4}">
+                <adec:decorative xmlns:adec="http://schemas.microsoft.com/office/drawing/2017/decorative" val="1"/>
+              </a:ext>
+            </a:extLst>
+          </p:cNvPr>
+          <p:cNvSpPr>
+            <a:spLocks noGrp="1" noRot="1" noChangeAspect="1" noMove="1" noResize="1" noEditPoints="1" noAdjustHandles="1" noChangeArrowheads="1" noChangeShapeType="1" noTextEdit="1"/>
+          </p:cNvSpPr>
+          <p:nvPr>
+            <p:extLst>
+              <p:ext uri="{386F3935-93C4-4BCD-93E2-E3B085C9AB24}">
+                <p16:designElem xmlns:p16="http://schemas.microsoft.com/office/powerpoint/2015/main" val="1"/>
+              </p:ext>
+            </p:extLst>
+          </p:nvPr>
+        </p:nvSpPr>
+        <p:spPr>
+          <a:xfrm>
+            <a:off x="1" y="0"/>
+            <a:ext cx="12191998" cy="6858000"/>
+          </a:xfrm>
+          <a:prstGeom prst="rect">
+            <a:avLst/>
+          </a:prstGeom>
+          <a:gradFill>
+            <a:gsLst>
+              <a:gs pos="0">
+                <a:schemeClr val="accent1">
+                  <a:lumMod val="90000"/>
+                </a:schemeClr>
+              </a:gs>
+              <a:gs pos="25000">
+                <a:schemeClr val="accent1">
+                  <a:lumMod val="90000"/>
+                </a:schemeClr>
+              </a:gs>
+              <a:gs pos="94000">
+                <a:schemeClr val="bg2">
+                  <a:lumMod val="25000"/>
+                </a:schemeClr>
+              </a:gs>
+              <a:gs pos="100000">
+                <a:schemeClr val="bg2">
+                  <a:lumMod val="25000"/>
+                </a:schemeClr>
+              </a:gs>
+            </a:gsLst>
+            <a:lin ang="4200000" scaled="0"/>
+          </a:gradFill>
+          <a:ln>
+            <a:noFill/>
+          </a:ln>
+        </p:spPr>
+        <p:style>
+          <a:lnRef idx="2">
+            <a:schemeClr val="accent1">
+              <a:shade val="50000"/>
+            </a:schemeClr>
+          </a:lnRef>
+          <a:fillRef idx="1">
+            <a:schemeClr val="accent1"/>
+          </a:fillRef>
+          <a:effectRef idx="0">
+            <a:schemeClr val="accent1"/>
+          </a:effectRef>
+          <a:fontRef idx="minor">
+            <a:schemeClr val="lt1"/>
+          </a:fontRef>
+        </p:style>
+        <p:txBody>
+          <a:bodyPr rtlCol="0" anchor="ctr"/>
+          <a:lstStyle/>
+          <a:p>
+            <a:pPr algn="ctr"/>
+            <a:endParaRPr lang="en-US"/>
+          </a:p>
+        </p:txBody>
+      </p:sp>
+      <p:pic>
+        <p:nvPicPr>
+          <p:cNvPr id="12" name="Picture 11">
+            <a:extLst>
+              <a:ext uri="{FF2B5EF4-FFF2-40B4-BE49-F238E27FC236}">
+                <a16:creationId xmlns:a16="http://schemas.microsoft.com/office/drawing/2014/main" id="{2897127E-6CEF-446C-BE87-93B7C46E49D1}"/>
+              </a:ext>
+              <a:ext uri="{C183D7F6-B498-43B3-948B-1728B52AA6E4}">
+                <adec:decorative xmlns:adec="http://schemas.microsoft.com/office/drawing/2017/decorative" val="1"/>
+              </a:ext>
+            </a:extLst>
+          </p:cNvPr>
+          <p:cNvPicPr>
+            <a:picLocks noGrp="1" noRot="1" noChangeAspect="1" noMove="1" noResize="1" noEditPoints="1" noAdjustHandles="1" noChangeArrowheads="1" noChangeShapeType="1" noCrop="1"/>
+          </p:cNvPicPr>
+          <p:nvPr>
+            <p:extLst>
+              <p:ext uri="{386F3935-93C4-4BCD-93E2-E3B085C9AB24}">
+                <p16:designElem xmlns:p16="http://schemas.microsoft.com/office/powerpoint/2015/main" val="1"/>
+              </p:ext>
+            </p:extLst>
+          </p:nvPr>
+        </p:nvPicPr>
+        <p:blipFill>
+          <a:blip r:embed="rId2">
+            <a:extLst>
+              <a:ext uri="{28A0092B-C50C-407E-A947-70E740481C1C}">
+                <a14:useLocalDpi xmlns:a14="http://schemas.microsoft.com/office/drawing/2010/main" val="0"/>
+              </a:ext>
+            </a:extLst>
+          </a:blip>
+          <a:stretch>
+            <a:fillRect/>
+          </a:stretch>
+        </p:blipFill>
+        <p:spPr>
+          <a:xfrm>
+            <a:off x="0" y="0"/>
+            <a:ext cx="12192000" cy="6858000"/>
+          </a:xfrm>
+          <a:prstGeom prst="rect">
+            <a:avLst/>
+          </a:prstGeom>
+        </p:spPr>
+      </p:pic>
+      <p:sp>
+        <p:nvSpPr>
+          <p:cNvPr id="2" name="Title 1">
+            <a:extLst>
+              <a:ext uri="{FF2B5EF4-FFF2-40B4-BE49-F238E27FC236}">
+                <a16:creationId xmlns:a16="http://schemas.microsoft.com/office/drawing/2014/main" id="{328FFF2F-8CED-3D49-81D6-ED261D6800B0}"/>
+              </a:ext>
+            </a:extLst>
+          </p:cNvPr>
+          <p:cNvSpPr>
+            <a:spLocks noGrp="1"/>
+          </p:cNvSpPr>
+          <p:nvPr>
+            <p:ph type="title"/>
+          </p:nvPr>
+        </p:nvSpPr>
+        <p:spPr>
+          <a:xfrm>
+            <a:off x="640079" y="2053641"/>
+            <a:ext cx="3669161" cy="2760098"/>
+          </a:xfrm>
+        </p:spPr>
+        <p:txBody>
+          <a:bodyPr>
+            <a:normAutofit/>
+          </a:bodyPr>
+          <a:lstStyle/>
+          <a:p>
+            <a:r>
+              <a:rPr lang="en-US">
+                <a:solidFill>
+                  <a:srgbClr val="FFFFFF"/>
+                </a:solidFill>
+              </a:rPr>
+              <a:t>Disadvantages</a:t>
+            </a:r>
+          </a:p>
+        </p:txBody>
+      </p:sp>
+      <p:sp>
+        <p:nvSpPr>
+          <p:cNvPr id="3" name="Content Placeholder 2">
+            <a:extLst>
+              <a:ext uri="{FF2B5EF4-FFF2-40B4-BE49-F238E27FC236}">
+                <a16:creationId xmlns:a16="http://schemas.microsoft.com/office/drawing/2014/main" id="{75A271FF-09C2-6D44-B18F-3046FC7526FC}"/>
+              </a:ext>
+            </a:extLst>
+          </p:cNvPr>
+          <p:cNvSpPr>
+            <a:spLocks noGrp="1"/>
+          </p:cNvSpPr>
+          <p:nvPr>
+            <p:ph idx="1"/>
+          </p:nvPr>
+        </p:nvSpPr>
+        <p:spPr>
+          <a:xfrm>
+            <a:off x="6090574" y="801866"/>
+            <a:ext cx="5306084" cy="5230634"/>
+          </a:xfrm>
+        </p:spPr>
+        <p:txBody>
+          <a:bodyPr anchor="ctr">
+            <a:normAutofit/>
+          </a:bodyPr>
+          <a:lstStyle/>
+          <a:p>
+            <a:r>
+              <a:rPr lang="en-US" sz="2400" dirty="0">
+                <a:solidFill>
+                  <a:srgbClr val="000000"/>
+                </a:solidFill>
+              </a:rPr>
+              <a:t>Complex Service to service communications</a:t>
+            </a:r>
+          </a:p>
+          <a:p>
+            <a:r>
+              <a:rPr lang="en-US" sz="2400" dirty="0">
+                <a:solidFill>
+                  <a:srgbClr val="000000"/>
+                </a:solidFill>
+              </a:rPr>
+              <a:t>Debugging such system is complex</a:t>
+            </a:r>
+          </a:p>
+          <a:p>
+            <a:r>
+              <a:rPr lang="en-IN" sz="2400" dirty="0">
+                <a:solidFill>
+                  <a:srgbClr val="000000"/>
+                </a:solidFill>
+              </a:rPr>
+              <a:t>Difficult to manage large number of services</a:t>
+            </a:r>
+          </a:p>
+          <a:p>
+            <a:r>
+              <a:rPr lang="en-IN" sz="2400" dirty="0">
+                <a:solidFill>
+                  <a:srgbClr val="000000"/>
+                </a:solidFill>
+              </a:rPr>
+              <a:t>The developer needs to solve the problem, such as network latency and load balancing.</a:t>
+            </a:r>
+            <a:endParaRPr lang="en-US" sz="2400" dirty="0">
+              <a:solidFill>
+                <a:srgbClr val="000000"/>
+              </a:solidFill>
+            </a:endParaRPr>
+          </a:p>
+        </p:txBody>
+      </p:sp>
+    </p:spTree>
+    <p:extLst>
+      <p:ext uri="{BB962C8B-B14F-4D97-AF65-F5344CB8AC3E}">
+        <p14:creationId xmlns:p14="http://schemas.microsoft.com/office/powerpoint/2010/main" val="1992451871"/>
+      </p:ext>
+    </p:extLst>
+  </p:cSld>
+  <p:clrMapOvr>
+    <a:masterClrMapping/>
+  </p:clrMapOvr>
+</p:sld>
+</file>
+
+<file path=ppt/slides/slide9.xml><?xml version="1.0" encoding="utf-8"?>
 <p:sld xmlns:a="http://schemas.openxmlformats.org/drawingml/2006/main" xmlns:r="http://schemas.openxmlformats.org/officeDocument/2006/relationships" xmlns:p="http://schemas.openxmlformats.org/presentationml/2006/main">
   <p:cSld>
     <p:bg>

--- a/CloudNativeApps.pptx
+++ b/CloudNativeApps.pptx
@@ -118,7 +118,7 @@
 <file path=ppt/revisionInfo.xml><?xml version="1.0" encoding="utf-8"?>
 <p1510:revInfo xmlns:a="http://schemas.openxmlformats.org/drawingml/2006/main" xmlns:r="http://schemas.openxmlformats.org/officeDocument/2006/relationships" xmlns:p1510="http://schemas.microsoft.com/office/powerpoint/2015/10/main">
   <p1510:revLst>
-    <p1510:client id="{32B24E5E-24DB-484A-B724-91F49E0766B5}" v="247" dt="2020-08-12T09:09:19.333"/>
+    <p1510:client id="{32B24E5E-24DB-484A-B724-91F49E0766B5}" v="255" dt="2020-08-12T09:20:39.724"/>
   </p1510:revLst>
 </p1510:revInfo>
 </file>
@@ -2575,7 +2575,7 @@
 <dgm:dataModel xmlns:dgm="http://schemas.openxmlformats.org/drawingml/2006/diagram" xmlns:a="http://schemas.openxmlformats.org/drawingml/2006/main">
   <dgm:ptLst>
     <dgm:pt modelId="{499287A7-999C-4B48-962E-185B16BC8CE8}" type="doc">
-      <dgm:prSet loTypeId="urn:microsoft.com/office/officeart/2005/8/layout/default" loCatId="list" qsTypeId="urn:microsoft.com/office/officeart/2005/8/quickstyle/simple1" qsCatId="simple" csTypeId="urn:microsoft.com/office/officeart/2005/8/colors/colorful1" csCatId="colorful"/>
+      <dgm:prSet loTypeId="urn:microsoft.com/office/officeart/2005/8/layout/default" loCatId="list" qsTypeId="urn:microsoft.com/office/officeart/2005/8/quickstyle/simple1" qsCatId="simple" csTypeId="urn:microsoft.com/office/officeart/2005/8/colors/colorful1" csCatId="colorful" phldr="1"/>
       <dgm:spPr/>
       <dgm:t>
         <a:bodyPr/>
@@ -2586,14 +2586,14 @@
       </dgm:t>
     </dgm:pt>
     <dgm:pt modelId="{DE9E8909-E37A-43D1-9B0F-4BA8EBDBEA79}">
-      <dgm:prSet/>
+      <dgm:prSet custT="1"/>
       <dgm:spPr/>
       <dgm:t>
         <a:bodyPr/>
         <a:lstStyle/>
         <a:p>
           <a:r>
-            <a:rPr lang="en-US"/>
+            <a:rPr lang="en-US" sz="2800" dirty="0"/>
             <a:t>Modern apps which are designed for scalability in mind.</a:t>
           </a:r>
         </a:p>
@@ -2622,17 +2622,17 @@
       </dgm:t>
     </dgm:pt>
     <dgm:pt modelId="{95F0C423-9FC3-4AF5-8A94-4903B472542B}">
-      <dgm:prSet/>
+      <dgm:prSet custT="1"/>
       <dgm:spPr/>
       <dgm:t>
         <a:bodyPr/>
         <a:lstStyle/>
         <a:p>
           <a:r>
-            <a:rPr lang="en-IN"/>
+            <a:rPr lang="en-IN" sz="2000" dirty="0"/>
             <a:t>Packaged as lightweight containers</a:t>
           </a:r>
-          <a:endParaRPr lang="en-US"/>
+          <a:endParaRPr lang="en-US" sz="2000" dirty="0"/>
         </a:p>
       </dgm:t>
     </dgm:pt>
@@ -2659,17 +2659,17 @@
       </dgm:t>
     </dgm:pt>
     <dgm:pt modelId="{31C8925C-43AE-46E3-8F1E-BB20D63B744D}">
-      <dgm:prSet/>
+      <dgm:prSet custT="1"/>
       <dgm:spPr/>
       <dgm:t>
         <a:bodyPr/>
         <a:lstStyle/>
         <a:p>
           <a:r>
-            <a:rPr lang="en-IN"/>
+            <a:rPr lang="en-IN" sz="2000" dirty="0"/>
             <a:t>Designed as loosely coupled microservices</a:t>
           </a:r>
-          <a:endParaRPr lang="en-US"/>
+          <a:endParaRPr lang="en-US" sz="2000" dirty="0"/>
         </a:p>
       </dgm:t>
     </dgm:pt>
@@ -2696,17 +2696,21 @@
       </dgm:t>
     </dgm:pt>
     <dgm:pt modelId="{5DC1E021-4E8E-43B2-A963-5B1E9444D036}">
-      <dgm:prSet/>
+      <dgm:prSet custT="1"/>
       <dgm:spPr/>
       <dgm:t>
         <a:bodyPr/>
         <a:lstStyle/>
         <a:p>
           <a:r>
-            <a:rPr lang="en-IN"/>
-            <a:t>Centered around APIs for interaction and collaboration</a:t>
+            <a:rPr lang="en-IN" sz="2000" dirty="0" err="1"/>
+            <a:t>Centered</a:t>
           </a:r>
-          <a:endParaRPr lang="en-US"/>
+          <a:r>
+            <a:rPr lang="en-IN" sz="2000" dirty="0"/>
+            <a:t> around APIs for interaction and collaboration</a:t>
+          </a:r>
+          <a:endParaRPr lang="en-US" sz="2000" dirty="0"/>
         </a:p>
       </dgm:t>
     </dgm:pt>
@@ -2733,17 +2737,17 @@
       </dgm:t>
     </dgm:pt>
     <dgm:pt modelId="{A04CC57E-6F04-4E59-88A6-3E660C7C31AB}">
-      <dgm:prSet/>
+      <dgm:prSet custT="1"/>
       <dgm:spPr/>
       <dgm:t>
         <a:bodyPr/>
         <a:lstStyle/>
         <a:p>
           <a:r>
-            <a:rPr lang="en-IN"/>
+            <a:rPr lang="en-IN" sz="2000" dirty="0"/>
             <a:t>Architected with a clean separation of stateless and stateful services</a:t>
           </a:r>
-          <a:endParaRPr lang="en-US"/>
+          <a:endParaRPr lang="en-US" sz="2000" dirty="0"/>
         </a:p>
       </dgm:t>
     </dgm:pt>
@@ -2770,17 +2774,17 @@
       </dgm:t>
     </dgm:pt>
     <dgm:pt modelId="{FD99566A-6AE4-41A8-BBFA-6D1895DB8AEB}">
-      <dgm:prSet/>
+      <dgm:prSet custT="1"/>
       <dgm:spPr/>
       <dgm:t>
         <a:bodyPr/>
         <a:lstStyle/>
         <a:p>
           <a:r>
-            <a:rPr lang="en-IN"/>
+            <a:rPr lang="en-IN" sz="2000" dirty="0"/>
             <a:t>Isolated from server and operating system dependencies</a:t>
           </a:r>
-          <a:endParaRPr lang="en-US"/>
+          <a:endParaRPr lang="en-US" sz="2000" dirty="0"/>
         </a:p>
       </dgm:t>
     </dgm:pt>
@@ -2807,17 +2811,17 @@
       </dgm:t>
     </dgm:pt>
     <dgm:pt modelId="{6F0C68F7-ECDD-4DB9-A44B-FE64BFC4DA1A}">
-      <dgm:prSet/>
+      <dgm:prSet custT="1"/>
       <dgm:spPr/>
       <dgm:t>
         <a:bodyPr/>
         <a:lstStyle/>
         <a:p>
           <a:r>
-            <a:rPr lang="en-IN"/>
+            <a:rPr lang="en-IN" sz="2000" dirty="0"/>
             <a:t>Deployed on self-service, elastic, cloud infrastructure</a:t>
           </a:r>
-          <a:endParaRPr lang="en-US"/>
+          <a:endParaRPr lang="en-US" sz="2000" dirty="0"/>
         </a:p>
       </dgm:t>
     </dgm:pt>
@@ -2844,17 +2848,17 @@
       </dgm:t>
     </dgm:pt>
     <dgm:pt modelId="{3709E9C1-C753-4B5F-B512-7F3C3064B620}">
-      <dgm:prSet/>
+      <dgm:prSet custT="1"/>
       <dgm:spPr/>
       <dgm:t>
         <a:bodyPr/>
         <a:lstStyle/>
         <a:p>
           <a:r>
-            <a:rPr lang="en-IN"/>
+            <a:rPr lang="en-IN" sz="2000" dirty="0"/>
             <a:t>Managed through agile DevOps processes(CI/CD) </a:t>
           </a:r>
-          <a:endParaRPr lang="en-US"/>
+          <a:endParaRPr lang="en-US" sz="2000" dirty="0"/>
         </a:p>
       </dgm:t>
     </dgm:pt>
@@ -2881,17 +2885,17 @@
       </dgm:t>
     </dgm:pt>
     <dgm:pt modelId="{90F5ADD5-B28F-411E-8E8C-9FF7D9F60076}">
-      <dgm:prSet/>
+      <dgm:prSet custT="1"/>
       <dgm:spPr/>
       <dgm:t>
         <a:bodyPr/>
         <a:lstStyle/>
         <a:p>
           <a:r>
-            <a:rPr lang="en-IN"/>
+            <a:rPr lang="en-IN" sz="2000" dirty="0"/>
             <a:t>Defined, policy-driven resource allocation</a:t>
           </a:r>
-          <a:endParaRPr lang="en-US"/>
+          <a:endParaRPr lang="en-US" sz="2000" dirty="0"/>
         </a:p>
       </dgm:t>
     </dgm:pt>
@@ -2927,7 +2931,7 @@
       <dgm:spPr/>
     </dgm:pt>
     <dgm:pt modelId="{31B62AF7-8E7F-D24F-A9B4-39FDD5EAA4F2}" type="pres">
-      <dgm:prSet presAssocID="{DE9E8909-E37A-43D1-9B0F-4BA8EBDBEA79}" presName="node" presStyleLbl="node1" presStyleIdx="0" presStyleCnt="1">
+      <dgm:prSet presAssocID="{DE9E8909-E37A-43D1-9B0F-4BA8EBDBEA79}" presName="node" presStyleLbl="node1" presStyleIdx="0" presStyleCnt="1" custScaleX="156459">
         <dgm:presLayoutVars>
           <dgm:bulletEnabled val="1"/>
         </dgm:presLayoutVars>
@@ -3206,7 +3210,7 @@
         <a:lstStyle/>
         <a:p>
           <a:r>
-            <a:rPr lang="en-US"/>
+            <a:rPr lang="en-US" dirty="0"/>
             <a:t>1.Code base                                                     9. Disposability </a:t>
           </a:r>
         </a:p>
@@ -3315,15 +3319,7 @@
         <a:p>
           <a:r>
             <a:rPr lang="en-US" dirty="0"/>
-            <a:t>4.Backing </a:t>
-          </a:r>
-          <a:r>
-            <a:rPr lang="en-US"/>
-            <a:t>services                                         12. </a:t>
-          </a:r>
-          <a:r>
-            <a:rPr lang="en-US" dirty="0"/>
-            <a:t>Admin Processes</a:t>
+            <a:t>4.Backing services                                         12. Admin Processes</a:t>
           </a:r>
         </a:p>
       </dgm:t>
@@ -3663,8 +3659,8 @@
       </dsp:nvSpPr>
       <dsp:spPr>
         <a:xfrm>
-          <a:off x="2450782" y="343"/>
-          <a:ext cx="5217795" cy="3130676"/>
+          <a:off x="142900" y="825"/>
+          <a:ext cx="9833559" cy="3771042"/>
         </a:xfrm>
         <a:prstGeom prst="rect">
           <a:avLst/>
@@ -3706,12 +3702,12 @@
         </a:fontRef>
       </dsp:style>
       <dsp:txBody>
-        <a:bodyPr spcFirstLastPara="0" vert="horz" wrap="square" lIns="80010" tIns="80010" rIns="80010" bIns="80010" numCol="1" spcCol="1270" anchor="t" anchorCtr="0">
+        <a:bodyPr spcFirstLastPara="0" vert="horz" wrap="square" lIns="106680" tIns="106680" rIns="106680" bIns="106680" numCol="1" spcCol="1270" anchor="t" anchorCtr="0">
           <a:noAutofit/>
         </a:bodyPr>
         <a:lstStyle/>
         <a:p>
-          <a:pPr marL="0" lvl="0" indent="0" algn="l" defTabSz="933450">
+          <a:pPr marL="0" lvl="0" indent="0" algn="l" defTabSz="1244600">
             <a:lnSpc>
               <a:spcPct val="90000"/>
             </a:lnSpc>
@@ -3724,12 +3720,12 @@
             <a:buNone/>
           </a:pPr>
           <a:r>
-            <a:rPr lang="en-US" sz="2100" kern="1200"/>
+            <a:rPr lang="en-US" sz="2800" kern="1200" dirty="0"/>
             <a:t>Modern apps which are designed for scalability in mind.</a:t>
           </a:r>
         </a:p>
         <a:p>
-          <a:pPr marL="171450" lvl="1" indent="-171450" algn="l" defTabSz="711200">
+          <a:pPr marL="228600" lvl="1" indent="-228600" algn="l" defTabSz="889000">
             <a:lnSpc>
               <a:spcPct val="90000"/>
             </a:lnSpc>
@@ -3742,13 +3738,13 @@
             <a:buChar char="•"/>
           </a:pPr>
           <a:r>
-            <a:rPr lang="en-IN" sz="1600" kern="1200"/>
+            <a:rPr lang="en-IN" sz="2000" kern="1200" dirty="0"/>
             <a:t>Packaged as lightweight containers</a:t>
           </a:r>
-          <a:endParaRPr lang="en-US" sz="1600" kern="1200"/>
+          <a:endParaRPr lang="en-US" sz="2000" kern="1200" dirty="0"/>
         </a:p>
         <a:p>
-          <a:pPr marL="171450" lvl="1" indent="-171450" algn="l" defTabSz="711200">
+          <a:pPr marL="228600" lvl="1" indent="-228600" algn="l" defTabSz="889000">
             <a:lnSpc>
               <a:spcPct val="90000"/>
             </a:lnSpc>
@@ -3761,13 +3757,13 @@
             <a:buChar char="•"/>
           </a:pPr>
           <a:r>
-            <a:rPr lang="en-IN" sz="1600" kern="1200"/>
+            <a:rPr lang="en-IN" sz="2000" kern="1200" dirty="0"/>
             <a:t>Designed as loosely coupled microservices</a:t>
           </a:r>
-          <a:endParaRPr lang="en-US" sz="1600" kern="1200"/>
+          <a:endParaRPr lang="en-US" sz="2000" kern="1200" dirty="0"/>
         </a:p>
         <a:p>
-          <a:pPr marL="171450" lvl="1" indent="-171450" algn="l" defTabSz="711200">
+          <a:pPr marL="228600" lvl="1" indent="-228600" algn="l" defTabSz="889000">
             <a:lnSpc>
               <a:spcPct val="90000"/>
             </a:lnSpc>
@@ -3780,13 +3776,17 @@
             <a:buChar char="•"/>
           </a:pPr>
           <a:r>
-            <a:rPr lang="en-IN" sz="1600" kern="1200"/>
-            <a:t>Centered around APIs for interaction and collaboration</a:t>
+            <a:rPr lang="en-IN" sz="2000" kern="1200" dirty="0" err="1"/>
+            <a:t>Centered</a:t>
           </a:r>
-          <a:endParaRPr lang="en-US" sz="1600" kern="1200"/>
+          <a:r>
+            <a:rPr lang="en-IN" sz="2000" kern="1200" dirty="0"/>
+            <a:t> around APIs for interaction and collaboration</a:t>
+          </a:r>
+          <a:endParaRPr lang="en-US" sz="2000" kern="1200" dirty="0"/>
         </a:p>
         <a:p>
-          <a:pPr marL="171450" lvl="1" indent="-171450" algn="l" defTabSz="711200">
+          <a:pPr marL="228600" lvl="1" indent="-228600" algn="l" defTabSz="889000">
             <a:lnSpc>
               <a:spcPct val="90000"/>
             </a:lnSpc>
@@ -3799,13 +3799,13 @@
             <a:buChar char="•"/>
           </a:pPr>
           <a:r>
-            <a:rPr lang="en-IN" sz="1600" kern="1200"/>
+            <a:rPr lang="en-IN" sz="2000" kern="1200" dirty="0"/>
             <a:t>Architected with a clean separation of stateless and stateful services</a:t>
           </a:r>
-          <a:endParaRPr lang="en-US" sz="1600" kern="1200"/>
+          <a:endParaRPr lang="en-US" sz="2000" kern="1200" dirty="0"/>
         </a:p>
         <a:p>
-          <a:pPr marL="171450" lvl="1" indent="-171450" algn="l" defTabSz="711200">
+          <a:pPr marL="228600" lvl="1" indent="-228600" algn="l" defTabSz="889000">
             <a:lnSpc>
               <a:spcPct val="90000"/>
             </a:lnSpc>
@@ -3818,13 +3818,13 @@
             <a:buChar char="•"/>
           </a:pPr>
           <a:r>
-            <a:rPr lang="en-IN" sz="1600" kern="1200"/>
+            <a:rPr lang="en-IN" sz="2000" kern="1200" dirty="0"/>
             <a:t>Isolated from server and operating system dependencies</a:t>
           </a:r>
-          <a:endParaRPr lang="en-US" sz="1600" kern="1200"/>
+          <a:endParaRPr lang="en-US" sz="2000" kern="1200" dirty="0"/>
         </a:p>
         <a:p>
-          <a:pPr marL="171450" lvl="1" indent="-171450" algn="l" defTabSz="711200">
+          <a:pPr marL="228600" lvl="1" indent="-228600" algn="l" defTabSz="889000">
             <a:lnSpc>
               <a:spcPct val="90000"/>
             </a:lnSpc>
@@ -3837,13 +3837,13 @@
             <a:buChar char="•"/>
           </a:pPr>
           <a:r>
-            <a:rPr lang="en-IN" sz="1600" kern="1200"/>
+            <a:rPr lang="en-IN" sz="2000" kern="1200" dirty="0"/>
             <a:t>Deployed on self-service, elastic, cloud infrastructure</a:t>
           </a:r>
-          <a:endParaRPr lang="en-US" sz="1600" kern="1200"/>
+          <a:endParaRPr lang="en-US" sz="2000" kern="1200" dirty="0"/>
         </a:p>
         <a:p>
-          <a:pPr marL="171450" lvl="1" indent="-171450" algn="l" defTabSz="711200">
+          <a:pPr marL="228600" lvl="1" indent="-228600" algn="l" defTabSz="889000">
             <a:lnSpc>
               <a:spcPct val="90000"/>
             </a:lnSpc>
@@ -3856,13 +3856,13 @@
             <a:buChar char="•"/>
           </a:pPr>
           <a:r>
-            <a:rPr lang="en-IN" sz="1600" kern="1200"/>
+            <a:rPr lang="en-IN" sz="2000" kern="1200" dirty="0"/>
             <a:t>Managed through agile DevOps processes(CI/CD) </a:t>
           </a:r>
-          <a:endParaRPr lang="en-US" sz="1600" kern="1200"/>
+          <a:endParaRPr lang="en-US" sz="2000" kern="1200" dirty="0"/>
         </a:p>
         <a:p>
-          <a:pPr marL="171450" lvl="1" indent="-171450" algn="l" defTabSz="711200">
+          <a:pPr marL="228600" lvl="1" indent="-228600" algn="l" defTabSz="889000">
             <a:lnSpc>
               <a:spcPct val="90000"/>
             </a:lnSpc>
@@ -3875,15 +3875,15 @@
             <a:buChar char="•"/>
           </a:pPr>
           <a:r>
-            <a:rPr lang="en-IN" sz="1600" kern="1200"/>
+            <a:rPr lang="en-IN" sz="2000" kern="1200" dirty="0"/>
             <a:t>Defined, policy-driven resource allocation</a:t>
           </a:r>
-          <a:endParaRPr lang="en-US" sz="1600" kern="1200"/>
+          <a:endParaRPr lang="en-US" sz="2000" kern="1200" dirty="0"/>
         </a:p>
       </dsp:txBody>
       <dsp:txXfrm>
-        <a:off x="2450782" y="343"/>
-        <a:ext cx="5217795" cy="3130676"/>
+        <a:off x="142900" y="825"/>
+        <a:ext cx="9833559" cy="3771042"/>
       </dsp:txXfrm>
     </dsp:sp>
   </dsp:spTree>
@@ -4541,8 +4541,8 @@
       </dsp:nvSpPr>
       <dsp:spPr>
         <a:xfrm>
-          <a:off x="0" y="81402"/>
-          <a:ext cx="10119359" cy="335790"/>
+          <a:off x="0" y="2699"/>
+          <a:ext cx="11692237" cy="431730"/>
         </a:xfrm>
         <a:prstGeom prst="roundRect">
           <a:avLst/>
@@ -4584,12 +4584,12 @@
         </a:fontRef>
       </dsp:style>
       <dsp:txBody>
-        <a:bodyPr spcFirstLastPara="0" vert="horz" wrap="square" lIns="53340" tIns="53340" rIns="53340" bIns="53340" numCol="1" spcCol="1270" anchor="ctr" anchorCtr="0">
+        <a:bodyPr spcFirstLastPara="0" vert="horz" wrap="square" lIns="68580" tIns="68580" rIns="68580" bIns="68580" numCol="1" spcCol="1270" anchor="ctr" anchorCtr="0">
           <a:noAutofit/>
         </a:bodyPr>
         <a:lstStyle/>
         <a:p>
-          <a:pPr marL="0" lvl="0" indent="0" algn="l" defTabSz="622300">
+          <a:pPr marL="0" lvl="0" indent="0" algn="l" defTabSz="800100">
             <a:lnSpc>
               <a:spcPct val="90000"/>
             </a:lnSpc>
@@ -4602,14 +4602,14 @@
             <a:buNone/>
           </a:pPr>
           <a:r>
-            <a:rPr lang="en-US" sz="1400" kern="1200"/>
+            <a:rPr lang="en-US" sz="1800" kern="1200" dirty="0"/>
             <a:t>1.Code base                                                     9. Disposability </a:t>
           </a:r>
         </a:p>
       </dsp:txBody>
       <dsp:txXfrm>
-        <a:off x="16392" y="97794"/>
-        <a:ext cx="10086575" cy="303006"/>
+        <a:off x="21075" y="23774"/>
+        <a:ext cx="11650087" cy="389580"/>
       </dsp:txXfrm>
     </dsp:sp>
     <dsp:sp modelId="{7B99776F-9391-6146-AB0B-50E95982A469}">
@@ -4619,8 +4619,8 @@
       </dsp:nvSpPr>
       <dsp:spPr>
         <a:xfrm>
-          <a:off x="0" y="457512"/>
-          <a:ext cx="10119359" cy="335790"/>
+          <a:off x="0" y="486269"/>
+          <a:ext cx="11692237" cy="431730"/>
         </a:xfrm>
         <a:prstGeom prst="roundRect">
           <a:avLst/>
@@ -4662,12 +4662,12 @@
         </a:fontRef>
       </dsp:style>
       <dsp:txBody>
-        <a:bodyPr spcFirstLastPara="0" vert="horz" wrap="square" lIns="53340" tIns="53340" rIns="53340" bIns="53340" numCol="1" spcCol="1270" anchor="ctr" anchorCtr="0">
+        <a:bodyPr spcFirstLastPara="0" vert="horz" wrap="square" lIns="68580" tIns="68580" rIns="68580" bIns="68580" numCol="1" spcCol="1270" anchor="ctr" anchorCtr="0">
           <a:noAutofit/>
         </a:bodyPr>
         <a:lstStyle/>
         <a:p>
-          <a:pPr marL="0" lvl="0" indent="0" algn="l" defTabSz="622300">
+          <a:pPr marL="0" lvl="0" indent="0" algn="l" defTabSz="800100">
             <a:lnSpc>
               <a:spcPct val="90000"/>
             </a:lnSpc>
@@ -4680,14 +4680,14 @@
             <a:buNone/>
           </a:pPr>
           <a:r>
-            <a:rPr lang="en-US" sz="1400" kern="1200" dirty="0"/>
+            <a:rPr lang="en-US" sz="1800" kern="1200" dirty="0"/>
             <a:t>2.Dependencies                                             10. Development/Production Parity </a:t>
           </a:r>
         </a:p>
       </dsp:txBody>
       <dsp:txXfrm>
-        <a:off x="16392" y="473904"/>
-        <a:ext cx="10086575" cy="303006"/>
+        <a:off x="21075" y="507344"/>
+        <a:ext cx="11650087" cy="389580"/>
       </dsp:txXfrm>
     </dsp:sp>
     <dsp:sp modelId="{0EF7C45D-2AD9-DC49-A3EA-090C112E0842}">
@@ -4697,8 +4697,8 @@
       </dsp:nvSpPr>
       <dsp:spPr>
         <a:xfrm>
-          <a:off x="0" y="833622"/>
-          <a:ext cx="10119359" cy="335790"/>
+          <a:off x="0" y="969840"/>
+          <a:ext cx="11692237" cy="431730"/>
         </a:xfrm>
         <a:prstGeom prst="roundRect">
           <a:avLst/>
@@ -4740,12 +4740,12 @@
         </a:fontRef>
       </dsp:style>
       <dsp:txBody>
-        <a:bodyPr spcFirstLastPara="0" vert="horz" wrap="square" lIns="53340" tIns="53340" rIns="53340" bIns="53340" numCol="1" spcCol="1270" anchor="ctr" anchorCtr="0">
+        <a:bodyPr spcFirstLastPara="0" vert="horz" wrap="square" lIns="68580" tIns="68580" rIns="68580" bIns="68580" numCol="1" spcCol="1270" anchor="ctr" anchorCtr="0">
           <a:noAutofit/>
         </a:bodyPr>
         <a:lstStyle/>
         <a:p>
-          <a:pPr marL="0" lvl="0" indent="0" algn="l" defTabSz="622300">
+          <a:pPr marL="0" lvl="0" indent="0" algn="l" defTabSz="800100">
             <a:lnSpc>
               <a:spcPct val="90000"/>
             </a:lnSpc>
@@ -4758,14 +4758,14 @@
             <a:buNone/>
           </a:pPr>
           <a:r>
-            <a:rPr lang="en-US" sz="1400" kern="1200" dirty="0"/>
+            <a:rPr lang="en-US" sz="1800" kern="1200" dirty="0"/>
             <a:t>3.Config                                                           11. Logs</a:t>
           </a:r>
         </a:p>
       </dsp:txBody>
       <dsp:txXfrm>
-        <a:off x="16392" y="850014"/>
-        <a:ext cx="10086575" cy="303006"/>
+        <a:off x="21075" y="990915"/>
+        <a:ext cx="11650087" cy="389580"/>
       </dsp:txXfrm>
     </dsp:sp>
     <dsp:sp modelId="{F4B60AEB-62C0-1341-A15F-A407A02DA33F}">
@@ -4775,8 +4775,8 @@
       </dsp:nvSpPr>
       <dsp:spPr>
         <a:xfrm>
-          <a:off x="0" y="1209732"/>
-          <a:ext cx="10119359" cy="335790"/>
+          <a:off x="0" y="1453409"/>
+          <a:ext cx="11692237" cy="431730"/>
         </a:xfrm>
         <a:prstGeom prst="roundRect">
           <a:avLst/>
@@ -4818,12 +4818,12 @@
         </a:fontRef>
       </dsp:style>
       <dsp:txBody>
-        <a:bodyPr spcFirstLastPara="0" vert="horz" wrap="square" lIns="53340" tIns="53340" rIns="53340" bIns="53340" numCol="1" spcCol="1270" anchor="ctr" anchorCtr="0">
+        <a:bodyPr spcFirstLastPara="0" vert="horz" wrap="square" lIns="68580" tIns="68580" rIns="68580" bIns="68580" numCol="1" spcCol="1270" anchor="ctr" anchorCtr="0">
           <a:noAutofit/>
         </a:bodyPr>
         <a:lstStyle/>
         <a:p>
-          <a:pPr marL="0" lvl="0" indent="0" algn="l" defTabSz="622300">
+          <a:pPr marL="0" lvl="0" indent="0" algn="l" defTabSz="800100">
             <a:lnSpc>
               <a:spcPct val="90000"/>
             </a:lnSpc>
@@ -4836,22 +4836,14 @@
             <a:buNone/>
           </a:pPr>
           <a:r>
-            <a:rPr lang="en-US" sz="1400" kern="1200" dirty="0"/>
-            <a:t>4.Backing </a:t>
-          </a:r>
-          <a:r>
-            <a:rPr lang="en-US" sz="1400" kern="1200"/>
-            <a:t>services                                         12. </a:t>
-          </a:r>
-          <a:r>
-            <a:rPr lang="en-US" sz="1400" kern="1200" dirty="0"/>
-            <a:t>Admin Processes</a:t>
+            <a:rPr lang="en-US" sz="1800" kern="1200" dirty="0"/>
+            <a:t>4.Backing services                                         12. Admin Processes</a:t>
           </a:r>
         </a:p>
       </dsp:txBody>
       <dsp:txXfrm>
-        <a:off x="16392" y="1226124"/>
-        <a:ext cx="10086575" cy="303006"/>
+        <a:off x="21075" y="1474484"/>
+        <a:ext cx="11650087" cy="389580"/>
       </dsp:txXfrm>
     </dsp:sp>
     <dsp:sp modelId="{449C5763-0C4D-F047-9B6E-4ED9A2F0E714}">
@@ -4861,8 +4853,8 @@
       </dsp:nvSpPr>
       <dsp:spPr>
         <a:xfrm>
-          <a:off x="0" y="1585842"/>
-          <a:ext cx="10119359" cy="335790"/>
+          <a:off x="0" y="1936979"/>
+          <a:ext cx="11692237" cy="431730"/>
         </a:xfrm>
         <a:prstGeom prst="roundRect">
           <a:avLst/>
@@ -4904,12 +4896,12 @@
         </a:fontRef>
       </dsp:style>
       <dsp:txBody>
-        <a:bodyPr spcFirstLastPara="0" vert="horz" wrap="square" lIns="53340" tIns="53340" rIns="53340" bIns="53340" numCol="1" spcCol="1270" anchor="ctr" anchorCtr="0">
+        <a:bodyPr spcFirstLastPara="0" vert="horz" wrap="square" lIns="68580" tIns="68580" rIns="68580" bIns="68580" numCol="1" spcCol="1270" anchor="ctr" anchorCtr="0">
           <a:noAutofit/>
         </a:bodyPr>
         <a:lstStyle/>
         <a:p>
-          <a:pPr marL="0" lvl="0" indent="0" algn="l" defTabSz="622300">
+          <a:pPr marL="0" lvl="0" indent="0" algn="l" defTabSz="800100">
             <a:lnSpc>
               <a:spcPct val="90000"/>
             </a:lnSpc>
@@ -4922,14 +4914,14 @@
             <a:buNone/>
           </a:pPr>
           <a:r>
-            <a:rPr lang="en-US" sz="1400" kern="1200" dirty="0"/>
+            <a:rPr lang="en-US" sz="1800" kern="1200" dirty="0"/>
             <a:t>5.Build, release, run</a:t>
           </a:r>
         </a:p>
       </dsp:txBody>
       <dsp:txXfrm>
-        <a:off x="16392" y="1602234"/>
-        <a:ext cx="10086575" cy="303006"/>
+        <a:off x="21075" y="1958054"/>
+        <a:ext cx="11650087" cy="389580"/>
       </dsp:txXfrm>
     </dsp:sp>
     <dsp:sp modelId="{688797AD-4425-B744-89B2-92624A91F7B9}">
@@ -4939,8 +4931,8 @@
       </dsp:nvSpPr>
       <dsp:spPr>
         <a:xfrm>
-          <a:off x="0" y="1961952"/>
-          <a:ext cx="10119359" cy="335790"/>
+          <a:off x="0" y="2420549"/>
+          <a:ext cx="11692237" cy="431730"/>
         </a:xfrm>
         <a:prstGeom prst="roundRect">
           <a:avLst/>
@@ -4982,12 +4974,12 @@
         </a:fontRef>
       </dsp:style>
       <dsp:txBody>
-        <a:bodyPr spcFirstLastPara="0" vert="horz" wrap="square" lIns="53340" tIns="53340" rIns="53340" bIns="53340" numCol="1" spcCol="1270" anchor="ctr" anchorCtr="0">
+        <a:bodyPr spcFirstLastPara="0" vert="horz" wrap="square" lIns="68580" tIns="68580" rIns="68580" bIns="68580" numCol="1" spcCol="1270" anchor="ctr" anchorCtr="0">
           <a:noAutofit/>
         </a:bodyPr>
         <a:lstStyle/>
         <a:p>
-          <a:pPr marL="0" lvl="0" indent="0" algn="l" defTabSz="622300">
+          <a:pPr marL="0" lvl="0" indent="0" algn="l" defTabSz="800100">
             <a:lnSpc>
               <a:spcPct val="90000"/>
             </a:lnSpc>
@@ -5000,14 +4992,14 @@
             <a:buNone/>
           </a:pPr>
           <a:r>
-            <a:rPr lang="en-US" sz="1400" kern="1200"/>
+            <a:rPr lang="en-US" sz="1800" kern="1200"/>
             <a:t>6.Processes</a:t>
           </a:r>
         </a:p>
       </dsp:txBody>
       <dsp:txXfrm>
-        <a:off x="16392" y="1978344"/>
-        <a:ext cx="10086575" cy="303006"/>
+        <a:off x="21075" y="2441624"/>
+        <a:ext cx="11650087" cy="389580"/>
       </dsp:txXfrm>
     </dsp:sp>
     <dsp:sp modelId="{B161685B-1FA8-A14C-97BC-2F558F1093C4}">
@@ -5017,8 +5009,8 @@
       </dsp:nvSpPr>
       <dsp:spPr>
         <a:xfrm>
-          <a:off x="0" y="2338062"/>
-          <a:ext cx="10119359" cy="335790"/>
+          <a:off x="0" y="2904119"/>
+          <a:ext cx="11692237" cy="431730"/>
         </a:xfrm>
         <a:prstGeom prst="roundRect">
           <a:avLst/>
@@ -5060,12 +5052,12 @@
         </a:fontRef>
       </dsp:style>
       <dsp:txBody>
-        <a:bodyPr spcFirstLastPara="0" vert="horz" wrap="square" lIns="53340" tIns="53340" rIns="53340" bIns="53340" numCol="1" spcCol="1270" anchor="ctr" anchorCtr="0">
+        <a:bodyPr spcFirstLastPara="0" vert="horz" wrap="square" lIns="68580" tIns="68580" rIns="68580" bIns="68580" numCol="1" spcCol="1270" anchor="ctr" anchorCtr="0">
           <a:noAutofit/>
         </a:bodyPr>
         <a:lstStyle/>
         <a:p>
-          <a:pPr marL="0" lvl="0" indent="0" algn="l" defTabSz="622300">
+          <a:pPr marL="0" lvl="0" indent="0" algn="l" defTabSz="800100">
             <a:lnSpc>
               <a:spcPct val="90000"/>
             </a:lnSpc>
@@ -5078,14 +5070,14 @@
             <a:buNone/>
           </a:pPr>
           <a:r>
-            <a:rPr lang="en-US" sz="1400" kern="1200"/>
+            <a:rPr lang="en-US" sz="1800" kern="1200"/>
             <a:t>7. Port binding</a:t>
           </a:r>
         </a:p>
       </dsp:txBody>
       <dsp:txXfrm>
-        <a:off x="16392" y="2354454"/>
-        <a:ext cx="10086575" cy="303006"/>
+        <a:off x="21075" y="2925194"/>
+        <a:ext cx="11650087" cy="389580"/>
       </dsp:txXfrm>
     </dsp:sp>
     <dsp:sp modelId="{8B87BBAE-FF02-744C-AA1F-BCA9CA51B128}">
@@ -5095,8 +5087,8 @@
       </dsp:nvSpPr>
       <dsp:spPr>
         <a:xfrm>
-          <a:off x="0" y="2714171"/>
-          <a:ext cx="10119359" cy="335790"/>
+          <a:off x="0" y="3387690"/>
+          <a:ext cx="11692237" cy="431730"/>
         </a:xfrm>
         <a:prstGeom prst="roundRect">
           <a:avLst/>
@@ -5138,12 +5130,12 @@
         </a:fontRef>
       </dsp:style>
       <dsp:txBody>
-        <a:bodyPr spcFirstLastPara="0" vert="horz" wrap="square" lIns="53340" tIns="53340" rIns="53340" bIns="53340" numCol="1" spcCol="1270" anchor="ctr" anchorCtr="0">
+        <a:bodyPr spcFirstLastPara="0" vert="horz" wrap="square" lIns="68580" tIns="68580" rIns="68580" bIns="68580" numCol="1" spcCol="1270" anchor="ctr" anchorCtr="0">
           <a:noAutofit/>
         </a:bodyPr>
         <a:lstStyle/>
         <a:p>
-          <a:pPr marL="0" lvl="0" indent="0" algn="l" defTabSz="622300">
+          <a:pPr marL="0" lvl="0" indent="0" algn="l" defTabSz="800100">
             <a:lnSpc>
               <a:spcPct val="90000"/>
             </a:lnSpc>
@@ -5156,14 +5148,14 @@
             <a:buNone/>
           </a:pPr>
           <a:r>
-            <a:rPr lang="en-US" sz="1400" kern="1200"/>
+            <a:rPr lang="en-US" sz="1800" kern="1200"/>
             <a:t>8. Concurrency</a:t>
           </a:r>
         </a:p>
       </dsp:txBody>
       <dsp:txXfrm>
-        <a:off x="16392" y="2730563"/>
-        <a:ext cx="10086575" cy="303006"/>
+        <a:off x="21075" y="3408765"/>
+        <a:ext cx="11650087" cy="389580"/>
       </dsp:txXfrm>
     </dsp:sp>
   </dsp:spTree>
@@ -13478,7 +13470,7 @@
                   <a:srgbClr val="000000"/>
                 </a:solidFill>
               </a:rPr>
-              <a:t>Containers deep dive with Docker </a:t>
+              <a:t>Containers with Docker (Hello world App)</a:t>
             </a:r>
           </a:p>
           <a:p>
@@ -13723,14 +13715,14 @@
             <p:ph idx="1"/>
             <p:extLst>
               <p:ext uri="{D42A27DB-BD31-4B8C-83A1-F6EECF244321}">
-                <p14:modId xmlns:p14="http://schemas.microsoft.com/office/powerpoint/2010/main" val="2039319389"/>
+                <p14:modId xmlns:p14="http://schemas.microsoft.com/office/powerpoint/2010/main" val="809943065"/>
               </p:ext>
             </p:extLst>
           </p:nvPr>
         </p:nvGraphicFramePr>
         <p:xfrm>
-          <a:off x="1036320" y="2899956"/>
-          <a:ext cx="10119360" cy="3131364"/>
+          <a:off x="1036320" y="2899955"/>
+          <a:ext cx="10119360" cy="3772693"/>
         </p:xfrm>
         <a:graphic>
           <a:graphicData uri="http://schemas.openxmlformats.org/drawingml/2006/diagram">
@@ -14047,14 +14039,14 @@
             <p:ph idx="1"/>
             <p:extLst>
               <p:ext uri="{D42A27DB-BD31-4B8C-83A1-F6EECF244321}">
-                <p14:modId xmlns:p14="http://schemas.microsoft.com/office/powerpoint/2010/main" val="4228575579"/>
+                <p14:modId xmlns:p14="http://schemas.microsoft.com/office/powerpoint/2010/main" val="980742171"/>
               </p:ext>
             </p:extLst>
           </p:nvPr>
         </p:nvGraphicFramePr>
         <p:xfrm>
-          <a:off x="1036320" y="2899956"/>
-          <a:ext cx="10119360" cy="3131364"/>
+          <a:off x="355601" y="2899956"/>
+          <a:ext cx="11692237" cy="3822120"/>
         </p:xfrm>
         <a:graphic>
           <a:graphicData uri="http://schemas.openxmlformats.org/drawingml/2006/diagram">
@@ -14398,7 +14390,7 @@
         <p:spPr>
           <a:xfrm>
             <a:off x="525516" y="2977978"/>
-            <a:ext cx="4593021" cy="3880021"/>
+            <a:ext cx="6394268" cy="3880021"/>
           </a:xfrm>
         </p:spPr>
         <p:txBody>
@@ -14521,9 +14513,14 @@
           <a:lstStyle/>
           <a:p>
             <a:r>
-              <a:rPr lang="en-US" dirty="0"/>
-              <a:t>Hello Docker container</a:t>
+              <a:rPr lang="en-US" dirty="0">
+                <a:solidFill>
+                  <a:srgbClr val="000000"/>
+                </a:solidFill>
+              </a:rPr>
+              <a:t>Containers with Docker</a:t>
             </a:r>
+            <a:endParaRPr lang="en-US" dirty="0"/>
           </a:p>
         </p:txBody>
       </p:sp>
